--- a/05_PythonNetwork/05_Network.pptx
+++ b/05_PythonNetwork/05_Network.pptx
@@ -5,7 +5,7 @@
     <p:sldMasterId id="2147483648" r:id="rId1"/>
   </p:sldMasterIdLst>
   <p:notesMasterIdLst>
-    <p:notesMasterId r:id="rId25"/>
+    <p:notesMasterId r:id="rId35"/>
   </p:notesMasterIdLst>
   <p:sldIdLst>
     <p:sldId id="256" r:id="rId2"/>
@@ -24,13 +24,23 @@
     <p:sldId id="271" r:id="rId15"/>
     <p:sldId id="272" r:id="rId16"/>
     <p:sldId id="273" r:id="rId17"/>
-    <p:sldId id="274" r:id="rId18"/>
-    <p:sldId id="275" r:id="rId19"/>
-    <p:sldId id="276" r:id="rId20"/>
-    <p:sldId id="277" r:id="rId21"/>
-    <p:sldId id="278" r:id="rId22"/>
-    <p:sldId id="279" r:id="rId23"/>
-    <p:sldId id="259" r:id="rId24"/>
+    <p:sldId id="280" r:id="rId18"/>
+    <p:sldId id="281" r:id="rId19"/>
+    <p:sldId id="274" r:id="rId20"/>
+    <p:sldId id="275" r:id="rId21"/>
+    <p:sldId id="276" r:id="rId22"/>
+    <p:sldId id="282" r:id="rId23"/>
+    <p:sldId id="283" r:id="rId24"/>
+    <p:sldId id="277" r:id="rId25"/>
+    <p:sldId id="278" r:id="rId26"/>
+    <p:sldId id="279" r:id="rId27"/>
+    <p:sldId id="284" r:id="rId28"/>
+    <p:sldId id="285" r:id="rId29"/>
+    <p:sldId id="286" r:id="rId30"/>
+    <p:sldId id="287" r:id="rId31"/>
+    <p:sldId id="288" r:id="rId32"/>
+    <p:sldId id="289" r:id="rId33"/>
+    <p:sldId id="259" r:id="rId34"/>
   </p:sldIdLst>
   <p:sldSz cx="9144000" cy="6858000" type="screen4x3"/>
   <p:notesSz cx="6858000" cy="9144000"/>
@@ -231,7 +241,7 @@
             <a:fld id="{6837EDA8-41C8-4B24-A206-13C08A65A6D7}" type="datetimeFigureOut">
               <a:rPr lang="zh-TW" altLang="en-US" smtClean="0"/>
               <a:pPr/>
-              <a:t>2020/1/5</a:t>
+              <a:t>2020/1/6</a:t>
             </a:fld>
             <a:endParaRPr lang="zh-TW" altLang="en-US"/>
           </a:p>
@@ -684,7 +694,7 @@
             <a:fld id="{8B85509C-BD4F-47BF-9B1E-FC2E949B3621}" type="datetime1">
               <a:rPr lang="zh-TW" altLang="en-US" smtClean="0"/>
               <a:pPr/>
-              <a:t>2020/1/5</a:t>
+              <a:t>2020/1/6</a:t>
             </a:fld>
             <a:endParaRPr lang="zh-TW" altLang="en-US"/>
           </a:p>
@@ -857,7 +867,7 @@
             <a:fld id="{42251B24-F787-4C15-8A0F-7AEC20C70069}" type="datetime1">
               <a:rPr lang="zh-TW" altLang="en-US" smtClean="0"/>
               <a:pPr/>
-              <a:t>2020/1/5</a:t>
+              <a:t>2020/1/6</a:t>
             </a:fld>
             <a:endParaRPr lang="zh-TW" altLang="en-US"/>
           </a:p>
@@ -1032,7 +1042,7 @@
             <a:fld id="{9CA0D33C-CE2B-45F1-B8D4-FFD1F131F331}" type="datetime1">
               <a:rPr lang="zh-TW" altLang="en-US" smtClean="0"/>
               <a:pPr/>
-              <a:t>2020/1/5</a:t>
+              <a:t>2020/1/6</a:t>
             </a:fld>
             <a:endParaRPr lang="zh-TW" altLang="en-US"/>
           </a:p>
@@ -1197,7 +1207,7 @@
             <a:fld id="{50B99440-D9EF-40CC-9B52-F6428D9B2C76}" type="datetime1">
               <a:rPr lang="zh-TW" altLang="en-US" smtClean="0"/>
               <a:pPr/>
-              <a:t>2020/1/5</a:t>
+              <a:t>2020/1/6</a:t>
             </a:fld>
             <a:endParaRPr lang="zh-TW" altLang="en-US"/>
           </a:p>
@@ -1439,7 +1449,7 @@
             <a:fld id="{0871BF52-5C6C-4959-8E27-CECB68D39FE4}" type="datetime1">
               <a:rPr lang="zh-TW" altLang="en-US" smtClean="0"/>
               <a:pPr/>
-              <a:t>2020/1/5</a:t>
+              <a:t>2020/1/6</a:t>
             </a:fld>
             <a:endParaRPr lang="zh-TW" altLang="en-US"/>
           </a:p>
@@ -1721,7 +1731,7 @@
             <a:fld id="{DF863F05-2DD9-4EB1-A827-12FD992DE9DC}" type="datetime1">
               <a:rPr lang="zh-TW" altLang="en-US" smtClean="0"/>
               <a:pPr/>
-              <a:t>2020/1/5</a:t>
+              <a:t>2020/1/6</a:t>
             </a:fld>
             <a:endParaRPr lang="zh-TW" altLang="en-US"/>
           </a:p>
@@ -2137,7 +2147,7 @@
             <a:fld id="{6339AF51-4491-4873-A096-75DB6CE47516}" type="datetime1">
               <a:rPr lang="zh-TW" altLang="en-US" smtClean="0"/>
               <a:pPr/>
-              <a:t>2020/1/5</a:t>
+              <a:t>2020/1/6</a:t>
             </a:fld>
             <a:endParaRPr lang="zh-TW" altLang="en-US"/>
           </a:p>
@@ -2251,7 +2261,7 @@
             <a:fld id="{EE4AD9C8-8B9E-40FF-ABE2-858AC2057BBB}" type="datetime1">
               <a:rPr lang="zh-TW" altLang="en-US" smtClean="0"/>
               <a:pPr/>
-              <a:t>2020/1/5</a:t>
+              <a:t>2020/1/6</a:t>
             </a:fld>
             <a:endParaRPr lang="zh-TW" altLang="en-US"/>
           </a:p>
@@ -2343,7 +2353,7 @@
             <a:fld id="{B4784999-BBBE-4BE4-A8D0-877E7D1D66CC}" type="datetime1">
               <a:rPr lang="zh-TW" altLang="en-US" smtClean="0"/>
               <a:pPr/>
-              <a:t>2020/1/5</a:t>
+              <a:t>2020/1/6</a:t>
             </a:fld>
             <a:endParaRPr lang="zh-TW" altLang="en-US"/>
           </a:p>
@@ -2615,7 +2625,7 @@
             <a:fld id="{E88D17E6-02BD-4944-B9FE-7BFCCBF83D48}" type="datetime1">
               <a:rPr lang="zh-TW" altLang="en-US" smtClean="0"/>
               <a:pPr/>
-              <a:t>2020/1/5</a:t>
+              <a:t>2020/1/6</a:t>
             </a:fld>
             <a:endParaRPr lang="zh-TW" altLang="en-US"/>
           </a:p>
@@ -2864,7 +2874,7 @@
             <a:fld id="{3C13E23D-1FEF-4D78-A3A3-3D6F2BB31954}" type="datetime1">
               <a:rPr lang="zh-TW" altLang="en-US" smtClean="0"/>
               <a:pPr/>
-              <a:t>2020/1/5</a:t>
+              <a:t>2020/1/6</a:t>
             </a:fld>
             <a:endParaRPr lang="zh-TW" altLang="en-US"/>
           </a:p>
@@ -3072,7 +3082,7 @@
             <a:fld id="{06197F35-AD6F-4594-8B50-334492D2E7E8}" type="datetime1">
               <a:rPr lang="zh-TW" altLang="en-US" smtClean="0"/>
               <a:pPr/>
-              <a:t>2020/1/5</a:t>
+              <a:t>2020/1/6</a:t>
             </a:fld>
             <a:endParaRPr lang="zh-TW" altLang="en-US"/>
           </a:p>
@@ -3533,7 +3543,7 @@
             <a:fld id="{C389EDC9-19E3-47AC-9C57-C6A24DEA81AD}" type="datetime1">
               <a:rPr lang="zh-TW" altLang="en-US" smtClean="0"/>
               <a:pPr/>
-              <a:t>2020/1/5</a:t>
+              <a:t>2020/1/6</a:t>
             </a:fld>
             <a:endParaRPr lang="zh-TW" altLang="en-US"/>
           </a:p>
@@ -3832,7 +3842,7 @@
             <a:fld id="{A4F910E6-8D00-4BAF-8C48-9688E0B449D3}" type="datetime1">
               <a:rPr lang="zh-TW" altLang="en-US" smtClean="0"/>
               <a:pPr/>
-              <a:t>2020/1/5</a:t>
+              <a:t>2020/1/6</a:t>
             </a:fld>
             <a:endParaRPr lang="zh-TW" altLang="en-US"/>
           </a:p>
@@ -4312,7 +4322,7 @@
             <a:fld id="{C389EDC9-19E3-47AC-9C57-C6A24DEA81AD}" type="datetime1">
               <a:rPr lang="zh-TW" altLang="en-US" smtClean="0"/>
               <a:pPr/>
-              <a:t>2020/1/5</a:t>
+              <a:t>2020/1/6</a:t>
             </a:fld>
             <a:endParaRPr lang="zh-TW" altLang="en-US"/>
           </a:p>
@@ -4616,7 +4626,7 @@
             <a:fld id="{A4F910E6-8D00-4BAF-8C48-9688E0B449D3}" type="datetime1">
               <a:rPr lang="zh-TW" altLang="en-US" smtClean="0"/>
               <a:pPr/>
-              <a:t>2020/1/5</a:t>
+              <a:t>2020/1/6</a:t>
             </a:fld>
             <a:endParaRPr lang="zh-TW" altLang="en-US"/>
           </a:p>
@@ -4976,7 +4986,7 @@
             <a:fld id="{C389EDC9-19E3-47AC-9C57-C6A24DEA81AD}" type="datetime1">
               <a:rPr lang="zh-TW" altLang="en-US" smtClean="0"/>
               <a:pPr/>
-              <a:t>2020/1/5</a:t>
+              <a:t>2020/1/6</a:t>
             </a:fld>
             <a:endParaRPr lang="zh-TW" altLang="en-US"/>
           </a:p>
@@ -5280,7 +5290,7 @@
             <a:fld id="{A4F910E6-8D00-4BAF-8C48-9688E0B449D3}" type="datetime1">
               <a:rPr lang="zh-TW" altLang="en-US" smtClean="0"/>
               <a:pPr/>
-              <a:t>2020/1/5</a:t>
+              <a:t>2020/1/6</a:t>
             </a:fld>
             <a:endParaRPr lang="zh-TW" altLang="en-US"/>
           </a:p>
@@ -5940,7 +5950,7 @@
             <a:fld id="{C389EDC9-19E3-47AC-9C57-C6A24DEA81AD}" type="datetime1">
               <a:rPr lang="zh-TW" altLang="en-US" smtClean="0"/>
               <a:pPr/>
-              <a:t>2020/1/5</a:t>
+              <a:t>2020/1/6</a:t>
             </a:fld>
             <a:endParaRPr lang="zh-TW" altLang="en-US"/>
           </a:p>
@@ -6370,7 +6380,7 @@
             <a:fld id="{A4F910E6-8D00-4BAF-8C48-9688E0B449D3}" type="datetime1">
               <a:rPr lang="zh-TW" altLang="en-US" smtClean="0"/>
               <a:pPr/>
-              <a:t>2020/1/5</a:t>
+              <a:t>2020/1/6</a:t>
             </a:fld>
             <a:endParaRPr lang="zh-TW" altLang="en-US"/>
           </a:p>
@@ -6591,7 +6601,7 @@
         <p:spPr>
           <a:xfrm>
             <a:off x="467544" y="1268759"/>
-            <a:ext cx="8352928" cy="360041"/>
+            <a:ext cx="8352928" cy="4320481"/>
           </a:xfrm>
           <a:ln>
             <a:solidFill>
@@ -6619,7 +6629,221 @@
                   <a:schemeClr val="tx1"/>
                 </a:solidFill>
               </a:rPr>
-              <a:t>A Simple Server code:</a:t>
+              <a:t>A Simple Server code (1):</a:t>
+            </a:r>
+          </a:p>
+          <a:p>
+            <a:pPr marL="342900" indent="-342900" algn="l">
+              <a:buClr>
+                <a:srgbClr val="0070C0"/>
+              </a:buClr>
+              <a:buSzPct val="80000"/>
+              <a:buFont typeface="Wingdings" pitchFamily="2" charset="2"/>
+              <a:buChar char="u"/>
+            </a:pPr>
+            <a:r>
+              <a:rPr lang="en-US" sz="1800" b="1" dirty="0">
+                <a:solidFill>
+                  <a:schemeClr val="tx1"/>
+                </a:solidFill>
+              </a:rPr>
+              <a:t>import socket: import socket package.</a:t>
+            </a:r>
+          </a:p>
+          <a:p>
+            <a:pPr marL="342900" indent="-342900" algn="l">
+              <a:buClr>
+                <a:srgbClr val="0070C0"/>
+              </a:buClr>
+              <a:buSzPct val="80000"/>
+              <a:buFont typeface="Wingdings" pitchFamily="2" charset="2"/>
+              <a:buChar char="u"/>
+            </a:pPr>
+            <a:r>
+              <a:rPr lang="en-US" sz="1800" b="1" dirty="0">
+                <a:solidFill>
+                  <a:schemeClr val="tx1"/>
+                </a:solidFill>
+              </a:rPr>
+              <a:t>s = </a:t>
+            </a:r>
+            <a:r>
+              <a:rPr lang="en-US" sz="1800" b="1" dirty="0" err="1">
+                <a:solidFill>
+                  <a:schemeClr val="tx1"/>
+                </a:solidFill>
+              </a:rPr>
+              <a:t>socket.socket</a:t>
+            </a:r>
+            <a:r>
+              <a:rPr lang="en-US" sz="1800" b="1" dirty="0">
+                <a:solidFill>
+                  <a:schemeClr val="tx1"/>
+                </a:solidFill>
+              </a:rPr>
+              <a:t> (</a:t>
+            </a:r>
+            <a:r>
+              <a:rPr lang="en-US" sz="1800" b="1" dirty="0" err="1">
+                <a:solidFill>
+                  <a:schemeClr val="tx1"/>
+                </a:solidFill>
+              </a:rPr>
+              <a:t>socket.AF_INET</a:t>
+            </a:r>
+            <a:r>
+              <a:rPr lang="en-US" sz="1800" b="1" dirty="0">
+                <a:solidFill>
+                  <a:schemeClr val="tx1"/>
+                </a:solidFill>
+              </a:rPr>
+              <a:t>, </a:t>
+            </a:r>
+            <a:r>
+              <a:rPr lang="en-US" sz="1800" b="1" dirty="0" err="1">
+                <a:solidFill>
+                  <a:schemeClr val="tx1"/>
+                </a:solidFill>
+              </a:rPr>
+              <a:t>socket.SAOCK_STREAM</a:t>
+            </a:r>
+            <a:r>
+              <a:rPr lang="en-US" sz="1800" b="1" dirty="0">
+                <a:solidFill>
+                  <a:schemeClr val="tx1"/>
+                </a:solidFill>
+              </a:rPr>
+              <a:t>): </a:t>
+            </a:r>
+          </a:p>
+          <a:p>
+            <a:pPr marL="342900" indent="-342900" algn="l">
+              <a:buClr>
+                <a:srgbClr val="0070C0"/>
+              </a:buClr>
+              <a:buSzPct val="80000"/>
+              <a:buFont typeface="Wingdings" pitchFamily="2" charset="2"/>
+              <a:buChar char="u"/>
+            </a:pPr>
+            <a:r>
+              <a:rPr lang="en-US" sz="1800" b="1" dirty="0" err="1">
+                <a:solidFill>
+                  <a:schemeClr val="tx1"/>
+                </a:solidFill>
+              </a:rPr>
+              <a:t>socket.SOCK_STREAM</a:t>
+            </a:r>
+            <a:r>
+              <a:rPr lang="en-US" sz="1800" b="1" dirty="0">
+                <a:solidFill>
+                  <a:schemeClr val="tx1"/>
+                </a:solidFill>
+              </a:rPr>
+              <a:t> corresponds to TCP. This will be a streaming socket. </a:t>
+            </a:r>
+          </a:p>
+          <a:p>
+            <a:pPr marL="342900" indent="-342900" algn="l">
+              <a:buClr>
+                <a:srgbClr val="0070C0"/>
+              </a:buClr>
+              <a:buSzPct val="80000"/>
+              <a:buFont typeface="Wingdings" pitchFamily="2" charset="2"/>
+              <a:buChar char="u"/>
+            </a:pPr>
+            <a:r>
+              <a:rPr lang="en-US" sz="1800" b="1" dirty="0">
+                <a:solidFill>
+                  <a:schemeClr val="tx1"/>
+                </a:solidFill>
+              </a:rPr>
+              <a:t>AF stands for address family. There are 29 address families. AF_INET (or AF_INET4) is address family for IPV4. AF_INET6 corresponds to IPV6. AF_IRDA (Infrared Data Association), AF_BLUETOOTH for Bluetooth.</a:t>
+            </a:r>
+          </a:p>
+          <a:p>
+            <a:pPr marL="342900" indent="-342900" algn="l">
+              <a:buClr>
+                <a:srgbClr val="0070C0"/>
+              </a:buClr>
+              <a:buSzPct val="80000"/>
+              <a:buFont typeface="Wingdings" pitchFamily="2" charset="2"/>
+              <a:buChar char="u"/>
+            </a:pPr>
+            <a:r>
+              <a:rPr lang="en-US" sz="1800" b="1" dirty="0" err="1">
+                <a:solidFill>
+                  <a:schemeClr val="tx1"/>
+                </a:solidFill>
+              </a:rPr>
+              <a:t>s.bind</a:t>
+            </a:r>
+            <a:r>
+              <a:rPr lang="en-US" sz="1800" b="1" dirty="0">
+                <a:solidFill>
+                  <a:schemeClr val="tx1"/>
+                </a:solidFill>
+              </a:rPr>
+              <a:t>((</a:t>
+            </a:r>
+            <a:r>
+              <a:rPr lang="en-US" sz="1800" b="1" dirty="0" err="1">
+                <a:solidFill>
+                  <a:schemeClr val="tx1"/>
+                </a:solidFill>
+              </a:rPr>
+              <a:t>socket.gethostname</a:t>
+            </a:r>
+            <a:r>
+              <a:rPr lang="en-US" sz="1800" b="1" dirty="0">
+                <a:solidFill>
+                  <a:schemeClr val="tx1"/>
+                </a:solidFill>
+              </a:rPr>
+              <a:t> (), 1234)): bind a tuple of type socket host name and port.</a:t>
+            </a:r>
+          </a:p>
+          <a:p>
+            <a:pPr marL="342900" indent="-342900" algn="l">
+              <a:buClr>
+                <a:srgbClr val="0070C0"/>
+              </a:buClr>
+              <a:buSzPct val="80000"/>
+              <a:buFont typeface="Wingdings" pitchFamily="2" charset="2"/>
+              <a:buChar char="u"/>
+            </a:pPr>
+            <a:r>
+              <a:rPr lang="en-US" sz="1800" b="1" dirty="0">
+                <a:solidFill>
+                  <a:schemeClr val="tx1"/>
+                </a:solidFill>
+              </a:rPr>
+              <a:t>What is socket? Sockets are just the endpoints. Socket itself is not the communication. The communication is on that end point. Socket has an IP and a port.</a:t>
+            </a:r>
+          </a:p>
+          <a:p>
+            <a:pPr marL="342900" indent="-342900" algn="l">
+              <a:buClr>
+                <a:srgbClr val="0070C0"/>
+              </a:buClr>
+              <a:buSzPct val="80000"/>
+              <a:buFont typeface="Wingdings" pitchFamily="2" charset="2"/>
+              <a:buChar char="u"/>
+            </a:pPr>
+            <a:r>
+              <a:rPr lang="en-US" sz="1800" b="1" dirty="0" err="1">
+                <a:solidFill>
+                  <a:schemeClr val="tx1"/>
+                </a:solidFill>
+              </a:rPr>
+              <a:t>s.listen</a:t>
+            </a:r>
+            <a:r>
+              <a:rPr lang="en-US" sz="1800" b="1" dirty="0">
+                <a:solidFill>
+                  <a:schemeClr val="tx1"/>
+                </a:solidFill>
+              </a:rPr>
+              <a:t> (5): We have queue of 5 for this server. If there are busy on the port, we have queue of 5 for each port and can respond quickly.</a:t>
             </a:r>
           </a:p>
         </p:txBody>
@@ -6719,7 +6943,7 @@
             <a:fld id="{A4F910E6-8D00-4BAF-8C48-9688E0B449D3}" type="datetime1">
               <a:rPr lang="zh-TW" altLang="en-US" smtClean="0"/>
               <a:pPr/>
-              <a:t>2020/1/5</a:t>
+              <a:t>2020/1/6</a:t>
             </a:fld>
             <a:endParaRPr lang="zh-TW" altLang="en-US"/>
           </a:p>
@@ -6744,6 +6968,944 @@
               <a:rPr lang="zh-TW" altLang="en-US" smtClean="0"/>
               <a:pPr/>
               <a:t>17</a:t>
+            </a:fld>
+            <a:endParaRPr lang="zh-TW" altLang="en-US"/>
+          </a:p>
+        </p:txBody>
+      </p:sp>
+      <p:sp>
+        <p:nvSpPr>
+          <p:cNvPr id="7" name="標題 1">
+            <a:extLst>
+              <a:ext uri="{FF2B5EF4-FFF2-40B4-BE49-F238E27FC236}">
+                <a16:creationId xmlns:a16="http://schemas.microsoft.com/office/drawing/2014/main" id="{6E2D4164-C1C5-46FE-A4A6-175D48CD34B6}"/>
+              </a:ext>
+            </a:extLst>
+          </p:cNvPr>
+          <p:cNvSpPr txBox="1">
+            <a:spLocks/>
+          </p:cNvSpPr>
+          <p:nvPr/>
+        </p:nvSpPr>
+        <p:spPr>
+          <a:xfrm>
+            <a:off x="16088" y="836712"/>
+            <a:ext cx="9144000" cy="360040"/>
+          </a:xfrm>
+          <a:prstGeom prst="rect">
+            <a:avLst/>
+          </a:prstGeom>
+          <a:gradFill flip="none" rotWithShape="1">
+            <a:gsLst>
+              <a:gs pos="0">
+                <a:srgbClr val="00B0F0">
+                  <a:shade val="30000"/>
+                  <a:satMod val="115000"/>
+                </a:srgbClr>
+              </a:gs>
+              <a:gs pos="50000">
+                <a:srgbClr val="00B0F0">
+                  <a:shade val="67500"/>
+                  <a:satMod val="115000"/>
+                </a:srgbClr>
+              </a:gs>
+              <a:gs pos="100000">
+                <a:srgbClr val="00B0F0">
+                  <a:shade val="100000"/>
+                  <a:satMod val="115000"/>
+                </a:srgbClr>
+              </a:gs>
+            </a:gsLst>
+            <a:path path="circle">
+              <a:fillToRect t="100000" r="100000"/>
+            </a:path>
+            <a:tileRect l="-100000" b="-100000"/>
+          </a:gradFill>
+        </p:spPr>
+        <p:txBody>
+          <a:bodyPr vert="horz" lIns="91440" tIns="45720" rIns="91440" bIns="45720" rtlCol="0" anchor="ctr">
+            <a:normAutofit/>
+          </a:bodyPr>
+          <a:lstStyle/>
+          <a:p>
+            <a:pPr lvl="0">
+              <a:spcBef>
+                <a:spcPct val="0"/>
+              </a:spcBef>
+            </a:pPr>
+            <a:r>
+              <a:rPr lang="en-US" sz="1600" dirty="0">
+                <a:hlinkClick r:id="rId3"/>
+              </a:rPr>
+              <a:t>https://www.tutorialspoint.com/python/python_networking.htm</a:t>
+            </a:r>
+            <a:endParaRPr kumimoji="0" lang="zh-TW" altLang="en-US" sz="1600" b="0" i="0" u="none" strike="noStrike" kern="1200" cap="none" spc="0" normalizeH="0" baseline="0" noProof="0" dirty="0">
+              <a:ln>
+                <a:noFill/>
+              </a:ln>
+              <a:solidFill>
+                <a:schemeClr val="tx1"/>
+              </a:solidFill>
+              <a:effectLst/>
+              <a:uLnTx/>
+              <a:uFillTx/>
+              <a:latin typeface="+mj-lt"/>
+              <a:ea typeface="+mj-ea"/>
+              <a:cs typeface="+mj-cs"/>
+            </a:endParaRPr>
+          </a:p>
+        </p:txBody>
+      </p:sp>
+    </p:spTree>
+    <p:extLst>
+      <p:ext uri="{BB962C8B-B14F-4D97-AF65-F5344CB8AC3E}">
+        <p14:creationId xmlns:p14="http://schemas.microsoft.com/office/powerpoint/2010/main" val="1255370381"/>
+      </p:ext>
+    </p:extLst>
+  </p:cSld>
+  <p:clrMapOvr>
+    <a:masterClrMapping/>
+  </p:clrMapOvr>
+</p:sld>
+</file>
+
+<file path=ppt/slides/slide18.xml><?xml version="1.0" encoding="utf-8"?>
+<p:sld xmlns:a="http://schemas.openxmlformats.org/drawingml/2006/main" xmlns:r="http://schemas.openxmlformats.org/officeDocument/2006/relationships" xmlns:p="http://schemas.openxmlformats.org/presentationml/2006/main">
+  <p:cSld>
+    <p:spTree>
+      <p:nvGrpSpPr>
+        <p:cNvPr id="1" name=""/>
+        <p:cNvGrpSpPr/>
+        <p:nvPr/>
+      </p:nvGrpSpPr>
+      <p:grpSpPr>
+        <a:xfrm>
+          <a:off x="0" y="0"/>
+          <a:ext cx="0" cy="0"/>
+          <a:chOff x="0" y="0"/>
+          <a:chExt cx="0" cy="0"/>
+        </a:xfrm>
+      </p:grpSpPr>
+      <p:sp>
+        <p:nvSpPr>
+          <p:cNvPr id="2" name="標題 1"/>
+          <p:cNvSpPr>
+            <a:spLocks noGrp="1"/>
+          </p:cNvSpPr>
+          <p:nvPr>
+            <p:ph type="ctrTitle"/>
+          </p:nvPr>
+        </p:nvSpPr>
+        <p:spPr>
+          <a:xfrm>
+            <a:off x="0" y="1"/>
+            <a:ext cx="9144000" cy="764704"/>
+          </a:xfrm>
+          <a:gradFill flip="none" rotWithShape="1">
+            <a:gsLst>
+              <a:gs pos="0">
+                <a:srgbClr val="C00000">
+                  <a:shade val="30000"/>
+                  <a:satMod val="115000"/>
+                </a:srgbClr>
+              </a:gs>
+              <a:gs pos="50000">
+                <a:srgbClr val="C00000">
+                  <a:shade val="67500"/>
+                  <a:satMod val="115000"/>
+                </a:srgbClr>
+              </a:gs>
+              <a:gs pos="100000">
+                <a:srgbClr val="C00000">
+                  <a:shade val="100000"/>
+                  <a:satMod val="115000"/>
+                </a:srgbClr>
+              </a:gs>
+            </a:gsLst>
+            <a:path path="circle">
+              <a:fillToRect t="100000" r="100000"/>
+            </a:path>
+            <a:tileRect l="-100000" b="-100000"/>
+          </a:gradFill>
+        </p:spPr>
+        <p:txBody>
+          <a:bodyPr>
+            <a:normAutofit/>
+          </a:bodyPr>
+          <a:lstStyle/>
+          <a:p>
+            <a:pPr algn="l"/>
+            <a:r>
+              <a:rPr lang="en-US" altLang="zh-TW" b="1" dirty="0">
+                <a:solidFill>
+                  <a:srgbClr val="FFFF00"/>
+                </a:solidFill>
+              </a:rPr>
+              <a:t>05.06 A Simple Server</a:t>
+            </a:r>
+            <a:endParaRPr lang="zh-TW" altLang="en-US" b="1" dirty="0">
+              <a:solidFill>
+                <a:srgbClr val="FFFF00"/>
+              </a:solidFill>
+            </a:endParaRPr>
+          </a:p>
+        </p:txBody>
+      </p:sp>
+      <p:sp>
+        <p:nvSpPr>
+          <p:cNvPr id="3" name="副標題 2"/>
+          <p:cNvSpPr>
+            <a:spLocks noGrp="1"/>
+          </p:cNvSpPr>
+          <p:nvPr>
+            <p:ph type="subTitle" idx="1"/>
+          </p:nvPr>
+        </p:nvSpPr>
+        <p:spPr>
+          <a:xfrm>
+            <a:off x="467544" y="1268759"/>
+            <a:ext cx="8352928" cy="4320481"/>
+          </a:xfrm>
+          <a:ln>
+            <a:solidFill>
+              <a:srgbClr val="C00000"/>
+            </a:solidFill>
+          </a:ln>
+        </p:spPr>
+        <p:txBody>
+          <a:bodyPr>
+            <a:noAutofit/>
+          </a:bodyPr>
+          <a:lstStyle/>
+          <a:p>
+            <a:pPr marL="342900" indent="-342900" algn="l">
+              <a:buClr>
+                <a:srgbClr val="0070C0"/>
+              </a:buClr>
+              <a:buSzPct val="80000"/>
+              <a:buFont typeface="Wingdings" pitchFamily="2" charset="2"/>
+              <a:buChar char="u"/>
+            </a:pPr>
+            <a:r>
+              <a:rPr lang="en-US" sz="1800" b="1" dirty="0">
+                <a:solidFill>
+                  <a:schemeClr val="tx1"/>
+                </a:solidFill>
+              </a:rPr>
+              <a:t>A Simple Server code (2):</a:t>
+            </a:r>
+          </a:p>
+          <a:p>
+            <a:pPr marL="342900" indent="-342900" algn="l">
+              <a:buClr>
+                <a:srgbClr val="0070C0"/>
+              </a:buClr>
+              <a:buSzPct val="80000"/>
+              <a:buFont typeface="Wingdings" pitchFamily="2" charset="2"/>
+              <a:buChar char="u"/>
+            </a:pPr>
+            <a:r>
+              <a:rPr lang="en-US" sz="1800" b="1" dirty="0">
+                <a:solidFill>
+                  <a:schemeClr val="tx1"/>
+                </a:solidFill>
+              </a:rPr>
+              <a:t>while True:</a:t>
+            </a:r>
+          </a:p>
+          <a:p>
+            <a:pPr marL="342900" indent="-342900" algn="l">
+              <a:buClr>
+                <a:srgbClr val="0070C0"/>
+              </a:buClr>
+              <a:buSzPct val="80000"/>
+              <a:buFont typeface="Wingdings" pitchFamily="2" charset="2"/>
+              <a:buChar char="u"/>
+            </a:pPr>
+            <a:r>
+              <a:rPr lang="en-US" sz="1800" b="1" dirty="0">
+                <a:solidFill>
+                  <a:schemeClr val="tx1"/>
+                </a:solidFill>
+              </a:rPr>
+              <a:t>   </a:t>
+            </a:r>
+            <a:r>
+              <a:rPr lang="en-US" sz="1800" b="1" dirty="0" err="1">
+                <a:solidFill>
+                  <a:schemeClr val="tx1"/>
+                </a:solidFill>
+              </a:rPr>
+              <a:t>clientsocket</a:t>
+            </a:r>
+            <a:r>
+              <a:rPr lang="en-US" sz="1800" b="1" dirty="0">
+                <a:solidFill>
+                  <a:schemeClr val="tx1"/>
+                </a:solidFill>
+              </a:rPr>
+              <a:t>, address = </a:t>
+            </a:r>
+            <a:r>
+              <a:rPr lang="en-US" sz="1800" b="1" dirty="0" err="1">
+                <a:solidFill>
+                  <a:schemeClr val="tx1"/>
+                </a:solidFill>
+              </a:rPr>
+              <a:t>s.accept</a:t>
+            </a:r>
+            <a:r>
+              <a:rPr lang="en-US" sz="1800" b="1" dirty="0">
+                <a:solidFill>
+                  <a:schemeClr val="tx1"/>
+                </a:solidFill>
+              </a:rPr>
+              <a:t> ()</a:t>
+            </a:r>
+          </a:p>
+          <a:p>
+            <a:pPr marL="342900" indent="-342900" algn="l">
+              <a:buClr>
+                <a:srgbClr val="0070C0"/>
+              </a:buClr>
+              <a:buSzPct val="80000"/>
+              <a:buFont typeface="Wingdings" pitchFamily="2" charset="2"/>
+              <a:buChar char="u"/>
+            </a:pPr>
+            <a:r>
+              <a:rPr lang="en-US" sz="1800" b="1" dirty="0">
+                <a:solidFill>
+                  <a:schemeClr val="tx1"/>
+                </a:solidFill>
+              </a:rPr>
+              <a:t>   print (</a:t>
+            </a:r>
+            <a:r>
+              <a:rPr lang="en-US" sz="1800" b="1" dirty="0" err="1">
+                <a:solidFill>
+                  <a:schemeClr val="tx1"/>
+                </a:solidFill>
+              </a:rPr>
+              <a:t>f”connection</a:t>
+            </a:r>
+            <a:r>
+              <a:rPr lang="en-US" sz="1800" b="1" dirty="0">
+                <a:solidFill>
+                  <a:schemeClr val="tx1"/>
+                </a:solidFill>
+              </a:rPr>
+              <a:t> from {address} has been established!”) </a:t>
+            </a:r>
+          </a:p>
+          <a:p>
+            <a:pPr marL="342900" indent="-342900" algn="l">
+              <a:buClr>
+                <a:srgbClr val="0070C0"/>
+              </a:buClr>
+              <a:buSzPct val="80000"/>
+              <a:buFont typeface="Wingdings" pitchFamily="2" charset="2"/>
+              <a:buChar char="u"/>
+            </a:pPr>
+            <a:r>
+              <a:rPr lang="en-US" sz="1800" b="1" dirty="0">
+                <a:solidFill>
+                  <a:schemeClr val="tx1"/>
+                </a:solidFill>
+              </a:rPr>
+              <a:t>   </a:t>
+            </a:r>
+            <a:r>
+              <a:rPr lang="en-US" sz="1800" b="1" dirty="0" err="1">
+                <a:solidFill>
+                  <a:schemeClr val="tx1"/>
+                </a:solidFill>
+              </a:rPr>
+              <a:t>clientsocket.send</a:t>
+            </a:r>
+            <a:r>
+              <a:rPr lang="en-US" sz="1800" b="1" dirty="0">
+                <a:solidFill>
+                  <a:schemeClr val="tx1"/>
+                </a:solidFill>
+              </a:rPr>
+              <a:t> (bytes(“Welcome to this server!”, “utf-8”))</a:t>
+            </a:r>
+          </a:p>
+          <a:p>
+            <a:pPr marL="342900" indent="-342900" algn="l">
+              <a:buClr>
+                <a:srgbClr val="0070C0"/>
+              </a:buClr>
+              <a:buSzPct val="80000"/>
+              <a:buFont typeface="Wingdings" pitchFamily="2" charset="2"/>
+              <a:buChar char="u"/>
+            </a:pPr>
+            <a:r>
+              <a:rPr lang="en-US" sz="1800" b="1" dirty="0">
+                <a:solidFill>
+                  <a:schemeClr val="tx1"/>
+                </a:solidFill>
+              </a:rPr>
+              <a:t>If we get the data, we will get the client socket and address is where is the data coming from. Address is IP address.</a:t>
+            </a:r>
+          </a:p>
+          <a:p>
+            <a:pPr marL="342900" indent="-342900" algn="l">
+              <a:buClr>
+                <a:srgbClr val="0070C0"/>
+              </a:buClr>
+              <a:buSzPct val="80000"/>
+              <a:buFont typeface="Wingdings" pitchFamily="2" charset="2"/>
+              <a:buChar char="u"/>
+            </a:pPr>
+            <a:r>
+              <a:rPr lang="en-US" sz="1800" b="1" dirty="0" err="1">
+                <a:solidFill>
+                  <a:schemeClr val="tx1"/>
+                </a:solidFill>
+              </a:rPr>
+              <a:t>clientsocket</a:t>
+            </a:r>
+            <a:r>
+              <a:rPr lang="en-US" sz="1800" b="1" dirty="0">
+                <a:solidFill>
+                  <a:schemeClr val="tx1"/>
+                </a:solidFill>
+              </a:rPr>
+              <a:t> is an object will receive information.</a:t>
+            </a:r>
+          </a:p>
+          <a:p>
+            <a:pPr marL="342900" indent="-342900" algn="l">
+              <a:buClr>
+                <a:srgbClr val="0070C0"/>
+              </a:buClr>
+              <a:buSzPct val="80000"/>
+              <a:buFont typeface="Wingdings" pitchFamily="2" charset="2"/>
+              <a:buChar char="u"/>
+            </a:pPr>
+            <a:r>
+              <a:rPr lang="en-US" sz="1800" b="1" dirty="0">
+                <a:solidFill>
+                  <a:schemeClr val="tx1"/>
+                </a:solidFill>
+              </a:rPr>
+              <a:t>Once we got connection, we can just print the information with (</a:t>
+            </a:r>
+            <a:r>
+              <a:rPr lang="en-US" sz="1800" b="1" dirty="0" err="1">
+                <a:solidFill>
+                  <a:schemeClr val="tx1"/>
+                </a:solidFill>
+              </a:rPr>
+              <a:t>f”connection</a:t>
+            </a:r>
+            <a:r>
+              <a:rPr lang="en-US" sz="1800" b="1" dirty="0">
+                <a:solidFill>
+                  <a:schemeClr val="tx1"/>
+                </a:solidFill>
+              </a:rPr>
+              <a:t> from {address} has been established!”) string.</a:t>
+            </a:r>
+          </a:p>
+          <a:p>
+            <a:pPr marL="342900" indent="-342900" algn="l">
+              <a:buClr>
+                <a:srgbClr val="0070C0"/>
+              </a:buClr>
+              <a:buSzPct val="80000"/>
+              <a:buFont typeface="Wingdings" pitchFamily="2" charset="2"/>
+              <a:buChar char="u"/>
+            </a:pPr>
+            <a:r>
+              <a:rPr lang="en-US" sz="1800" b="1" dirty="0" err="1">
+                <a:solidFill>
+                  <a:schemeClr val="tx1"/>
+                </a:solidFill>
+              </a:rPr>
+              <a:t>clientsocket.send</a:t>
+            </a:r>
+            <a:r>
+              <a:rPr lang="en-US" sz="1800" b="1" dirty="0">
+                <a:solidFill>
+                  <a:schemeClr val="tx1"/>
+                </a:solidFill>
+              </a:rPr>
+              <a:t> (bytes(“Welcome to this server!”, “utf-8”)): send byte information with “utf-8” format</a:t>
+            </a:r>
+          </a:p>
+        </p:txBody>
+      </p:sp>
+      <p:sp>
+        <p:nvSpPr>
+          <p:cNvPr id="4" name="標題 1"/>
+          <p:cNvSpPr txBox="1">
+            <a:spLocks/>
+          </p:cNvSpPr>
+          <p:nvPr/>
+        </p:nvSpPr>
+        <p:spPr>
+          <a:xfrm>
+            <a:off x="0" y="764704"/>
+            <a:ext cx="9144000" cy="360040"/>
+          </a:xfrm>
+          <a:prstGeom prst="rect">
+            <a:avLst/>
+          </a:prstGeom>
+          <a:gradFill flip="none" rotWithShape="1">
+            <a:gsLst>
+              <a:gs pos="0">
+                <a:srgbClr val="00B0F0">
+                  <a:shade val="30000"/>
+                  <a:satMod val="115000"/>
+                </a:srgbClr>
+              </a:gs>
+              <a:gs pos="50000">
+                <a:srgbClr val="00B0F0">
+                  <a:shade val="67500"/>
+                  <a:satMod val="115000"/>
+                </a:srgbClr>
+              </a:gs>
+              <a:gs pos="100000">
+                <a:srgbClr val="00B0F0">
+                  <a:shade val="100000"/>
+                  <a:satMod val="115000"/>
+                </a:srgbClr>
+              </a:gs>
+            </a:gsLst>
+            <a:path path="circle">
+              <a:fillToRect t="100000" r="100000"/>
+            </a:path>
+            <a:tileRect l="-100000" b="-100000"/>
+          </a:gradFill>
+        </p:spPr>
+        <p:txBody>
+          <a:bodyPr vert="horz" lIns="91440" tIns="45720" rIns="91440" bIns="45720" rtlCol="0" anchor="ctr">
+            <a:normAutofit/>
+          </a:bodyPr>
+          <a:lstStyle/>
+          <a:p>
+            <a:pPr lvl="0">
+              <a:spcBef>
+                <a:spcPct val="0"/>
+              </a:spcBef>
+            </a:pPr>
+            <a:r>
+              <a:rPr lang="en-US" sz="1600" dirty="0">
+                <a:hlinkClick r:id="rId2"/>
+              </a:rPr>
+              <a:t>https://github.com/PacktPublishing/Tkinter-GUI-Application-Development-Blueprints-Second-Edition</a:t>
+            </a:r>
+            <a:endParaRPr kumimoji="0" lang="zh-TW" altLang="en-US" sz="1600" b="0" i="0" u="none" strike="noStrike" kern="1200" cap="none" spc="0" normalizeH="0" baseline="0" noProof="0" dirty="0">
+              <a:ln>
+                <a:noFill/>
+              </a:ln>
+              <a:solidFill>
+                <a:schemeClr val="tx1"/>
+              </a:solidFill>
+              <a:effectLst/>
+              <a:uLnTx/>
+              <a:uFillTx/>
+              <a:latin typeface="+mj-lt"/>
+              <a:ea typeface="+mj-ea"/>
+              <a:cs typeface="+mj-cs"/>
+            </a:endParaRPr>
+          </a:p>
+        </p:txBody>
+      </p:sp>
+      <p:sp>
+        <p:nvSpPr>
+          <p:cNvPr id="5" name="日期版面配置區 4"/>
+          <p:cNvSpPr>
+            <a:spLocks noGrp="1"/>
+          </p:cNvSpPr>
+          <p:nvPr>
+            <p:ph type="dt" sz="half" idx="10"/>
+          </p:nvPr>
+        </p:nvSpPr>
+        <p:spPr/>
+        <p:txBody>
+          <a:bodyPr/>
+          <a:lstStyle/>
+          <a:p>
+            <a:fld id="{A4F910E6-8D00-4BAF-8C48-9688E0B449D3}" type="datetime1">
+              <a:rPr lang="zh-TW" altLang="en-US" smtClean="0"/>
+              <a:pPr/>
+              <a:t>2020/1/6</a:t>
+            </a:fld>
+            <a:endParaRPr lang="zh-TW" altLang="en-US"/>
+          </a:p>
+        </p:txBody>
+      </p:sp>
+      <p:sp>
+        <p:nvSpPr>
+          <p:cNvPr id="6" name="投影片編號版面配置區 5"/>
+          <p:cNvSpPr>
+            <a:spLocks noGrp="1"/>
+          </p:cNvSpPr>
+          <p:nvPr>
+            <p:ph type="sldNum" sz="quarter" idx="12"/>
+          </p:nvPr>
+        </p:nvSpPr>
+        <p:spPr/>
+        <p:txBody>
+          <a:bodyPr/>
+          <a:lstStyle/>
+          <a:p>
+            <a:fld id="{E4D7E63D-91F2-4366-A2C4-1B00C9E2590E}" type="slidenum">
+              <a:rPr lang="zh-TW" altLang="en-US" smtClean="0"/>
+              <a:pPr/>
+              <a:t>18</a:t>
+            </a:fld>
+            <a:endParaRPr lang="zh-TW" altLang="en-US"/>
+          </a:p>
+        </p:txBody>
+      </p:sp>
+      <p:sp>
+        <p:nvSpPr>
+          <p:cNvPr id="7" name="標題 1">
+            <a:extLst>
+              <a:ext uri="{FF2B5EF4-FFF2-40B4-BE49-F238E27FC236}">
+                <a16:creationId xmlns:a16="http://schemas.microsoft.com/office/drawing/2014/main" id="{6E2D4164-C1C5-46FE-A4A6-175D48CD34B6}"/>
+              </a:ext>
+            </a:extLst>
+          </p:cNvPr>
+          <p:cNvSpPr txBox="1">
+            <a:spLocks/>
+          </p:cNvSpPr>
+          <p:nvPr/>
+        </p:nvSpPr>
+        <p:spPr>
+          <a:xfrm>
+            <a:off x="16088" y="836712"/>
+            <a:ext cx="9144000" cy="360040"/>
+          </a:xfrm>
+          <a:prstGeom prst="rect">
+            <a:avLst/>
+          </a:prstGeom>
+          <a:gradFill flip="none" rotWithShape="1">
+            <a:gsLst>
+              <a:gs pos="0">
+                <a:srgbClr val="00B0F0">
+                  <a:shade val="30000"/>
+                  <a:satMod val="115000"/>
+                </a:srgbClr>
+              </a:gs>
+              <a:gs pos="50000">
+                <a:srgbClr val="00B0F0">
+                  <a:shade val="67500"/>
+                  <a:satMod val="115000"/>
+                </a:srgbClr>
+              </a:gs>
+              <a:gs pos="100000">
+                <a:srgbClr val="00B0F0">
+                  <a:shade val="100000"/>
+                  <a:satMod val="115000"/>
+                </a:srgbClr>
+              </a:gs>
+            </a:gsLst>
+            <a:path path="circle">
+              <a:fillToRect t="100000" r="100000"/>
+            </a:path>
+            <a:tileRect l="-100000" b="-100000"/>
+          </a:gradFill>
+        </p:spPr>
+        <p:txBody>
+          <a:bodyPr vert="horz" lIns="91440" tIns="45720" rIns="91440" bIns="45720" rtlCol="0" anchor="ctr">
+            <a:normAutofit/>
+          </a:bodyPr>
+          <a:lstStyle/>
+          <a:p>
+            <a:pPr lvl="0">
+              <a:spcBef>
+                <a:spcPct val="0"/>
+              </a:spcBef>
+            </a:pPr>
+            <a:r>
+              <a:rPr lang="en-US" sz="1600" dirty="0">
+                <a:hlinkClick r:id="rId3"/>
+              </a:rPr>
+              <a:t>https://www.tutorialspoint.com/python/python_networking.htm</a:t>
+            </a:r>
+            <a:endParaRPr kumimoji="0" lang="zh-TW" altLang="en-US" sz="1600" b="0" i="0" u="none" strike="noStrike" kern="1200" cap="none" spc="0" normalizeH="0" baseline="0" noProof="0" dirty="0">
+              <a:ln>
+                <a:noFill/>
+              </a:ln>
+              <a:solidFill>
+                <a:schemeClr val="tx1"/>
+              </a:solidFill>
+              <a:effectLst/>
+              <a:uLnTx/>
+              <a:uFillTx/>
+              <a:latin typeface="+mj-lt"/>
+              <a:ea typeface="+mj-ea"/>
+              <a:cs typeface="+mj-cs"/>
+            </a:endParaRPr>
+          </a:p>
+        </p:txBody>
+      </p:sp>
+    </p:spTree>
+    <p:extLst>
+      <p:ext uri="{BB962C8B-B14F-4D97-AF65-F5344CB8AC3E}">
+        <p14:creationId xmlns:p14="http://schemas.microsoft.com/office/powerpoint/2010/main" val="2966064501"/>
+      </p:ext>
+    </p:extLst>
+  </p:cSld>
+  <p:clrMapOvr>
+    <a:masterClrMapping/>
+  </p:clrMapOvr>
+</p:sld>
+</file>
+
+<file path=ppt/slides/slide19.xml><?xml version="1.0" encoding="utf-8"?>
+<p:sld xmlns:a="http://schemas.openxmlformats.org/drawingml/2006/main" xmlns:r="http://schemas.openxmlformats.org/officeDocument/2006/relationships" xmlns:p="http://schemas.openxmlformats.org/presentationml/2006/main">
+  <p:cSld>
+    <p:spTree>
+      <p:nvGrpSpPr>
+        <p:cNvPr id="1" name=""/>
+        <p:cNvGrpSpPr/>
+        <p:nvPr/>
+      </p:nvGrpSpPr>
+      <p:grpSpPr>
+        <a:xfrm>
+          <a:off x="0" y="0"/>
+          <a:ext cx="0" cy="0"/>
+          <a:chOff x="0" y="0"/>
+          <a:chExt cx="0" cy="0"/>
+        </a:xfrm>
+      </p:grpSpPr>
+      <p:sp>
+        <p:nvSpPr>
+          <p:cNvPr id="2" name="標題 1"/>
+          <p:cNvSpPr>
+            <a:spLocks noGrp="1"/>
+          </p:cNvSpPr>
+          <p:nvPr>
+            <p:ph type="ctrTitle"/>
+          </p:nvPr>
+        </p:nvSpPr>
+        <p:spPr>
+          <a:xfrm>
+            <a:off x="0" y="1"/>
+            <a:ext cx="9144000" cy="764704"/>
+          </a:xfrm>
+          <a:gradFill flip="none" rotWithShape="1">
+            <a:gsLst>
+              <a:gs pos="0">
+                <a:srgbClr val="C00000">
+                  <a:shade val="30000"/>
+                  <a:satMod val="115000"/>
+                </a:srgbClr>
+              </a:gs>
+              <a:gs pos="50000">
+                <a:srgbClr val="C00000">
+                  <a:shade val="67500"/>
+                  <a:satMod val="115000"/>
+                </a:srgbClr>
+              </a:gs>
+              <a:gs pos="100000">
+                <a:srgbClr val="C00000">
+                  <a:shade val="100000"/>
+                  <a:satMod val="115000"/>
+                </a:srgbClr>
+              </a:gs>
+            </a:gsLst>
+            <a:path path="circle">
+              <a:fillToRect t="100000" r="100000"/>
+            </a:path>
+            <a:tileRect l="-100000" b="-100000"/>
+          </a:gradFill>
+        </p:spPr>
+        <p:txBody>
+          <a:bodyPr>
+            <a:normAutofit/>
+          </a:bodyPr>
+          <a:lstStyle/>
+          <a:p>
+            <a:pPr algn="l"/>
+            <a:r>
+              <a:rPr lang="en-US" altLang="zh-TW" b="1" dirty="0">
+                <a:solidFill>
+                  <a:srgbClr val="FFFF00"/>
+                </a:solidFill>
+              </a:rPr>
+              <a:t>05.06 A Simple Server</a:t>
+            </a:r>
+            <a:endParaRPr lang="zh-TW" altLang="en-US" b="1" dirty="0">
+              <a:solidFill>
+                <a:srgbClr val="FFFF00"/>
+              </a:solidFill>
+            </a:endParaRPr>
+          </a:p>
+        </p:txBody>
+      </p:sp>
+      <p:sp>
+        <p:nvSpPr>
+          <p:cNvPr id="3" name="副標題 2"/>
+          <p:cNvSpPr>
+            <a:spLocks noGrp="1"/>
+          </p:cNvSpPr>
+          <p:nvPr>
+            <p:ph type="subTitle" idx="1"/>
+          </p:nvPr>
+        </p:nvSpPr>
+        <p:spPr>
+          <a:xfrm>
+            <a:off x="467544" y="1268759"/>
+            <a:ext cx="8352928" cy="360041"/>
+          </a:xfrm>
+          <a:ln>
+            <a:solidFill>
+              <a:srgbClr val="C00000"/>
+            </a:solidFill>
+          </a:ln>
+        </p:spPr>
+        <p:txBody>
+          <a:bodyPr>
+            <a:noAutofit/>
+          </a:bodyPr>
+          <a:lstStyle/>
+          <a:p>
+            <a:pPr marL="342900" indent="-342900" algn="l">
+              <a:buClr>
+                <a:srgbClr val="0070C0"/>
+              </a:buClr>
+              <a:buSzPct val="80000"/>
+              <a:buFont typeface="Wingdings" pitchFamily="2" charset="2"/>
+              <a:buChar char="u"/>
+            </a:pPr>
+            <a:r>
+              <a:rPr lang="en-US" sz="1800" b="1" dirty="0">
+                <a:solidFill>
+                  <a:schemeClr val="tx1"/>
+                </a:solidFill>
+              </a:rPr>
+              <a:t>A Simple Server code:</a:t>
+            </a:r>
+          </a:p>
+        </p:txBody>
+      </p:sp>
+      <p:sp>
+        <p:nvSpPr>
+          <p:cNvPr id="4" name="標題 1"/>
+          <p:cNvSpPr txBox="1">
+            <a:spLocks/>
+          </p:cNvSpPr>
+          <p:nvPr/>
+        </p:nvSpPr>
+        <p:spPr>
+          <a:xfrm>
+            <a:off x="0" y="764704"/>
+            <a:ext cx="9144000" cy="360040"/>
+          </a:xfrm>
+          <a:prstGeom prst="rect">
+            <a:avLst/>
+          </a:prstGeom>
+          <a:gradFill flip="none" rotWithShape="1">
+            <a:gsLst>
+              <a:gs pos="0">
+                <a:srgbClr val="00B0F0">
+                  <a:shade val="30000"/>
+                  <a:satMod val="115000"/>
+                </a:srgbClr>
+              </a:gs>
+              <a:gs pos="50000">
+                <a:srgbClr val="00B0F0">
+                  <a:shade val="67500"/>
+                  <a:satMod val="115000"/>
+                </a:srgbClr>
+              </a:gs>
+              <a:gs pos="100000">
+                <a:srgbClr val="00B0F0">
+                  <a:shade val="100000"/>
+                  <a:satMod val="115000"/>
+                </a:srgbClr>
+              </a:gs>
+            </a:gsLst>
+            <a:path path="circle">
+              <a:fillToRect t="100000" r="100000"/>
+            </a:path>
+            <a:tileRect l="-100000" b="-100000"/>
+          </a:gradFill>
+        </p:spPr>
+        <p:txBody>
+          <a:bodyPr vert="horz" lIns="91440" tIns="45720" rIns="91440" bIns="45720" rtlCol="0" anchor="ctr">
+            <a:normAutofit/>
+          </a:bodyPr>
+          <a:lstStyle/>
+          <a:p>
+            <a:pPr lvl="0">
+              <a:spcBef>
+                <a:spcPct val="0"/>
+              </a:spcBef>
+            </a:pPr>
+            <a:r>
+              <a:rPr lang="en-US" sz="1600" dirty="0">
+                <a:hlinkClick r:id="rId2"/>
+              </a:rPr>
+              <a:t>https://github.com/PacktPublishing/Tkinter-GUI-Application-Development-Blueprints-Second-Edition</a:t>
+            </a:r>
+            <a:endParaRPr kumimoji="0" lang="zh-TW" altLang="en-US" sz="1600" b="0" i="0" u="none" strike="noStrike" kern="1200" cap="none" spc="0" normalizeH="0" baseline="0" noProof="0" dirty="0">
+              <a:ln>
+                <a:noFill/>
+              </a:ln>
+              <a:solidFill>
+                <a:schemeClr val="tx1"/>
+              </a:solidFill>
+              <a:effectLst/>
+              <a:uLnTx/>
+              <a:uFillTx/>
+              <a:latin typeface="+mj-lt"/>
+              <a:ea typeface="+mj-ea"/>
+              <a:cs typeface="+mj-cs"/>
+            </a:endParaRPr>
+          </a:p>
+        </p:txBody>
+      </p:sp>
+      <p:sp>
+        <p:nvSpPr>
+          <p:cNvPr id="5" name="日期版面配置區 4"/>
+          <p:cNvSpPr>
+            <a:spLocks noGrp="1"/>
+          </p:cNvSpPr>
+          <p:nvPr>
+            <p:ph type="dt" sz="half" idx="10"/>
+          </p:nvPr>
+        </p:nvSpPr>
+        <p:spPr/>
+        <p:txBody>
+          <a:bodyPr/>
+          <a:lstStyle/>
+          <a:p>
+            <a:fld id="{A4F910E6-8D00-4BAF-8C48-9688E0B449D3}" type="datetime1">
+              <a:rPr lang="zh-TW" altLang="en-US" smtClean="0"/>
+              <a:pPr/>
+              <a:t>2020/1/6</a:t>
+            </a:fld>
+            <a:endParaRPr lang="zh-TW" altLang="en-US"/>
+          </a:p>
+        </p:txBody>
+      </p:sp>
+      <p:sp>
+        <p:nvSpPr>
+          <p:cNvPr id="6" name="投影片編號版面配置區 5"/>
+          <p:cNvSpPr>
+            <a:spLocks noGrp="1"/>
+          </p:cNvSpPr>
+          <p:nvPr>
+            <p:ph type="sldNum" sz="quarter" idx="12"/>
+          </p:nvPr>
+        </p:nvSpPr>
+        <p:spPr/>
+        <p:txBody>
+          <a:bodyPr/>
+          <a:lstStyle/>
+          <a:p>
+            <a:fld id="{E4D7E63D-91F2-4366-A2C4-1B00C9E2590E}" type="slidenum">
+              <a:rPr lang="zh-TW" altLang="en-US" smtClean="0"/>
+              <a:pPr/>
+              <a:t>19</a:t>
             </a:fld>
             <a:endParaRPr lang="zh-TW" altLang="en-US"/>
           </a:p>
@@ -6880,7 +8042,7 @@
 </p:sld>
 </file>
 
-<file path=ppt/slides/slide18.xml><?xml version="1.0" encoding="utf-8"?>
+<file path=ppt/slides/slide2.xml><?xml version="1.0" encoding="utf-8"?>
 <p:sld xmlns:a="http://schemas.openxmlformats.org/drawingml/2006/main" xmlns:r="http://schemas.openxmlformats.org/officeDocument/2006/relationships" xmlns:p="http://schemas.openxmlformats.org/presentationml/2006/main">
   <p:cSld>
     <p:spTree>
@@ -6909,6 +8071,486 @@
         </p:nvSpPr>
         <p:spPr>
           <a:xfrm>
+            <a:off x="0" y="1"/>
+            <a:ext cx="9144000" cy="764704"/>
+          </a:xfrm>
+          <a:gradFill flip="none" rotWithShape="1">
+            <a:gsLst>
+              <a:gs pos="0">
+                <a:srgbClr val="C00000">
+                  <a:shade val="30000"/>
+                  <a:satMod val="115000"/>
+                </a:srgbClr>
+              </a:gs>
+              <a:gs pos="50000">
+                <a:srgbClr val="C00000">
+                  <a:shade val="67500"/>
+                  <a:satMod val="115000"/>
+                </a:srgbClr>
+              </a:gs>
+              <a:gs pos="100000">
+                <a:srgbClr val="C00000">
+                  <a:shade val="100000"/>
+                  <a:satMod val="115000"/>
+                </a:srgbClr>
+              </a:gs>
+            </a:gsLst>
+            <a:path path="circle">
+              <a:fillToRect t="100000" r="100000"/>
+            </a:path>
+            <a:tileRect l="-100000" b="-100000"/>
+          </a:gradFill>
+        </p:spPr>
+        <p:txBody>
+          <a:bodyPr>
+            <a:normAutofit/>
+          </a:bodyPr>
+          <a:lstStyle/>
+          <a:p>
+            <a:pPr algn="l"/>
+            <a:r>
+              <a:rPr lang="en-US" altLang="zh-TW" b="1" dirty="0">
+                <a:solidFill>
+                  <a:srgbClr val="FFFF00"/>
+                </a:solidFill>
+              </a:rPr>
+              <a:t>05 Network</a:t>
+            </a:r>
+            <a:endParaRPr lang="zh-TW" altLang="en-US" b="1" dirty="0">
+              <a:solidFill>
+                <a:srgbClr val="FFFF00"/>
+              </a:solidFill>
+            </a:endParaRPr>
+          </a:p>
+        </p:txBody>
+      </p:sp>
+      <p:sp>
+        <p:nvSpPr>
+          <p:cNvPr id="3" name="副標題 2"/>
+          <p:cNvSpPr>
+            <a:spLocks noGrp="1"/>
+          </p:cNvSpPr>
+          <p:nvPr>
+            <p:ph type="subTitle" idx="1"/>
+          </p:nvPr>
+        </p:nvSpPr>
+        <p:spPr>
+          <a:xfrm>
+            <a:off x="467544" y="1268759"/>
+            <a:ext cx="8352928" cy="2808313"/>
+          </a:xfrm>
+          <a:ln>
+            <a:solidFill>
+              <a:srgbClr val="C00000"/>
+            </a:solidFill>
+          </a:ln>
+        </p:spPr>
+        <p:txBody>
+          <a:bodyPr>
+            <a:noAutofit/>
+          </a:bodyPr>
+          <a:lstStyle/>
+          <a:p>
+            <a:pPr marL="342900" indent="-342900" algn="l">
+              <a:buClr>
+                <a:srgbClr val="0070C0"/>
+              </a:buClr>
+              <a:buSzPct val="80000"/>
+              <a:buFont typeface="Wingdings" pitchFamily="2" charset="2"/>
+              <a:buChar char="u"/>
+            </a:pPr>
+            <a:r>
+              <a:rPr lang="en-US" sz="1800" dirty="0">
+                <a:solidFill>
+                  <a:schemeClr val="tx1"/>
+                </a:solidFill>
+              </a:rPr>
+              <a:t>Network</a:t>
+            </a:r>
+          </a:p>
+          <a:p>
+            <a:pPr marL="342900" indent="-342900" algn="l">
+              <a:buClr>
+                <a:srgbClr val="0070C0"/>
+              </a:buClr>
+              <a:buSzPct val="80000"/>
+              <a:buFont typeface="Wingdings" pitchFamily="2" charset="2"/>
+              <a:buChar char="u"/>
+            </a:pPr>
+            <a:r>
+              <a:rPr lang="en-US" sz="1800" dirty="0">
+                <a:solidFill>
+                  <a:schemeClr val="tx1"/>
+                </a:solidFill>
+              </a:rPr>
+              <a:t>Python provides two levels of access to network services. </a:t>
+            </a:r>
+          </a:p>
+          <a:p>
+            <a:pPr marL="342900" indent="-342900" algn="l">
+              <a:buClr>
+                <a:srgbClr val="0070C0"/>
+              </a:buClr>
+              <a:buSzPct val="80000"/>
+              <a:buFont typeface="Wingdings" pitchFamily="2" charset="2"/>
+              <a:buChar char="u"/>
+            </a:pPr>
+            <a:r>
+              <a:rPr lang="en-US" sz="1800" dirty="0">
+                <a:solidFill>
+                  <a:schemeClr val="tx1"/>
+                </a:solidFill>
+              </a:rPr>
+              <a:t>At a </a:t>
+            </a:r>
+            <a:r>
+              <a:rPr lang="en-US" sz="1800" b="1" dirty="0">
+                <a:solidFill>
+                  <a:schemeClr val="tx1"/>
+                </a:solidFill>
+              </a:rPr>
+              <a:t>low level</a:t>
+            </a:r>
+            <a:r>
+              <a:rPr lang="en-US" sz="1800" dirty="0">
+                <a:solidFill>
+                  <a:schemeClr val="tx1"/>
+                </a:solidFill>
+              </a:rPr>
+              <a:t>, you can access the basic </a:t>
+            </a:r>
+            <a:r>
+              <a:rPr lang="en-US" sz="1800" b="1" dirty="0">
+                <a:solidFill>
+                  <a:schemeClr val="tx1"/>
+                </a:solidFill>
+              </a:rPr>
+              <a:t>socket</a:t>
+            </a:r>
+            <a:r>
+              <a:rPr lang="en-US" sz="1800" dirty="0">
+                <a:solidFill>
+                  <a:schemeClr val="tx1"/>
+                </a:solidFill>
+              </a:rPr>
+              <a:t> support in the underlying operating system, which allows you to implement clients and servers for both connection-oriented and connectionless protocols.</a:t>
+            </a:r>
+          </a:p>
+          <a:p>
+            <a:pPr marL="342900" indent="-342900" algn="l">
+              <a:buClr>
+                <a:srgbClr val="0070C0"/>
+              </a:buClr>
+              <a:buSzPct val="80000"/>
+              <a:buFont typeface="Wingdings" pitchFamily="2" charset="2"/>
+              <a:buChar char="u"/>
+            </a:pPr>
+            <a:r>
+              <a:rPr lang="en-US" sz="1800" dirty="0">
+                <a:solidFill>
+                  <a:schemeClr val="tx1"/>
+                </a:solidFill>
+              </a:rPr>
+              <a:t>Python also has libraries that provide </a:t>
+            </a:r>
+            <a:r>
+              <a:rPr lang="en-US" sz="1800" b="1" dirty="0">
+                <a:solidFill>
+                  <a:schemeClr val="tx1"/>
+                </a:solidFill>
+              </a:rPr>
+              <a:t>higher-level</a:t>
+            </a:r>
+            <a:r>
+              <a:rPr lang="en-US" sz="1800" dirty="0">
+                <a:solidFill>
+                  <a:schemeClr val="tx1"/>
+                </a:solidFill>
+              </a:rPr>
+              <a:t> access to specific application-level network protocols, such as </a:t>
+            </a:r>
+            <a:r>
+              <a:rPr lang="en-US" sz="1800" b="1" dirty="0">
+                <a:solidFill>
+                  <a:schemeClr val="tx1"/>
+                </a:solidFill>
+              </a:rPr>
+              <a:t>FTP, HTTP, </a:t>
+            </a:r>
+            <a:r>
+              <a:rPr lang="en-US" sz="1800" dirty="0">
+                <a:solidFill>
+                  <a:schemeClr val="tx1"/>
+                </a:solidFill>
+              </a:rPr>
+              <a:t>and so on.</a:t>
+            </a:r>
+          </a:p>
+          <a:p>
+            <a:pPr marL="342900" indent="-342900" algn="l">
+              <a:buClr>
+                <a:srgbClr val="0070C0"/>
+              </a:buClr>
+              <a:buSzPct val="80000"/>
+              <a:buFont typeface="Wingdings" pitchFamily="2" charset="2"/>
+              <a:buChar char="u"/>
+            </a:pPr>
+            <a:r>
+              <a:rPr lang="en-US" sz="1800" dirty="0">
+                <a:solidFill>
+                  <a:schemeClr val="tx1"/>
+                </a:solidFill>
+              </a:rPr>
+              <a:t>This section gives you understanding on most famous concept in Networking - Socket Programming.</a:t>
+            </a:r>
+          </a:p>
+        </p:txBody>
+      </p:sp>
+      <p:sp>
+        <p:nvSpPr>
+          <p:cNvPr id="4" name="標題 1"/>
+          <p:cNvSpPr txBox="1">
+            <a:spLocks/>
+          </p:cNvSpPr>
+          <p:nvPr/>
+        </p:nvSpPr>
+        <p:spPr>
+          <a:xfrm>
+            <a:off x="0" y="764704"/>
+            <a:ext cx="9144000" cy="360040"/>
+          </a:xfrm>
+          <a:prstGeom prst="rect">
+            <a:avLst/>
+          </a:prstGeom>
+          <a:gradFill flip="none" rotWithShape="1">
+            <a:gsLst>
+              <a:gs pos="0">
+                <a:srgbClr val="00B0F0">
+                  <a:shade val="30000"/>
+                  <a:satMod val="115000"/>
+                </a:srgbClr>
+              </a:gs>
+              <a:gs pos="50000">
+                <a:srgbClr val="00B0F0">
+                  <a:shade val="67500"/>
+                  <a:satMod val="115000"/>
+                </a:srgbClr>
+              </a:gs>
+              <a:gs pos="100000">
+                <a:srgbClr val="00B0F0">
+                  <a:shade val="100000"/>
+                  <a:satMod val="115000"/>
+                </a:srgbClr>
+              </a:gs>
+            </a:gsLst>
+            <a:path path="circle">
+              <a:fillToRect t="100000" r="100000"/>
+            </a:path>
+            <a:tileRect l="-100000" b="-100000"/>
+          </a:gradFill>
+        </p:spPr>
+        <p:txBody>
+          <a:bodyPr vert="horz" lIns="91440" tIns="45720" rIns="91440" bIns="45720" rtlCol="0" anchor="ctr">
+            <a:normAutofit/>
+          </a:bodyPr>
+          <a:lstStyle/>
+          <a:p>
+            <a:pPr lvl="0">
+              <a:spcBef>
+                <a:spcPct val="0"/>
+              </a:spcBef>
+            </a:pPr>
+            <a:r>
+              <a:rPr lang="en-US" sz="1600" dirty="0">
+                <a:hlinkClick r:id="rId2"/>
+              </a:rPr>
+              <a:t>https://github.com/PacktPublishing/Tkinter-GUI-Application-Development-Blueprints-Second-Edition</a:t>
+            </a:r>
+            <a:endParaRPr kumimoji="0" lang="zh-TW" altLang="en-US" sz="1600" b="0" i="0" u="none" strike="noStrike" kern="1200" cap="none" spc="0" normalizeH="0" baseline="0" noProof="0" dirty="0">
+              <a:ln>
+                <a:noFill/>
+              </a:ln>
+              <a:solidFill>
+                <a:schemeClr val="tx1"/>
+              </a:solidFill>
+              <a:effectLst/>
+              <a:uLnTx/>
+              <a:uFillTx/>
+              <a:latin typeface="+mj-lt"/>
+              <a:ea typeface="+mj-ea"/>
+              <a:cs typeface="+mj-cs"/>
+            </a:endParaRPr>
+          </a:p>
+        </p:txBody>
+      </p:sp>
+      <p:sp>
+        <p:nvSpPr>
+          <p:cNvPr id="5" name="日期版面配置區 4"/>
+          <p:cNvSpPr>
+            <a:spLocks noGrp="1"/>
+          </p:cNvSpPr>
+          <p:nvPr>
+            <p:ph type="dt" sz="half" idx="10"/>
+          </p:nvPr>
+        </p:nvSpPr>
+        <p:spPr/>
+        <p:txBody>
+          <a:bodyPr/>
+          <a:lstStyle/>
+          <a:p>
+            <a:fld id="{A4F910E6-8D00-4BAF-8C48-9688E0B449D3}" type="datetime1">
+              <a:rPr lang="zh-TW" altLang="en-US" smtClean="0"/>
+              <a:pPr/>
+              <a:t>2020/1/6</a:t>
+            </a:fld>
+            <a:endParaRPr lang="zh-TW" altLang="en-US"/>
+          </a:p>
+        </p:txBody>
+      </p:sp>
+      <p:sp>
+        <p:nvSpPr>
+          <p:cNvPr id="6" name="投影片編號版面配置區 5"/>
+          <p:cNvSpPr>
+            <a:spLocks noGrp="1"/>
+          </p:cNvSpPr>
+          <p:nvPr>
+            <p:ph type="sldNum" sz="quarter" idx="12"/>
+          </p:nvPr>
+        </p:nvSpPr>
+        <p:spPr/>
+        <p:txBody>
+          <a:bodyPr/>
+          <a:lstStyle/>
+          <a:p>
+            <a:fld id="{E4D7E63D-91F2-4366-A2C4-1B00C9E2590E}" type="slidenum">
+              <a:rPr lang="zh-TW" altLang="en-US" smtClean="0"/>
+              <a:pPr/>
+              <a:t>2</a:t>
+            </a:fld>
+            <a:endParaRPr lang="zh-TW" altLang="en-US"/>
+          </a:p>
+        </p:txBody>
+      </p:sp>
+      <p:sp>
+        <p:nvSpPr>
+          <p:cNvPr id="7" name="標題 1">
+            <a:extLst>
+              <a:ext uri="{FF2B5EF4-FFF2-40B4-BE49-F238E27FC236}">
+                <a16:creationId xmlns:a16="http://schemas.microsoft.com/office/drawing/2014/main" id="{6E2D4164-C1C5-46FE-A4A6-175D48CD34B6}"/>
+              </a:ext>
+            </a:extLst>
+          </p:cNvPr>
+          <p:cNvSpPr txBox="1">
+            <a:spLocks/>
+          </p:cNvSpPr>
+          <p:nvPr/>
+        </p:nvSpPr>
+        <p:spPr>
+          <a:xfrm>
+            <a:off x="16088" y="836712"/>
+            <a:ext cx="9144000" cy="360040"/>
+          </a:xfrm>
+          <a:prstGeom prst="rect">
+            <a:avLst/>
+          </a:prstGeom>
+          <a:gradFill flip="none" rotWithShape="1">
+            <a:gsLst>
+              <a:gs pos="0">
+                <a:srgbClr val="00B0F0">
+                  <a:shade val="30000"/>
+                  <a:satMod val="115000"/>
+                </a:srgbClr>
+              </a:gs>
+              <a:gs pos="50000">
+                <a:srgbClr val="00B0F0">
+                  <a:shade val="67500"/>
+                  <a:satMod val="115000"/>
+                </a:srgbClr>
+              </a:gs>
+              <a:gs pos="100000">
+                <a:srgbClr val="00B0F0">
+                  <a:shade val="100000"/>
+                  <a:satMod val="115000"/>
+                </a:srgbClr>
+              </a:gs>
+            </a:gsLst>
+            <a:path path="circle">
+              <a:fillToRect t="100000" r="100000"/>
+            </a:path>
+            <a:tileRect l="-100000" b="-100000"/>
+          </a:gradFill>
+        </p:spPr>
+        <p:txBody>
+          <a:bodyPr vert="horz" lIns="91440" tIns="45720" rIns="91440" bIns="45720" rtlCol="0" anchor="ctr">
+            <a:normAutofit/>
+          </a:bodyPr>
+          <a:lstStyle/>
+          <a:p>
+            <a:pPr lvl="0">
+              <a:spcBef>
+                <a:spcPct val="0"/>
+              </a:spcBef>
+            </a:pPr>
+            <a:r>
+              <a:rPr lang="en-US" sz="1600" dirty="0">
+                <a:hlinkClick r:id="rId3"/>
+              </a:rPr>
+              <a:t>https://www.tutorialspoint.com/python/python_networking.htm</a:t>
+            </a:r>
+            <a:endParaRPr kumimoji="0" lang="zh-TW" altLang="en-US" sz="1600" b="0" i="0" u="none" strike="noStrike" kern="1200" cap="none" spc="0" normalizeH="0" baseline="0" noProof="0" dirty="0">
+              <a:ln>
+                <a:noFill/>
+              </a:ln>
+              <a:solidFill>
+                <a:schemeClr val="tx1"/>
+              </a:solidFill>
+              <a:effectLst/>
+              <a:uLnTx/>
+              <a:uFillTx/>
+              <a:latin typeface="+mj-lt"/>
+              <a:ea typeface="+mj-ea"/>
+              <a:cs typeface="+mj-cs"/>
+            </a:endParaRPr>
+          </a:p>
+        </p:txBody>
+      </p:sp>
+    </p:spTree>
+  </p:cSld>
+  <p:clrMapOvr>
+    <a:masterClrMapping/>
+  </p:clrMapOvr>
+</p:sld>
+</file>
+
+<file path=ppt/slides/slide20.xml><?xml version="1.0" encoding="utf-8"?>
+<p:sld xmlns:a="http://schemas.openxmlformats.org/drawingml/2006/main" xmlns:r="http://schemas.openxmlformats.org/officeDocument/2006/relationships" xmlns:p="http://schemas.openxmlformats.org/presentationml/2006/main">
+  <p:cSld>
+    <p:spTree>
+      <p:nvGrpSpPr>
+        <p:cNvPr id="1" name=""/>
+        <p:cNvGrpSpPr/>
+        <p:nvPr/>
+      </p:nvGrpSpPr>
+      <p:grpSpPr>
+        <a:xfrm>
+          <a:off x="0" y="0"/>
+          <a:ext cx="0" cy="0"/>
+          <a:chOff x="0" y="0"/>
+          <a:chExt cx="0" cy="0"/>
+        </a:xfrm>
+      </p:grpSpPr>
+      <p:sp>
+        <p:nvSpPr>
+          <p:cNvPr id="2" name="標題 1"/>
+          <p:cNvSpPr>
+            <a:spLocks noGrp="1"/>
+          </p:cNvSpPr>
+          <p:nvPr>
+            <p:ph type="ctrTitle"/>
+          </p:nvPr>
+        </p:nvSpPr>
+        <p:spPr>
+          <a:xfrm>
             <a:off x="0" y="2130425"/>
             <a:ext cx="9144000" cy="1470025"/>
           </a:xfrm>
@@ -6956,7 +8598,7 @@
             <a:fld id="{C389EDC9-19E3-47AC-9C57-C6A24DEA81AD}" type="datetime1">
               <a:rPr lang="zh-TW" altLang="en-US" smtClean="0"/>
               <a:pPr/>
-              <a:t>2020/1/5</a:t>
+              <a:t>2020/1/6</a:t>
             </a:fld>
             <a:endParaRPr lang="zh-TW" altLang="en-US"/>
           </a:p>
@@ -6980,7 +8622,7 @@
             <a:fld id="{E4D7E63D-91F2-4366-A2C4-1B00C9E2590E}" type="slidenum">
               <a:rPr lang="zh-TW" altLang="en-US" smtClean="0"/>
               <a:pPr/>
-              <a:t>18</a:t>
+              <a:t>20</a:t>
             </a:fld>
             <a:endParaRPr lang="zh-TW" altLang="en-US"/>
           </a:p>
@@ -7029,7 +8671,7 @@
 </p:sld>
 </file>
 
-<file path=ppt/slides/slide19.xml><?xml version="1.0" encoding="utf-8"?>
+<file path=ppt/slides/slide21.xml><?xml version="1.0" encoding="utf-8"?>
 <p:sld xmlns:a="http://schemas.openxmlformats.org/drawingml/2006/main" xmlns:r="http://schemas.openxmlformats.org/officeDocument/2006/relationships" xmlns:p="http://schemas.openxmlformats.org/presentationml/2006/main">
   <p:cSld>
     <p:spTree>
@@ -7152,7 +8794,7 @@
                   <a:schemeClr val="tx1"/>
                 </a:solidFill>
               </a:rPr>
-              <a:t>A Simple Server</a:t>
+              <a:t>A Simple Client</a:t>
             </a:r>
           </a:p>
           <a:p>
@@ -7394,7 +9036,7 @@
             <a:fld id="{A4F910E6-8D00-4BAF-8C48-9688E0B449D3}" type="datetime1">
               <a:rPr lang="zh-TW" altLang="en-US" smtClean="0"/>
               <a:pPr/>
-              <a:t>2020/1/5</a:t>
+              <a:t>2020/1/6</a:t>
             </a:fld>
             <a:endParaRPr lang="zh-TW" altLang="en-US"/>
           </a:p>
@@ -7418,7 +9060,7 @@
             <a:fld id="{E4D7E63D-91F2-4366-A2C4-1B00C9E2590E}" type="slidenum">
               <a:rPr lang="zh-TW" altLang="en-US" smtClean="0"/>
               <a:pPr/>
-              <a:t>19</a:t>
+              <a:t>21</a:t>
             </a:fld>
             <a:endParaRPr lang="zh-TW" altLang="en-US"/>
           </a:p>
@@ -7520,7 +9162,7 @@
 </p:sld>
 </file>
 
-<file path=ppt/slides/slide2.xml><?xml version="1.0" encoding="utf-8"?>
+<file path=ppt/slides/slide22.xml><?xml version="1.0" encoding="utf-8"?>
 <p:sld xmlns:a="http://schemas.openxmlformats.org/drawingml/2006/main" xmlns:r="http://schemas.openxmlformats.org/officeDocument/2006/relationships" xmlns:p="http://schemas.openxmlformats.org/presentationml/2006/main">
   <p:cSld>
     <p:spTree>
@@ -7592,7 +9234,7 @@
                   <a:srgbClr val="FFFF00"/>
                 </a:solidFill>
               </a:rPr>
-              <a:t>05 Network</a:t>
+              <a:t>05.07 A Simple Client</a:t>
             </a:r>
             <a:endParaRPr lang="zh-TW" altLang="en-US" b="1" dirty="0">
               <a:solidFill>
@@ -7615,7 +9257,7 @@
         <p:spPr>
           <a:xfrm>
             <a:off x="467544" y="1268759"/>
-            <a:ext cx="8352928" cy="2808313"/>
+            <a:ext cx="8352928" cy="3816425"/>
           </a:xfrm>
           <a:ln>
             <a:solidFill>
@@ -7638,12 +9280,12 @@
               <a:buChar char="u"/>
             </a:pPr>
             <a:r>
-              <a:rPr lang="en-US" sz="1800" dirty="0">
+              <a:rPr lang="en-US" sz="1800" b="1" dirty="0">
                 <a:solidFill>
                   <a:schemeClr val="tx1"/>
                 </a:solidFill>
               </a:rPr>
-              <a:t>Network</a:t>
+              <a:t>A Simple Client (1)</a:t>
             </a:r>
           </a:p>
           <a:p>
@@ -7661,7 +9303,7 @@
                   <a:schemeClr val="tx1"/>
                 </a:solidFill>
               </a:rPr>
-              <a:t>Python provides two levels of access to network services. </a:t>
+              <a:t>On the client side, similar to server. We copy two lines of import and socket code as follow:</a:t>
             </a:r>
           </a:p>
           <a:p>
@@ -7674,44 +9316,12 @@
               <a:buChar char="u"/>
             </a:pPr>
             <a:r>
-              <a:rPr lang="en-US" sz="1800" dirty="0">
+              <a:rPr lang="en-US" sz="1800" b="1" dirty="0">
                 <a:solidFill>
                   <a:schemeClr val="tx1"/>
                 </a:solidFill>
               </a:rPr>
-              <a:t>At a </a:t>
-            </a:r>
-            <a:r>
-              <a:rPr lang="en-US" sz="1800" b="1" dirty="0">
-                <a:solidFill>
-                  <a:schemeClr val="tx1"/>
-                </a:solidFill>
-              </a:rPr>
-              <a:t>low level</a:t>
-            </a:r>
-            <a:r>
-              <a:rPr lang="en-US" sz="1800" dirty="0">
-                <a:solidFill>
-                  <a:schemeClr val="tx1"/>
-                </a:solidFill>
-              </a:rPr>
-              <a:t>, you can access the basic </a:t>
-            </a:r>
-            <a:r>
-              <a:rPr lang="en-US" sz="1800" b="1" dirty="0">
-                <a:solidFill>
-                  <a:schemeClr val="tx1"/>
-                </a:solidFill>
-              </a:rPr>
-              <a:t>socket</a:t>
-            </a:r>
-            <a:r>
-              <a:rPr lang="en-US" sz="1800" dirty="0">
-                <a:solidFill>
-                  <a:schemeClr val="tx1"/>
-                </a:solidFill>
-              </a:rPr>
-              <a:t> support in the underlying operating system, which allows you to implement clients and servers for both connection-oriented and connectionless protocols.</a:t>
+              <a:t>import socket: import socket package.</a:t>
             </a:r>
           </a:p>
           <a:p>
@@ -7724,12 +9334,20 @@
               <a:buChar char="u"/>
             </a:pPr>
             <a:r>
-              <a:rPr lang="en-US" sz="1800" dirty="0">
+              <a:rPr lang="en-US" sz="1800" b="1" dirty="0">
                 <a:solidFill>
                   <a:schemeClr val="tx1"/>
                 </a:solidFill>
               </a:rPr>
-              <a:t>Python also has libraries that provide </a:t>
+              <a:t>s = </a:t>
+            </a:r>
+            <a:r>
+              <a:rPr lang="en-US" sz="1800" b="1" dirty="0" err="1">
+                <a:solidFill>
+                  <a:schemeClr val="tx1"/>
+                </a:solidFill>
+              </a:rPr>
+              <a:t>socket.socket</a:t>
             </a:r>
             <a:r>
               <a:rPr lang="en-US" sz="1800" b="1" dirty="0">
@@ -7737,15 +9355,15 @@
                   <a:schemeClr val="tx1"/>
                 </a:solidFill>
               </a:rPr>
-              <a:t>higher-level</a:t>
-            </a:r>
-            <a:r>
-              <a:rPr lang="en-US" sz="1800" dirty="0">
+              <a:t> (</a:t>
+            </a:r>
+            <a:r>
+              <a:rPr lang="en-US" sz="1800" b="1" dirty="0" err="1">
                 <a:solidFill>
                   <a:schemeClr val="tx1"/>
                 </a:solidFill>
               </a:rPr>
-              <a:t> access to specific application-level network protocols, such as </a:t>
+              <a:t>socket.AF_INET</a:t>
             </a:r>
             <a:r>
               <a:rPr lang="en-US" sz="1800" b="1" dirty="0">
@@ -7753,15 +9371,23 @@
                   <a:schemeClr val="tx1"/>
                 </a:solidFill>
               </a:rPr>
-              <a:t>FTP, HTTP, </a:t>
-            </a:r>
-            <a:r>
-              <a:rPr lang="en-US" sz="1800" dirty="0">
+              <a:t>, </a:t>
+            </a:r>
+            <a:r>
+              <a:rPr lang="en-US" sz="1800" b="1" dirty="0" err="1">
                 <a:solidFill>
                   <a:schemeClr val="tx1"/>
                 </a:solidFill>
               </a:rPr>
-              <a:t>and so on.</a:t>
+              <a:t>socket.SAOCK_STREAM</a:t>
+            </a:r>
+            <a:r>
+              <a:rPr lang="en-US" sz="1800" b="1" dirty="0">
+                <a:solidFill>
+                  <a:schemeClr val="tx1"/>
+                </a:solidFill>
+              </a:rPr>
+              <a:t>)</a:t>
             </a:r>
           </a:p>
           <a:p>
@@ -7774,12 +9400,90 @@
               <a:buChar char="u"/>
             </a:pPr>
             <a:r>
-              <a:rPr lang="en-US" sz="1800" dirty="0">
+              <a:rPr lang="en-US" sz="1800" b="1" dirty="0">
                 <a:solidFill>
                   <a:schemeClr val="tx1"/>
                 </a:solidFill>
               </a:rPr>
-              <a:t>This section gives you understanding on most famous concept in Networking - Socket Programming.</a:t>
+              <a:t>In the client, rather than binding, we connect the socket.</a:t>
+            </a:r>
+          </a:p>
+          <a:p>
+            <a:pPr marL="342900" indent="-342900" algn="l">
+              <a:buClr>
+                <a:srgbClr val="0070C0"/>
+              </a:buClr>
+              <a:buSzPct val="80000"/>
+              <a:buFont typeface="Wingdings" pitchFamily="2" charset="2"/>
+              <a:buChar char="u"/>
+            </a:pPr>
+            <a:r>
+              <a:rPr lang="en-US" sz="1800" b="1" dirty="0" err="1">
+                <a:solidFill>
+                  <a:schemeClr val="tx1"/>
+                </a:solidFill>
+              </a:rPr>
+              <a:t>s.connect</a:t>
+            </a:r>
+            <a:r>
+              <a:rPr lang="en-US" sz="1800" b="1" dirty="0">
+                <a:solidFill>
+                  <a:schemeClr val="tx1"/>
+                </a:solidFill>
+              </a:rPr>
+              <a:t>((</a:t>
+            </a:r>
+            <a:r>
+              <a:rPr lang="en-US" sz="1800" b="1" dirty="0" err="1">
+                <a:solidFill>
+                  <a:schemeClr val="tx1"/>
+                </a:solidFill>
+              </a:rPr>
+              <a:t>socket.gethostname</a:t>
+            </a:r>
+            <a:r>
+              <a:rPr lang="en-US" sz="1800" b="1" dirty="0">
+                <a:solidFill>
+                  <a:schemeClr val="tx1"/>
+                </a:solidFill>
+              </a:rPr>
+              <a:t>(), 1234))</a:t>
+            </a:r>
+          </a:p>
+          <a:p>
+            <a:pPr marL="342900" indent="-342900" algn="l">
+              <a:buClr>
+                <a:srgbClr val="0070C0"/>
+              </a:buClr>
+              <a:buSzPct val="80000"/>
+              <a:buFont typeface="Wingdings" pitchFamily="2" charset="2"/>
+              <a:buChar char="u"/>
+            </a:pPr>
+            <a:r>
+              <a:rPr lang="en-US" sz="1800" b="1" dirty="0">
+                <a:solidFill>
+                  <a:schemeClr val="tx1"/>
+                </a:solidFill>
+              </a:rPr>
+              <a:t>It connect the hostname and port name. The client is remote to your server. The client and server are not on the same machine. </a:t>
+            </a:r>
+          </a:p>
+          <a:p>
+            <a:pPr marL="342900" indent="-342900" algn="l">
+              <a:buClr>
+                <a:srgbClr val="0070C0"/>
+              </a:buClr>
+              <a:buSzPct val="80000"/>
+              <a:buFont typeface="Wingdings" pitchFamily="2" charset="2"/>
+              <a:buChar char="u"/>
+            </a:pPr>
+            <a:r>
+              <a:rPr lang="en-US" sz="1800" b="1" dirty="0">
+                <a:solidFill>
+                  <a:schemeClr val="tx1"/>
+                </a:solidFill>
+              </a:rPr>
+              <a:t>With the socket, the python can be to and from on the same machine like locally networked set of machine or even remote networked machine. You can connect to an public IP or local IP. For now, we do everything on the same machine.</a:t>
             </a:r>
           </a:p>
         </p:txBody>
@@ -7879,7 +9583,7 @@
             <a:fld id="{A4F910E6-8D00-4BAF-8C48-9688E0B449D3}" type="datetime1">
               <a:rPr lang="zh-TW" altLang="en-US" smtClean="0"/>
               <a:pPr/>
-              <a:t>2020/1/5</a:t>
+              <a:t>2020/1/6</a:t>
             </a:fld>
             <a:endParaRPr lang="zh-TW" altLang="en-US"/>
           </a:p>
@@ -7903,7 +9607,7 @@
             <a:fld id="{E4D7E63D-91F2-4366-A2C4-1B00C9E2590E}" type="slidenum">
               <a:rPr lang="zh-TW" altLang="en-US" smtClean="0"/>
               <a:pPr/>
-              <a:t>2</a:t>
+              <a:t>22</a:t>
             </a:fld>
             <a:endParaRPr lang="zh-TW" altLang="en-US"/>
           </a:p>
@@ -7993,6 +9697,11 @@
         </p:txBody>
       </p:sp>
     </p:spTree>
+    <p:extLst>
+      <p:ext uri="{BB962C8B-B14F-4D97-AF65-F5344CB8AC3E}">
+        <p14:creationId xmlns:p14="http://schemas.microsoft.com/office/powerpoint/2010/main" val="1206894921"/>
+      </p:ext>
+    </p:extLst>
   </p:cSld>
   <p:clrMapOvr>
     <a:masterClrMapping/>
@@ -8000,7 +9709,7 @@
 </p:sld>
 </file>
 
-<file path=ppt/slides/slide20.xml><?xml version="1.0" encoding="utf-8"?>
+<file path=ppt/slides/slide23.xml><?xml version="1.0" encoding="utf-8"?>
 <p:sld xmlns:a="http://schemas.openxmlformats.org/drawingml/2006/main" xmlns:r="http://schemas.openxmlformats.org/officeDocument/2006/relationships" xmlns:p="http://schemas.openxmlformats.org/presentationml/2006/main">
   <p:cSld>
     <p:spTree>
@@ -8095,7 +9804,7 @@
         <p:spPr>
           <a:xfrm>
             <a:off x="467544" y="1268759"/>
-            <a:ext cx="8352928" cy="360041"/>
+            <a:ext cx="8352928" cy="2880321"/>
           </a:xfrm>
           <a:ln>
             <a:solidFill>
@@ -8123,8 +9832,181 @@
                   <a:schemeClr val="tx1"/>
                 </a:solidFill>
               </a:rPr>
-              <a:t>A Simple Client code:</a:t>
-            </a:r>
+              <a:t>A Simple Client (2)</a:t>
+            </a:r>
+          </a:p>
+          <a:p>
+            <a:pPr marL="342900" indent="-342900" algn="l">
+              <a:buClr>
+                <a:srgbClr val="0070C0"/>
+              </a:buClr>
+              <a:buSzPct val="80000"/>
+              <a:buFont typeface="Wingdings" pitchFamily="2" charset="2"/>
+              <a:buChar char="u"/>
+            </a:pPr>
+            <a:r>
+              <a:rPr lang="en-US" sz="1800" b="1" dirty="0">
+                <a:solidFill>
+                  <a:schemeClr val="tx1"/>
+                </a:solidFill>
+              </a:rPr>
+              <a:t>We will get the message:</a:t>
+            </a:r>
+          </a:p>
+          <a:p>
+            <a:pPr marL="342900" indent="-342900" algn="l">
+              <a:buClr>
+                <a:srgbClr val="0070C0"/>
+              </a:buClr>
+              <a:buSzPct val="80000"/>
+              <a:buFont typeface="Wingdings" pitchFamily="2" charset="2"/>
+              <a:buChar char="u"/>
+            </a:pPr>
+            <a:r>
+              <a:rPr lang="en-US" sz="1800" b="1" dirty="0">
+                <a:solidFill>
+                  <a:schemeClr val="tx1"/>
+                </a:solidFill>
+              </a:rPr>
+              <a:t>msg = </a:t>
+            </a:r>
+            <a:r>
+              <a:rPr lang="en-US" sz="1800" b="1" dirty="0" err="1">
+                <a:solidFill>
+                  <a:schemeClr val="tx1"/>
+                </a:solidFill>
+              </a:rPr>
+              <a:t>s.recv</a:t>
+            </a:r>
+            <a:r>
+              <a:rPr lang="en-US" sz="1800" b="1" dirty="0">
+                <a:solidFill>
+                  <a:schemeClr val="tx1"/>
+                </a:solidFill>
+              </a:rPr>
+              <a:t> (1024) </a:t>
+            </a:r>
+          </a:p>
+          <a:p>
+            <a:pPr marL="342900" indent="-342900" algn="l">
+              <a:buClr>
+                <a:srgbClr val="0070C0"/>
+              </a:buClr>
+              <a:buSzPct val="80000"/>
+              <a:buFont typeface="Wingdings" pitchFamily="2" charset="2"/>
+              <a:buChar char="u"/>
+            </a:pPr>
+            <a:r>
+              <a:rPr lang="en-US" sz="1800" b="1" dirty="0">
+                <a:solidFill>
+                  <a:schemeClr val="tx1"/>
+                </a:solidFill>
+              </a:rPr>
+              <a:t>Print (</a:t>
+            </a:r>
+            <a:r>
+              <a:rPr lang="en-US" sz="1800" b="1" dirty="0" err="1">
+                <a:solidFill>
+                  <a:schemeClr val="tx1"/>
+                </a:solidFill>
+              </a:rPr>
+              <a:t>msg.decode</a:t>
+            </a:r>
+            <a:r>
+              <a:rPr lang="en-US" sz="1800" b="1" dirty="0">
+                <a:solidFill>
+                  <a:schemeClr val="tx1"/>
+                </a:solidFill>
+              </a:rPr>
+              <a:t> (“utf-8”))</a:t>
+            </a:r>
+          </a:p>
+          <a:p>
+            <a:pPr marL="342900" indent="-342900" algn="l">
+              <a:buClr>
+                <a:srgbClr val="0070C0"/>
+              </a:buClr>
+              <a:buSzPct val="80000"/>
+              <a:buFont typeface="Wingdings" pitchFamily="2" charset="2"/>
+              <a:buChar char="u"/>
+            </a:pPr>
+            <a:r>
+              <a:rPr lang="en-US" sz="1800" b="1" dirty="0">
+                <a:solidFill>
+                  <a:schemeClr val="tx1"/>
+                </a:solidFill>
+              </a:rPr>
+              <a:t>This data is from the remote data. How big of the chunk at a time? In this case, it is 1024 bytes.</a:t>
+            </a:r>
+          </a:p>
+          <a:p>
+            <a:pPr marL="342900" indent="-342900" algn="l">
+              <a:buClr>
+                <a:srgbClr val="0070C0"/>
+              </a:buClr>
+              <a:buSzPct val="80000"/>
+              <a:buFont typeface="Wingdings" pitchFamily="2" charset="2"/>
+              <a:buChar char="u"/>
+            </a:pPr>
+            <a:r>
+              <a:rPr lang="en-US" sz="1800" b="1" dirty="0">
+                <a:solidFill>
+                  <a:schemeClr val="tx1"/>
+                </a:solidFill>
+              </a:rPr>
+              <a:t>We will receive these bytes stream.</a:t>
+            </a:r>
+          </a:p>
+          <a:p>
+            <a:pPr marL="342900" indent="-342900" algn="l">
+              <a:buClr>
+                <a:srgbClr val="0070C0"/>
+              </a:buClr>
+              <a:buSzPct val="80000"/>
+              <a:buFont typeface="Wingdings" pitchFamily="2" charset="2"/>
+              <a:buChar char="u"/>
+            </a:pPr>
+            <a:r>
+              <a:rPr lang="en-US" sz="1800" b="1" dirty="0">
+                <a:solidFill>
+                  <a:schemeClr val="tx1"/>
+                </a:solidFill>
+              </a:rPr>
+              <a:t>We send as bytes and receive as byte, then we decode the bytes.</a:t>
+            </a:r>
+          </a:p>
+          <a:p>
+            <a:pPr marL="342900" indent="-342900" algn="l">
+              <a:buClr>
+                <a:srgbClr val="0070C0"/>
+              </a:buClr>
+              <a:buSzPct val="80000"/>
+              <a:buFont typeface="Wingdings" pitchFamily="2" charset="2"/>
+              <a:buChar char="u"/>
+            </a:pPr>
+            <a:r>
+              <a:rPr lang="en-US" sz="1800" b="1" dirty="0">
+                <a:solidFill>
+                  <a:schemeClr val="tx1"/>
+                </a:solidFill>
+              </a:rPr>
+              <a:t>Then, we run server.py and then run client.py.</a:t>
+            </a:r>
+          </a:p>
+          <a:p>
+            <a:pPr marL="342900" indent="-342900" algn="l">
+              <a:buClr>
+                <a:srgbClr val="0070C0"/>
+              </a:buClr>
+              <a:buSzPct val="80000"/>
+              <a:buFont typeface="Wingdings" pitchFamily="2" charset="2"/>
+              <a:buChar char="u"/>
+            </a:pPr>
+            <a:endParaRPr lang="en-US" sz="1800" dirty="0">
+              <a:solidFill>
+                <a:schemeClr val="tx1"/>
+              </a:solidFill>
+            </a:endParaRPr>
           </a:p>
         </p:txBody>
       </p:sp>
@@ -8223,7 +10105,7 @@
             <a:fld id="{A4F910E6-8D00-4BAF-8C48-9688E0B449D3}" type="datetime1">
               <a:rPr lang="zh-TW" altLang="en-US" smtClean="0"/>
               <a:pPr/>
-              <a:t>2020/1/5</a:t>
+              <a:t>2020/1/6</a:t>
             </a:fld>
             <a:endParaRPr lang="zh-TW" altLang="en-US"/>
           </a:p>
@@ -8247,7 +10129,356 @@
             <a:fld id="{E4D7E63D-91F2-4366-A2C4-1B00C9E2590E}" type="slidenum">
               <a:rPr lang="zh-TW" altLang="en-US" smtClean="0"/>
               <a:pPr/>
-              <a:t>20</a:t>
+              <a:t>23</a:t>
+            </a:fld>
+            <a:endParaRPr lang="zh-TW" altLang="en-US"/>
+          </a:p>
+        </p:txBody>
+      </p:sp>
+      <p:sp>
+        <p:nvSpPr>
+          <p:cNvPr id="7" name="標題 1">
+            <a:extLst>
+              <a:ext uri="{FF2B5EF4-FFF2-40B4-BE49-F238E27FC236}">
+                <a16:creationId xmlns:a16="http://schemas.microsoft.com/office/drawing/2014/main" id="{6E2D4164-C1C5-46FE-A4A6-175D48CD34B6}"/>
+              </a:ext>
+            </a:extLst>
+          </p:cNvPr>
+          <p:cNvSpPr txBox="1">
+            <a:spLocks/>
+          </p:cNvSpPr>
+          <p:nvPr/>
+        </p:nvSpPr>
+        <p:spPr>
+          <a:xfrm>
+            <a:off x="16088" y="836712"/>
+            <a:ext cx="9144000" cy="360040"/>
+          </a:xfrm>
+          <a:prstGeom prst="rect">
+            <a:avLst/>
+          </a:prstGeom>
+          <a:gradFill flip="none" rotWithShape="1">
+            <a:gsLst>
+              <a:gs pos="0">
+                <a:srgbClr val="00B0F0">
+                  <a:shade val="30000"/>
+                  <a:satMod val="115000"/>
+                </a:srgbClr>
+              </a:gs>
+              <a:gs pos="50000">
+                <a:srgbClr val="00B0F0">
+                  <a:shade val="67500"/>
+                  <a:satMod val="115000"/>
+                </a:srgbClr>
+              </a:gs>
+              <a:gs pos="100000">
+                <a:srgbClr val="00B0F0">
+                  <a:shade val="100000"/>
+                  <a:satMod val="115000"/>
+                </a:srgbClr>
+              </a:gs>
+            </a:gsLst>
+            <a:path path="circle">
+              <a:fillToRect t="100000" r="100000"/>
+            </a:path>
+            <a:tileRect l="-100000" b="-100000"/>
+          </a:gradFill>
+        </p:spPr>
+        <p:txBody>
+          <a:bodyPr vert="horz" lIns="91440" tIns="45720" rIns="91440" bIns="45720" rtlCol="0" anchor="ctr">
+            <a:normAutofit/>
+          </a:bodyPr>
+          <a:lstStyle/>
+          <a:p>
+            <a:pPr lvl="0">
+              <a:spcBef>
+                <a:spcPct val="0"/>
+              </a:spcBef>
+            </a:pPr>
+            <a:r>
+              <a:rPr lang="en-US" sz="1600" dirty="0">
+                <a:hlinkClick r:id="rId3"/>
+              </a:rPr>
+              <a:t>https://www.tutorialspoint.com/python/python_networking.htm</a:t>
+            </a:r>
+            <a:endParaRPr kumimoji="0" lang="zh-TW" altLang="en-US" sz="1600" b="0" i="0" u="none" strike="noStrike" kern="1200" cap="none" spc="0" normalizeH="0" baseline="0" noProof="0" dirty="0">
+              <a:ln>
+                <a:noFill/>
+              </a:ln>
+              <a:solidFill>
+                <a:schemeClr val="tx1"/>
+              </a:solidFill>
+              <a:effectLst/>
+              <a:uLnTx/>
+              <a:uFillTx/>
+              <a:latin typeface="+mj-lt"/>
+              <a:ea typeface="+mj-ea"/>
+              <a:cs typeface="+mj-cs"/>
+            </a:endParaRPr>
+          </a:p>
+        </p:txBody>
+      </p:sp>
+    </p:spTree>
+    <p:extLst>
+      <p:ext uri="{BB962C8B-B14F-4D97-AF65-F5344CB8AC3E}">
+        <p14:creationId xmlns:p14="http://schemas.microsoft.com/office/powerpoint/2010/main" val="1151473571"/>
+      </p:ext>
+    </p:extLst>
+  </p:cSld>
+  <p:clrMapOvr>
+    <a:masterClrMapping/>
+  </p:clrMapOvr>
+</p:sld>
+</file>
+
+<file path=ppt/slides/slide24.xml><?xml version="1.0" encoding="utf-8"?>
+<p:sld xmlns:a="http://schemas.openxmlformats.org/drawingml/2006/main" xmlns:r="http://schemas.openxmlformats.org/officeDocument/2006/relationships" xmlns:p="http://schemas.openxmlformats.org/presentationml/2006/main">
+  <p:cSld>
+    <p:spTree>
+      <p:nvGrpSpPr>
+        <p:cNvPr id="1" name=""/>
+        <p:cNvGrpSpPr/>
+        <p:nvPr/>
+      </p:nvGrpSpPr>
+      <p:grpSpPr>
+        <a:xfrm>
+          <a:off x="0" y="0"/>
+          <a:ext cx="0" cy="0"/>
+          <a:chOff x="0" y="0"/>
+          <a:chExt cx="0" cy="0"/>
+        </a:xfrm>
+      </p:grpSpPr>
+      <p:sp>
+        <p:nvSpPr>
+          <p:cNvPr id="2" name="標題 1"/>
+          <p:cNvSpPr>
+            <a:spLocks noGrp="1"/>
+          </p:cNvSpPr>
+          <p:nvPr>
+            <p:ph type="ctrTitle"/>
+          </p:nvPr>
+        </p:nvSpPr>
+        <p:spPr>
+          <a:xfrm>
+            <a:off x="0" y="1"/>
+            <a:ext cx="9144000" cy="764704"/>
+          </a:xfrm>
+          <a:gradFill flip="none" rotWithShape="1">
+            <a:gsLst>
+              <a:gs pos="0">
+                <a:srgbClr val="C00000">
+                  <a:shade val="30000"/>
+                  <a:satMod val="115000"/>
+                </a:srgbClr>
+              </a:gs>
+              <a:gs pos="50000">
+                <a:srgbClr val="C00000">
+                  <a:shade val="67500"/>
+                  <a:satMod val="115000"/>
+                </a:srgbClr>
+              </a:gs>
+              <a:gs pos="100000">
+                <a:srgbClr val="C00000">
+                  <a:shade val="100000"/>
+                  <a:satMod val="115000"/>
+                </a:srgbClr>
+              </a:gs>
+            </a:gsLst>
+            <a:path path="circle">
+              <a:fillToRect t="100000" r="100000"/>
+            </a:path>
+            <a:tileRect l="-100000" b="-100000"/>
+          </a:gradFill>
+        </p:spPr>
+        <p:txBody>
+          <a:bodyPr>
+            <a:normAutofit/>
+          </a:bodyPr>
+          <a:lstStyle/>
+          <a:p>
+            <a:pPr algn="l"/>
+            <a:r>
+              <a:rPr lang="en-US" altLang="zh-TW" b="1" dirty="0">
+                <a:solidFill>
+                  <a:srgbClr val="FFFF00"/>
+                </a:solidFill>
+              </a:rPr>
+              <a:t>05.07 A Simple Client</a:t>
+            </a:r>
+            <a:endParaRPr lang="zh-TW" altLang="en-US" b="1" dirty="0">
+              <a:solidFill>
+                <a:srgbClr val="FFFF00"/>
+              </a:solidFill>
+            </a:endParaRPr>
+          </a:p>
+        </p:txBody>
+      </p:sp>
+      <p:sp>
+        <p:nvSpPr>
+          <p:cNvPr id="3" name="副標題 2"/>
+          <p:cNvSpPr>
+            <a:spLocks noGrp="1"/>
+          </p:cNvSpPr>
+          <p:nvPr>
+            <p:ph type="subTitle" idx="1"/>
+          </p:nvPr>
+        </p:nvSpPr>
+        <p:spPr>
+          <a:xfrm>
+            <a:off x="467544" y="1268759"/>
+            <a:ext cx="8352928" cy="360041"/>
+          </a:xfrm>
+          <a:ln>
+            <a:solidFill>
+              <a:srgbClr val="C00000"/>
+            </a:solidFill>
+          </a:ln>
+        </p:spPr>
+        <p:txBody>
+          <a:bodyPr>
+            <a:noAutofit/>
+          </a:bodyPr>
+          <a:lstStyle/>
+          <a:p>
+            <a:pPr marL="342900" indent="-342900" algn="l">
+              <a:buClr>
+                <a:srgbClr val="0070C0"/>
+              </a:buClr>
+              <a:buSzPct val="80000"/>
+              <a:buFont typeface="Wingdings" pitchFamily="2" charset="2"/>
+              <a:buChar char="u"/>
+            </a:pPr>
+            <a:r>
+              <a:rPr lang="en-US" sz="1800" b="1" dirty="0">
+                <a:solidFill>
+                  <a:schemeClr val="tx1"/>
+                </a:solidFill>
+              </a:rPr>
+              <a:t>A Simple Client code:</a:t>
+            </a:r>
+          </a:p>
+        </p:txBody>
+      </p:sp>
+      <p:sp>
+        <p:nvSpPr>
+          <p:cNvPr id="4" name="標題 1"/>
+          <p:cNvSpPr txBox="1">
+            <a:spLocks/>
+          </p:cNvSpPr>
+          <p:nvPr/>
+        </p:nvSpPr>
+        <p:spPr>
+          <a:xfrm>
+            <a:off x="0" y="764704"/>
+            <a:ext cx="9144000" cy="360040"/>
+          </a:xfrm>
+          <a:prstGeom prst="rect">
+            <a:avLst/>
+          </a:prstGeom>
+          <a:gradFill flip="none" rotWithShape="1">
+            <a:gsLst>
+              <a:gs pos="0">
+                <a:srgbClr val="00B0F0">
+                  <a:shade val="30000"/>
+                  <a:satMod val="115000"/>
+                </a:srgbClr>
+              </a:gs>
+              <a:gs pos="50000">
+                <a:srgbClr val="00B0F0">
+                  <a:shade val="67500"/>
+                  <a:satMod val="115000"/>
+                </a:srgbClr>
+              </a:gs>
+              <a:gs pos="100000">
+                <a:srgbClr val="00B0F0">
+                  <a:shade val="100000"/>
+                  <a:satMod val="115000"/>
+                </a:srgbClr>
+              </a:gs>
+            </a:gsLst>
+            <a:path path="circle">
+              <a:fillToRect t="100000" r="100000"/>
+            </a:path>
+            <a:tileRect l="-100000" b="-100000"/>
+          </a:gradFill>
+        </p:spPr>
+        <p:txBody>
+          <a:bodyPr vert="horz" lIns="91440" tIns="45720" rIns="91440" bIns="45720" rtlCol="0" anchor="ctr">
+            <a:normAutofit/>
+          </a:bodyPr>
+          <a:lstStyle/>
+          <a:p>
+            <a:pPr lvl="0">
+              <a:spcBef>
+                <a:spcPct val="0"/>
+              </a:spcBef>
+            </a:pPr>
+            <a:r>
+              <a:rPr lang="en-US" sz="1600" dirty="0">
+                <a:hlinkClick r:id="rId2"/>
+              </a:rPr>
+              <a:t>https://github.com/PacktPublishing/Tkinter-GUI-Application-Development-Blueprints-Second-Edition</a:t>
+            </a:r>
+            <a:endParaRPr kumimoji="0" lang="zh-TW" altLang="en-US" sz="1600" b="0" i="0" u="none" strike="noStrike" kern="1200" cap="none" spc="0" normalizeH="0" baseline="0" noProof="0" dirty="0">
+              <a:ln>
+                <a:noFill/>
+              </a:ln>
+              <a:solidFill>
+                <a:schemeClr val="tx1"/>
+              </a:solidFill>
+              <a:effectLst/>
+              <a:uLnTx/>
+              <a:uFillTx/>
+              <a:latin typeface="+mj-lt"/>
+              <a:ea typeface="+mj-ea"/>
+              <a:cs typeface="+mj-cs"/>
+            </a:endParaRPr>
+          </a:p>
+        </p:txBody>
+      </p:sp>
+      <p:sp>
+        <p:nvSpPr>
+          <p:cNvPr id="5" name="日期版面配置區 4"/>
+          <p:cNvSpPr>
+            <a:spLocks noGrp="1"/>
+          </p:cNvSpPr>
+          <p:nvPr>
+            <p:ph type="dt" sz="half" idx="10"/>
+          </p:nvPr>
+        </p:nvSpPr>
+        <p:spPr/>
+        <p:txBody>
+          <a:bodyPr/>
+          <a:lstStyle/>
+          <a:p>
+            <a:fld id="{A4F910E6-8D00-4BAF-8C48-9688E0B449D3}" type="datetime1">
+              <a:rPr lang="zh-TW" altLang="en-US" smtClean="0"/>
+              <a:pPr/>
+              <a:t>2020/1/6</a:t>
+            </a:fld>
+            <a:endParaRPr lang="zh-TW" altLang="en-US"/>
+          </a:p>
+        </p:txBody>
+      </p:sp>
+      <p:sp>
+        <p:nvSpPr>
+          <p:cNvPr id="6" name="投影片編號版面配置區 5"/>
+          <p:cNvSpPr>
+            <a:spLocks noGrp="1"/>
+          </p:cNvSpPr>
+          <p:nvPr>
+            <p:ph type="sldNum" sz="quarter" idx="12"/>
+          </p:nvPr>
+        </p:nvSpPr>
+        <p:spPr/>
+        <p:txBody>
+          <a:bodyPr/>
+          <a:lstStyle/>
+          <a:p>
+            <a:fld id="{E4D7E63D-91F2-4366-A2C4-1B00C9E2590E}" type="slidenum">
+              <a:rPr lang="zh-TW" altLang="en-US" smtClean="0"/>
+              <a:pPr/>
+              <a:t>24</a:t>
             </a:fld>
             <a:endParaRPr lang="zh-TW" altLang="en-US"/>
           </a:p>
@@ -8384,7 +10615,7 @@
 </p:sld>
 </file>
 
-<file path=ppt/slides/slide21.xml><?xml version="1.0" encoding="utf-8"?>
+<file path=ppt/slides/slide25.xml><?xml version="1.0" encoding="utf-8"?>
 <p:sld xmlns:a="http://schemas.openxmlformats.org/drawingml/2006/main" xmlns:r="http://schemas.openxmlformats.org/officeDocument/2006/relationships" xmlns:p="http://schemas.openxmlformats.org/presentationml/2006/main">
   <p:cSld>
     <p:spTree>
@@ -8460,7 +10691,7 @@
             <a:fld id="{C389EDC9-19E3-47AC-9C57-C6A24DEA81AD}" type="datetime1">
               <a:rPr lang="zh-TW" altLang="en-US" smtClean="0"/>
               <a:pPr/>
-              <a:t>2020/1/5</a:t>
+              <a:t>2020/1/6</a:t>
             </a:fld>
             <a:endParaRPr lang="zh-TW" altLang="en-US"/>
           </a:p>
@@ -8484,7 +10715,7 @@
             <a:fld id="{E4D7E63D-91F2-4366-A2C4-1B00C9E2590E}" type="slidenum">
               <a:rPr lang="zh-TW" altLang="en-US" smtClean="0"/>
               <a:pPr/>
-              <a:t>21</a:t>
+              <a:t>25</a:t>
             </a:fld>
             <a:endParaRPr lang="zh-TW" altLang="en-US"/>
           </a:p>
@@ -8533,7 +10764,7 @@
 </p:sld>
 </file>
 
-<file path=ppt/slides/slide22.xml><?xml version="1.0" encoding="utf-8"?>
+<file path=ppt/slides/slide26.xml><?xml version="1.0" encoding="utf-8"?>
 <p:sld xmlns:a="http://schemas.openxmlformats.org/drawingml/2006/main" xmlns:r="http://schemas.openxmlformats.org/officeDocument/2006/relationships" xmlns:p="http://schemas.openxmlformats.org/presentationml/2006/main">
   <p:cSld>
     <p:spTree>
@@ -8756,7 +10987,7 @@
             <a:fld id="{A4F910E6-8D00-4BAF-8C48-9688E0B449D3}" type="datetime1">
               <a:rPr lang="zh-TW" altLang="en-US" smtClean="0"/>
               <a:pPr/>
-              <a:t>2020/1/5</a:t>
+              <a:t>2020/1/6</a:t>
             </a:fld>
             <a:endParaRPr lang="zh-TW" altLang="en-US"/>
           </a:p>
@@ -8780,7 +11011,7 @@
             <a:fld id="{E4D7E63D-91F2-4366-A2C4-1B00C9E2590E}" type="slidenum">
               <a:rPr lang="zh-TW" altLang="en-US" smtClean="0"/>
               <a:pPr/>
-              <a:t>22</a:t>
+              <a:t>26</a:t>
             </a:fld>
             <a:endParaRPr lang="zh-TW" altLang="en-US"/>
           </a:p>
@@ -9159,7 +11390,7 @@
 </p:sld>
 </file>
 
-<file path=ppt/slides/slide23.xml><?xml version="1.0" encoding="utf-8"?>
+<file path=ppt/slides/slide27.xml><?xml version="1.0" encoding="utf-8"?>
 <p:sld xmlns:a="http://schemas.openxmlformats.org/drawingml/2006/main" xmlns:r="http://schemas.openxmlformats.org/officeDocument/2006/relationships" xmlns:p="http://schemas.openxmlformats.org/presentationml/2006/main">
   <p:cSld>
     <p:spTree>
@@ -9188,25 +11419,25 @@
         </p:nvSpPr>
         <p:spPr>
           <a:xfrm>
-            <a:off x="0" y="2130425"/>
-            <a:ext cx="9144000" cy="1470025"/>
+            <a:off x="0" y="1"/>
+            <a:ext cx="9144000" cy="764704"/>
           </a:xfrm>
           <a:gradFill flip="none" rotWithShape="1">
             <a:gsLst>
               <a:gs pos="0">
-                <a:srgbClr val="00B0F0">
+                <a:srgbClr val="C00000">
                   <a:shade val="30000"/>
                   <a:satMod val="115000"/>
                 </a:srgbClr>
               </a:gs>
               <a:gs pos="50000">
-                <a:srgbClr val="00B0F0">
+                <a:srgbClr val="C00000">
                   <a:shade val="67500"/>
                   <a:satMod val="115000"/>
                 </a:srgbClr>
               </a:gs>
               <a:gs pos="100000">
-                <a:srgbClr val="00B0F0">
+                <a:srgbClr val="C00000">
                   <a:shade val="100000"/>
                   <a:satMod val="115000"/>
                 </a:srgbClr>
@@ -9224,15 +11455,16 @@
           </a:bodyPr>
           <a:lstStyle/>
           <a:p>
-            <a:r>
-              <a:rPr lang="en-US" altLang="zh-TW" sz="6000" b="1" dirty="0">
+            <a:pPr algn="l"/>
+            <a:r>
+              <a:rPr lang="en-US" altLang="zh-TW" b="1" dirty="0">
                 <a:solidFill>
                   <a:srgbClr val="FFFF00"/>
                 </a:solidFill>
               </a:rPr>
-              <a:t>End of Chapter</a:t>
-            </a:r>
-            <a:endParaRPr lang="zh-TW" altLang="en-US" sz="6000" b="1" dirty="0">
+              <a:t>05.08 Run Server/Client</a:t>
+            </a:r>
+            <a:endParaRPr lang="zh-TW" altLang="en-US" b="1" dirty="0">
               <a:solidFill>
                 <a:srgbClr val="FFFF00"/>
               </a:solidFill>
@@ -9242,6 +11474,129 @@
       </p:sp>
       <p:sp>
         <p:nvSpPr>
+          <p:cNvPr id="3" name="副標題 2"/>
+          <p:cNvSpPr>
+            <a:spLocks noGrp="1"/>
+          </p:cNvSpPr>
+          <p:nvPr>
+            <p:ph type="subTitle" idx="1"/>
+          </p:nvPr>
+        </p:nvSpPr>
+        <p:spPr>
+          <a:xfrm>
+            <a:off x="467544" y="1268759"/>
+            <a:ext cx="8352928" cy="360041"/>
+          </a:xfrm>
+          <a:ln>
+            <a:solidFill>
+              <a:srgbClr val="C00000"/>
+            </a:solidFill>
+          </a:ln>
+        </p:spPr>
+        <p:txBody>
+          <a:bodyPr>
+            <a:noAutofit/>
+          </a:bodyPr>
+          <a:lstStyle/>
+          <a:p>
+            <a:pPr marL="342900" indent="-342900" algn="l">
+              <a:buClr>
+                <a:srgbClr val="0070C0"/>
+              </a:buClr>
+              <a:buSzPct val="80000"/>
+              <a:buFont typeface="Wingdings" pitchFamily="2" charset="2"/>
+              <a:buChar char="u"/>
+            </a:pPr>
+            <a:r>
+              <a:rPr lang="en-US" sz="1800" b="1" dirty="0">
+                <a:solidFill>
+                  <a:schemeClr val="tx1"/>
+                </a:solidFill>
+              </a:rPr>
+              <a:t>Every time, we get the different ports connection from client:</a:t>
+            </a:r>
+          </a:p>
+        </p:txBody>
+      </p:sp>
+      <p:sp>
+        <p:nvSpPr>
+          <p:cNvPr id="4" name="標題 1"/>
+          <p:cNvSpPr txBox="1">
+            <a:spLocks/>
+          </p:cNvSpPr>
+          <p:nvPr/>
+        </p:nvSpPr>
+        <p:spPr>
+          <a:xfrm>
+            <a:off x="0" y="764704"/>
+            <a:ext cx="9144000" cy="360040"/>
+          </a:xfrm>
+          <a:prstGeom prst="rect">
+            <a:avLst/>
+          </a:prstGeom>
+          <a:gradFill flip="none" rotWithShape="1">
+            <a:gsLst>
+              <a:gs pos="0">
+                <a:srgbClr val="00B0F0">
+                  <a:shade val="30000"/>
+                  <a:satMod val="115000"/>
+                </a:srgbClr>
+              </a:gs>
+              <a:gs pos="50000">
+                <a:srgbClr val="00B0F0">
+                  <a:shade val="67500"/>
+                  <a:satMod val="115000"/>
+                </a:srgbClr>
+              </a:gs>
+              <a:gs pos="100000">
+                <a:srgbClr val="00B0F0">
+                  <a:shade val="100000"/>
+                  <a:satMod val="115000"/>
+                </a:srgbClr>
+              </a:gs>
+            </a:gsLst>
+            <a:path path="circle">
+              <a:fillToRect t="100000" r="100000"/>
+            </a:path>
+            <a:tileRect l="-100000" b="-100000"/>
+          </a:gradFill>
+        </p:spPr>
+        <p:txBody>
+          <a:bodyPr vert="horz" lIns="91440" tIns="45720" rIns="91440" bIns="45720" rtlCol="0" anchor="ctr">
+            <a:normAutofit/>
+          </a:bodyPr>
+          <a:lstStyle/>
+          <a:p>
+            <a:pPr lvl="0">
+              <a:spcBef>
+                <a:spcPct val="0"/>
+              </a:spcBef>
+            </a:pPr>
+            <a:r>
+              <a:rPr lang="en-US" sz="1600" dirty="0">
+                <a:hlinkClick r:id="rId2"/>
+              </a:rPr>
+              <a:t>https://github.com/PacktPublishing/Tkinter-GUI-Application-Development-Blueprints-Second-Edition</a:t>
+            </a:r>
+            <a:endParaRPr kumimoji="0" lang="zh-TW" altLang="en-US" sz="1600" b="0" i="0" u="none" strike="noStrike" kern="1200" cap="none" spc="0" normalizeH="0" baseline="0" noProof="0" dirty="0">
+              <a:ln>
+                <a:noFill/>
+              </a:ln>
+              <a:solidFill>
+                <a:schemeClr val="tx1"/>
+              </a:solidFill>
+              <a:effectLst/>
+              <a:uLnTx/>
+              <a:uFillTx/>
+              <a:latin typeface="+mj-lt"/>
+              <a:ea typeface="+mj-ea"/>
+              <a:cs typeface="+mj-cs"/>
+            </a:endParaRPr>
+          </a:p>
+        </p:txBody>
+      </p:sp>
+      <p:sp>
+        <p:nvSpPr>
           <p:cNvPr id="5" name="日期版面配置區 4"/>
           <p:cNvSpPr>
             <a:spLocks noGrp="1"/>
@@ -9255,10 +11610,10 @@
           <a:bodyPr/>
           <a:lstStyle/>
           <a:p>
-            <a:fld id="{4E46BE27-E923-4EC2-B046-3272AE2A3E5C}" type="datetime1">
+            <a:fld id="{A4F910E6-8D00-4BAF-8C48-9688E0B449D3}" type="datetime1">
               <a:rPr lang="zh-TW" altLang="en-US" smtClean="0"/>
               <a:pPr/>
-              <a:t>2020/1/5</a:t>
+              <a:t>2020/1/6</a:t>
             </a:fld>
             <a:endParaRPr lang="zh-TW" altLang="en-US"/>
           </a:p>
@@ -9282,13 +11637,687 @@
             <a:fld id="{E4D7E63D-91F2-4366-A2C4-1B00C9E2590E}" type="slidenum">
               <a:rPr lang="zh-TW" altLang="en-US" smtClean="0"/>
               <a:pPr/>
-              <a:t>23</a:t>
+              <a:t>27</a:t>
             </a:fld>
             <a:endParaRPr lang="zh-TW" altLang="en-US"/>
           </a:p>
         </p:txBody>
       </p:sp>
+      <p:sp>
+        <p:nvSpPr>
+          <p:cNvPr id="7" name="標題 1">
+            <a:extLst>
+              <a:ext uri="{FF2B5EF4-FFF2-40B4-BE49-F238E27FC236}">
+                <a16:creationId xmlns:a16="http://schemas.microsoft.com/office/drawing/2014/main" id="{6E2D4164-C1C5-46FE-A4A6-175D48CD34B6}"/>
+              </a:ext>
+            </a:extLst>
+          </p:cNvPr>
+          <p:cNvSpPr txBox="1">
+            <a:spLocks/>
+          </p:cNvSpPr>
+          <p:nvPr/>
+        </p:nvSpPr>
+        <p:spPr>
+          <a:xfrm>
+            <a:off x="16088" y="836712"/>
+            <a:ext cx="9144000" cy="360040"/>
+          </a:xfrm>
+          <a:prstGeom prst="rect">
+            <a:avLst/>
+          </a:prstGeom>
+          <a:gradFill flip="none" rotWithShape="1">
+            <a:gsLst>
+              <a:gs pos="0">
+                <a:srgbClr val="00B0F0">
+                  <a:shade val="30000"/>
+                  <a:satMod val="115000"/>
+                </a:srgbClr>
+              </a:gs>
+              <a:gs pos="50000">
+                <a:srgbClr val="00B0F0">
+                  <a:shade val="67500"/>
+                  <a:satMod val="115000"/>
+                </a:srgbClr>
+              </a:gs>
+              <a:gs pos="100000">
+                <a:srgbClr val="00B0F0">
+                  <a:shade val="100000"/>
+                  <a:satMod val="115000"/>
+                </a:srgbClr>
+              </a:gs>
+            </a:gsLst>
+            <a:path path="circle">
+              <a:fillToRect t="100000" r="100000"/>
+            </a:path>
+            <a:tileRect l="-100000" b="-100000"/>
+          </a:gradFill>
+        </p:spPr>
+        <p:txBody>
+          <a:bodyPr vert="horz" lIns="91440" tIns="45720" rIns="91440" bIns="45720" rtlCol="0" anchor="ctr">
+            <a:normAutofit/>
+          </a:bodyPr>
+          <a:lstStyle/>
+          <a:p>
+            <a:pPr lvl="0">
+              <a:spcBef>
+                <a:spcPct val="0"/>
+              </a:spcBef>
+            </a:pPr>
+            <a:r>
+              <a:rPr lang="en-US" sz="1600" dirty="0">
+                <a:hlinkClick r:id="rId3"/>
+              </a:rPr>
+              <a:t>https://www.tutorialspoint.com/python/python_networking.htm</a:t>
+            </a:r>
+            <a:endParaRPr kumimoji="0" lang="zh-TW" altLang="en-US" sz="1600" b="0" i="0" u="none" strike="noStrike" kern="1200" cap="none" spc="0" normalizeH="0" baseline="0" noProof="0" dirty="0">
+              <a:ln>
+                <a:noFill/>
+              </a:ln>
+              <a:solidFill>
+                <a:schemeClr val="tx1"/>
+              </a:solidFill>
+              <a:effectLst/>
+              <a:uLnTx/>
+              <a:uFillTx/>
+              <a:latin typeface="+mj-lt"/>
+              <a:ea typeface="+mj-ea"/>
+              <a:cs typeface="+mj-cs"/>
+            </a:endParaRPr>
+          </a:p>
+        </p:txBody>
+      </p:sp>
+      <p:pic>
+        <p:nvPicPr>
+          <p:cNvPr id="9" name="Picture 8">
+            <a:extLst>
+              <a:ext uri="{FF2B5EF4-FFF2-40B4-BE49-F238E27FC236}">
+                <a16:creationId xmlns:a16="http://schemas.microsoft.com/office/drawing/2014/main" id="{1233A484-1615-481D-80AC-B0255A0E5726}"/>
+              </a:ext>
+            </a:extLst>
+          </p:cNvPr>
+          <p:cNvPicPr>
+            <a:picLocks noChangeAspect="1"/>
+          </p:cNvPicPr>
+          <p:nvPr/>
+        </p:nvPicPr>
+        <p:blipFill>
+          <a:blip r:embed="rId4"/>
+          <a:stretch>
+            <a:fillRect/>
+          </a:stretch>
+        </p:blipFill>
+        <p:spPr>
+          <a:xfrm>
+            <a:off x="899592" y="1845137"/>
+            <a:ext cx="6991350" cy="2143125"/>
+          </a:xfrm>
+          <a:prstGeom prst="rect">
+            <a:avLst/>
+          </a:prstGeom>
+          <a:ln>
+            <a:solidFill>
+              <a:srgbClr val="C00000"/>
+            </a:solidFill>
+          </a:ln>
+        </p:spPr>
+      </p:pic>
     </p:spTree>
+    <p:extLst>
+      <p:ext uri="{BB962C8B-B14F-4D97-AF65-F5344CB8AC3E}">
+        <p14:creationId xmlns:p14="http://schemas.microsoft.com/office/powerpoint/2010/main" val="1527185951"/>
+      </p:ext>
+    </p:extLst>
+  </p:cSld>
+  <p:clrMapOvr>
+    <a:masterClrMapping/>
+  </p:clrMapOvr>
+</p:sld>
+</file>
+
+<file path=ppt/slides/slide28.xml><?xml version="1.0" encoding="utf-8"?>
+<p:sld xmlns:a="http://schemas.openxmlformats.org/drawingml/2006/main" xmlns:r="http://schemas.openxmlformats.org/officeDocument/2006/relationships" xmlns:p="http://schemas.openxmlformats.org/presentationml/2006/main">
+  <p:cSld>
+    <p:spTree>
+      <p:nvGrpSpPr>
+        <p:cNvPr id="1" name=""/>
+        <p:cNvGrpSpPr/>
+        <p:nvPr/>
+      </p:nvGrpSpPr>
+      <p:grpSpPr>
+        <a:xfrm>
+          <a:off x="0" y="0"/>
+          <a:ext cx="0" cy="0"/>
+          <a:chOff x="0" y="0"/>
+          <a:chExt cx="0" cy="0"/>
+        </a:xfrm>
+      </p:grpSpPr>
+      <p:sp>
+        <p:nvSpPr>
+          <p:cNvPr id="2" name="標題 1"/>
+          <p:cNvSpPr>
+            <a:spLocks noGrp="1"/>
+          </p:cNvSpPr>
+          <p:nvPr>
+            <p:ph type="ctrTitle"/>
+          </p:nvPr>
+        </p:nvSpPr>
+        <p:spPr>
+          <a:xfrm>
+            <a:off x="0" y="1"/>
+            <a:ext cx="9144000" cy="764704"/>
+          </a:xfrm>
+          <a:gradFill flip="none" rotWithShape="1">
+            <a:gsLst>
+              <a:gs pos="0">
+                <a:srgbClr val="C00000">
+                  <a:shade val="30000"/>
+                  <a:satMod val="115000"/>
+                </a:srgbClr>
+              </a:gs>
+              <a:gs pos="50000">
+                <a:srgbClr val="C00000">
+                  <a:shade val="67500"/>
+                  <a:satMod val="115000"/>
+                </a:srgbClr>
+              </a:gs>
+              <a:gs pos="100000">
+                <a:srgbClr val="C00000">
+                  <a:shade val="100000"/>
+                  <a:satMod val="115000"/>
+                </a:srgbClr>
+              </a:gs>
+            </a:gsLst>
+            <a:path path="circle">
+              <a:fillToRect t="100000" r="100000"/>
+            </a:path>
+            <a:tileRect l="-100000" b="-100000"/>
+          </a:gradFill>
+        </p:spPr>
+        <p:txBody>
+          <a:bodyPr>
+            <a:normAutofit/>
+          </a:bodyPr>
+          <a:lstStyle/>
+          <a:p>
+            <a:pPr algn="l"/>
+            <a:r>
+              <a:rPr lang="en-US" altLang="zh-TW" b="1" dirty="0">
+                <a:solidFill>
+                  <a:srgbClr val="FFFF00"/>
+                </a:solidFill>
+              </a:rPr>
+              <a:t>05.08 Run Server/Client</a:t>
+            </a:r>
+            <a:endParaRPr lang="zh-TW" altLang="en-US" b="1" dirty="0">
+              <a:solidFill>
+                <a:srgbClr val="FFFF00"/>
+              </a:solidFill>
+            </a:endParaRPr>
+          </a:p>
+        </p:txBody>
+      </p:sp>
+      <p:sp>
+        <p:nvSpPr>
+          <p:cNvPr id="3" name="副標題 2"/>
+          <p:cNvSpPr>
+            <a:spLocks noGrp="1"/>
+          </p:cNvSpPr>
+          <p:nvPr>
+            <p:ph type="subTitle" idx="1"/>
+          </p:nvPr>
+        </p:nvSpPr>
+        <p:spPr>
+          <a:xfrm>
+            <a:off x="467544" y="1268759"/>
+            <a:ext cx="8352928" cy="637729"/>
+          </a:xfrm>
+          <a:ln>
+            <a:solidFill>
+              <a:srgbClr val="C00000"/>
+            </a:solidFill>
+          </a:ln>
+        </p:spPr>
+        <p:txBody>
+          <a:bodyPr>
+            <a:noAutofit/>
+          </a:bodyPr>
+          <a:lstStyle/>
+          <a:p>
+            <a:pPr marL="342900" indent="-342900" algn="l">
+              <a:buClr>
+                <a:srgbClr val="0070C0"/>
+              </a:buClr>
+              <a:buSzPct val="80000"/>
+              <a:buFont typeface="Wingdings" pitchFamily="2" charset="2"/>
+              <a:buChar char="u"/>
+            </a:pPr>
+            <a:r>
+              <a:rPr lang="en-US" sz="1800" b="1" dirty="0">
+                <a:solidFill>
+                  <a:schemeClr val="tx1"/>
+                </a:solidFill>
+              </a:rPr>
+              <a:t>Start client:</a:t>
+            </a:r>
+          </a:p>
+          <a:p>
+            <a:pPr marL="342900" indent="-342900" algn="l">
+              <a:buClr>
+                <a:srgbClr val="0070C0"/>
+              </a:buClr>
+              <a:buSzPct val="80000"/>
+              <a:buFont typeface="Wingdings" pitchFamily="2" charset="2"/>
+              <a:buChar char="u"/>
+            </a:pPr>
+            <a:r>
+              <a:rPr lang="en-US" sz="1800" b="1" dirty="0">
+                <a:solidFill>
+                  <a:schemeClr val="tx1"/>
+                </a:solidFill>
+              </a:rPr>
+              <a:t>Each time, get response from server. Server runs forever.</a:t>
+            </a:r>
+          </a:p>
+        </p:txBody>
+      </p:sp>
+      <p:sp>
+        <p:nvSpPr>
+          <p:cNvPr id="4" name="標題 1"/>
+          <p:cNvSpPr txBox="1">
+            <a:spLocks/>
+          </p:cNvSpPr>
+          <p:nvPr/>
+        </p:nvSpPr>
+        <p:spPr>
+          <a:xfrm>
+            <a:off x="0" y="764704"/>
+            <a:ext cx="9144000" cy="360040"/>
+          </a:xfrm>
+          <a:prstGeom prst="rect">
+            <a:avLst/>
+          </a:prstGeom>
+          <a:gradFill flip="none" rotWithShape="1">
+            <a:gsLst>
+              <a:gs pos="0">
+                <a:srgbClr val="00B0F0">
+                  <a:shade val="30000"/>
+                  <a:satMod val="115000"/>
+                </a:srgbClr>
+              </a:gs>
+              <a:gs pos="50000">
+                <a:srgbClr val="00B0F0">
+                  <a:shade val="67500"/>
+                  <a:satMod val="115000"/>
+                </a:srgbClr>
+              </a:gs>
+              <a:gs pos="100000">
+                <a:srgbClr val="00B0F0">
+                  <a:shade val="100000"/>
+                  <a:satMod val="115000"/>
+                </a:srgbClr>
+              </a:gs>
+            </a:gsLst>
+            <a:path path="circle">
+              <a:fillToRect t="100000" r="100000"/>
+            </a:path>
+            <a:tileRect l="-100000" b="-100000"/>
+          </a:gradFill>
+        </p:spPr>
+        <p:txBody>
+          <a:bodyPr vert="horz" lIns="91440" tIns="45720" rIns="91440" bIns="45720" rtlCol="0" anchor="ctr">
+            <a:normAutofit/>
+          </a:bodyPr>
+          <a:lstStyle/>
+          <a:p>
+            <a:pPr lvl="0">
+              <a:spcBef>
+                <a:spcPct val="0"/>
+              </a:spcBef>
+            </a:pPr>
+            <a:r>
+              <a:rPr lang="en-US" sz="1600" dirty="0">
+                <a:hlinkClick r:id="rId2"/>
+              </a:rPr>
+              <a:t>https://github.com/PacktPublishing/Tkinter-GUI-Application-Development-Blueprints-Second-Edition</a:t>
+            </a:r>
+            <a:endParaRPr kumimoji="0" lang="zh-TW" altLang="en-US" sz="1600" b="0" i="0" u="none" strike="noStrike" kern="1200" cap="none" spc="0" normalizeH="0" baseline="0" noProof="0" dirty="0">
+              <a:ln>
+                <a:noFill/>
+              </a:ln>
+              <a:solidFill>
+                <a:schemeClr val="tx1"/>
+              </a:solidFill>
+              <a:effectLst/>
+              <a:uLnTx/>
+              <a:uFillTx/>
+              <a:latin typeface="+mj-lt"/>
+              <a:ea typeface="+mj-ea"/>
+              <a:cs typeface="+mj-cs"/>
+            </a:endParaRPr>
+          </a:p>
+        </p:txBody>
+      </p:sp>
+      <p:sp>
+        <p:nvSpPr>
+          <p:cNvPr id="5" name="日期版面配置區 4"/>
+          <p:cNvSpPr>
+            <a:spLocks noGrp="1"/>
+          </p:cNvSpPr>
+          <p:nvPr>
+            <p:ph type="dt" sz="half" idx="10"/>
+          </p:nvPr>
+        </p:nvSpPr>
+        <p:spPr/>
+        <p:txBody>
+          <a:bodyPr/>
+          <a:lstStyle/>
+          <a:p>
+            <a:fld id="{A4F910E6-8D00-4BAF-8C48-9688E0B449D3}" type="datetime1">
+              <a:rPr lang="zh-TW" altLang="en-US" smtClean="0"/>
+              <a:pPr/>
+              <a:t>2020/1/6</a:t>
+            </a:fld>
+            <a:endParaRPr lang="zh-TW" altLang="en-US"/>
+          </a:p>
+        </p:txBody>
+      </p:sp>
+      <p:sp>
+        <p:nvSpPr>
+          <p:cNvPr id="6" name="投影片編號版面配置區 5"/>
+          <p:cNvSpPr>
+            <a:spLocks noGrp="1"/>
+          </p:cNvSpPr>
+          <p:nvPr>
+            <p:ph type="sldNum" sz="quarter" idx="12"/>
+          </p:nvPr>
+        </p:nvSpPr>
+        <p:spPr/>
+        <p:txBody>
+          <a:bodyPr/>
+          <a:lstStyle/>
+          <a:p>
+            <a:fld id="{E4D7E63D-91F2-4366-A2C4-1B00C9E2590E}" type="slidenum">
+              <a:rPr lang="zh-TW" altLang="en-US" smtClean="0"/>
+              <a:pPr/>
+              <a:t>28</a:t>
+            </a:fld>
+            <a:endParaRPr lang="zh-TW" altLang="en-US"/>
+          </a:p>
+        </p:txBody>
+      </p:sp>
+      <p:sp>
+        <p:nvSpPr>
+          <p:cNvPr id="7" name="標題 1">
+            <a:extLst>
+              <a:ext uri="{FF2B5EF4-FFF2-40B4-BE49-F238E27FC236}">
+                <a16:creationId xmlns:a16="http://schemas.microsoft.com/office/drawing/2014/main" id="{6E2D4164-C1C5-46FE-A4A6-175D48CD34B6}"/>
+              </a:ext>
+            </a:extLst>
+          </p:cNvPr>
+          <p:cNvSpPr txBox="1">
+            <a:spLocks/>
+          </p:cNvSpPr>
+          <p:nvPr/>
+        </p:nvSpPr>
+        <p:spPr>
+          <a:xfrm>
+            <a:off x="16088" y="836712"/>
+            <a:ext cx="9144000" cy="360040"/>
+          </a:xfrm>
+          <a:prstGeom prst="rect">
+            <a:avLst/>
+          </a:prstGeom>
+          <a:gradFill flip="none" rotWithShape="1">
+            <a:gsLst>
+              <a:gs pos="0">
+                <a:srgbClr val="00B0F0">
+                  <a:shade val="30000"/>
+                  <a:satMod val="115000"/>
+                </a:srgbClr>
+              </a:gs>
+              <a:gs pos="50000">
+                <a:srgbClr val="00B0F0">
+                  <a:shade val="67500"/>
+                  <a:satMod val="115000"/>
+                </a:srgbClr>
+              </a:gs>
+              <a:gs pos="100000">
+                <a:srgbClr val="00B0F0">
+                  <a:shade val="100000"/>
+                  <a:satMod val="115000"/>
+                </a:srgbClr>
+              </a:gs>
+            </a:gsLst>
+            <a:path path="circle">
+              <a:fillToRect t="100000" r="100000"/>
+            </a:path>
+            <a:tileRect l="-100000" b="-100000"/>
+          </a:gradFill>
+        </p:spPr>
+        <p:txBody>
+          <a:bodyPr vert="horz" lIns="91440" tIns="45720" rIns="91440" bIns="45720" rtlCol="0" anchor="ctr">
+            <a:normAutofit/>
+          </a:bodyPr>
+          <a:lstStyle/>
+          <a:p>
+            <a:pPr lvl="0">
+              <a:spcBef>
+                <a:spcPct val="0"/>
+              </a:spcBef>
+            </a:pPr>
+            <a:r>
+              <a:rPr lang="en-US" sz="1600" dirty="0">
+                <a:hlinkClick r:id="rId3"/>
+              </a:rPr>
+              <a:t>https://www.tutorialspoint.com/python/python_networking.htm</a:t>
+            </a:r>
+            <a:endParaRPr kumimoji="0" lang="zh-TW" altLang="en-US" sz="1600" b="0" i="0" u="none" strike="noStrike" kern="1200" cap="none" spc="0" normalizeH="0" baseline="0" noProof="0" dirty="0">
+              <a:ln>
+                <a:noFill/>
+              </a:ln>
+              <a:solidFill>
+                <a:schemeClr val="tx1"/>
+              </a:solidFill>
+              <a:effectLst/>
+              <a:uLnTx/>
+              <a:uFillTx/>
+              <a:latin typeface="+mj-lt"/>
+              <a:ea typeface="+mj-ea"/>
+              <a:cs typeface="+mj-cs"/>
+            </a:endParaRPr>
+          </a:p>
+        </p:txBody>
+      </p:sp>
+      <p:pic>
+        <p:nvPicPr>
+          <p:cNvPr id="12" name="Picture 11">
+            <a:extLst>
+              <a:ext uri="{FF2B5EF4-FFF2-40B4-BE49-F238E27FC236}">
+                <a16:creationId xmlns:a16="http://schemas.microsoft.com/office/drawing/2014/main" id="{6D2F4E66-A310-4E4B-A242-26085CF39A3E}"/>
+              </a:ext>
+            </a:extLst>
+          </p:cNvPr>
+          <p:cNvPicPr>
+            <a:picLocks noChangeAspect="1"/>
+          </p:cNvPicPr>
+          <p:nvPr/>
+        </p:nvPicPr>
+        <p:blipFill>
+          <a:blip r:embed="rId4"/>
+          <a:stretch>
+            <a:fillRect/>
+          </a:stretch>
+        </p:blipFill>
+        <p:spPr>
+          <a:xfrm>
+            <a:off x="899592" y="1978496"/>
+            <a:ext cx="7086600" cy="4114800"/>
+          </a:xfrm>
+          <a:prstGeom prst="rect">
+            <a:avLst/>
+          </a:prstGeom>
+          <a:ln>
+            <a:solidFill>
+              <a:srgbClr val="C00000"/>
+            </a:solidFill>
+          </a:ln>
+        </p:spPr>
+      </p:pic>
+    </p:spTree>
+    <p:extLst>
+      <p:ext uri="{BB962C8B-B14F-4D97-AF65-F5344CB8AC3E}">
+        <p14:creationId xmlns:p14="http://schemas.microsoft.com/office/powerpoint/2010/main" val="2073765557"/>
+      </p:ext>
+    </p:extLst>
+  </p:cSld>
+  <p:clrMapOvr>
+    <a:masterClrMapping/>
+  </p:clrMapOvr>
+</p:sld>
+</file>
+
+<file path=ppt/slides/slide29.xml><?xml version="1.0" encoding="utf-8"?>
+<p:sld xmlns:a="http://schemas.openxmlformats.org/drawingml/2006/main" xmlns:r="http://schemas.openxmlformats.org/officeDocument/2006/relationships" xmlns:p="http://schemas.openxmlformats.org/presentationml/2006/main">
+  <p:cSld>
+    <p:spTree>
+      <p:nvGrpSpPr>
+        <p:cNvPr id="1" name=""/>
+        <p:cNvGrpSpPr/>
+        <p:nvPr/>
+      </p:nvGrpSpPr>
+      <p:grpSpPr>
+        <a:xfrm>
+          <a:off x="0" y="0"/>
+          <a:ext cx="0" cy="0"/>
+          <a:chOff x="0" y="0"/>
+          <a:chExt cx="0" cy="0"/>
+        </a:xfrm>
+      </p:grpSpPr>
+      <p:sp>
+        <p:nvSpPr>
+          <p:cNvPr id="2" name="標題 1"/>
+          <p:cNvSpPr>
+            <a:spLocks noGrp="1"/>
+          </p:cNvSpPr>
+          <p:nvPr>
+            <p:ph type="ctrTitle"/>
+          </p:nvPr>
+        </p:nvSpPr>
+        <p:spPr>
+          <a:xfrm>
+            <a:off x="0" y="2130425"/>
+            <a:ext cx="9144000" cy="1470025"/>
+          </a:xfrm>
+          <a:solidFill>
+            <a:srgbClr val="00B0F0"/>
+          </a:solidFill>
+        </p:spPr>
+        <p:txBody>
+          <a:bodyPr>
+            <a:normAutofit/>
+          </a:bodyPr>
+          <a:lstStyle/>
+          <a:p>
+            <a:r>
+              <a:rPr lang="en-US" altLang="zh-TW" sz="4800" b="1" dirty="0">
+                <a:solidFill>
+                  <a:srgbClr val="FFFF00"/>
+                </a:solidFill>
+              </a:rPr>
+              <a:t>05.09 Store All Messages</a:t>
+            </a:r>
+            <a:endParaRPr lang="zh-TW" altLang="en-US" sz="4800" b="1" dirty="0">
+              <a:solidFill>
+                <a:srgbClr val="FFFF00"/>
+              </a:solidFill>
+            </a:endParaRPr>
+          </a:p>
+        </p:txBody>
+      </p:sp>
+      <p:sp>
+        <p:nvSpPr>
+          <p:cNvPr id="5" name="日期版面配置區 4"/>
+          <p:cNvSpPr>
+            <a:spLocks noGrp="1"/>
+          </p:cNvSpPr>
+          <p:nvPr>
+            <p:ph type="dt" sz="half" idx="10"/>
+          </p:nvPr>
+        </p:nvSpPr>
+        <p:spPr/>
+        <p:txBody>
+          <a:bodyPr/>
+          <a:lstStyle/>
+          <a:p>
+            <a:fld id="{C389EDC9-19E3-47AC-9C57-C6A24DEA81AD}" type="datetime1">
+              <a:rPr lang="zh-TW" altLang="en-US" smtClean="0"/>
+              <a:pPr/>
+              <a:t>2020/1/6</a:t>
+            </a:fld>
+            <a:endParaRPr lang="zh-TW" altLang="en-US"/>
+          </a:p>
+        </p:txBody>
+      </p:sp>
+      <p:sp>
+        <p:nvSpPr>
+          <p:cNvPr id="6" name="投影片編號版面配置區 5"/>
+          <p:cNvSpPr>
+            <a:spLocks noGrp="1"/>
+          </p:cNvSpPr>
+          <p:nvPr>
+            <p:ph type="sldNum" sz="quarter" idx="12"/>
+          </p:nvPr>
+        </p:nvSpPr>
+        <p:spPr/>
+        <p:txBody>
+          <a:bodyPr/>
+          <a:lstStyle/>
+          <a:p>
+            <a:fld id="{E4D7E63D-91F2-4366-A2C4-1B00C9E2590E}" type="slidenum">
+              <a:rPr lang="zh-TW" altLang="en-US" smtClean="0"/>
+              <a:pPr/>
+              <a:t>29</a:t>
+            </a:fld>
+            <a:endParaRPr lang="zh-TW" altLang="en-US"/>
+          </a:p>
+        </p:txBody>
+      </p:sp>
+      <p:pic>
+        <p:nvPicPr>
+          <p:cNvPr id="7" name="Picture 6">
+            <a:extLst>
+              <a:ext uri="{FF2B5EF4-FFF2-40B4-BE49-F238E27FC236}">
+                <a16:creationId xmlns:a16="http://schemas.microsoft.com/office/drawing/2014/main" id="{A651FAE5-4AB5-403F-949D-9D1CE8358DCE}"/>
+              </a:ext>
+            </a:extLst>
+          </p:cNvPr>
+          <p:cNvPicPr>
+            <a:picLocks noChangeAspect="1"/>
+          </p:cNvPicPr>
+          <p:nvPr/>
+        </p:nvPicPr>
+        <p:blipFill>
+          <a:blip r:embed="rId2"/>
+          <a:stretch>
+            <a:fillRect/>
+          </a:stretch>
+        </p:blipFill>
+        <p:spPr>
+          <a:xfrm>
+            <a:off x="3851920" y="3717032"/>
+            <a:ext cx="914098" cy="954341"/>
+          </a:xfrm>
+          <a:prstGeom prst="rect">
+            <a:avLst/>
+          </a:prstGeom>
+        </p:spPr>
+      </p:pic>
+    </p:spTree>
+    <p:extLst>
+      <p:ext uri="{BB962C8B-B14F-4D97-AF65-F5344CB8AC3E}">
+        <p14:creationId xmlns:p14="http://schemas.microsoft.com/office/powerpoint/2010/main" val="3464539249"/>
+      </p:ext>
+    </p:extLst>
   </p:cSld>
   <p:clrMapOvr>
     <a:masterClrMapping/>
@@ -9372,7 +12401,7 @@
             <a:fld id="{C389EDC9-19E3-47AC-9C57-C6A24DEA81AD}" type="datetime1">
               <a:rPr lang="zh-TW" altLang="en-US" smtClean="0"/>
               <a:pPr/>
-              <a:t>2020/1/5</a:t>
+              <a:t>2020/1/6</a:t>
             </a:fld>
             <a:endParaRPr lang="zh-TW" altLang="en-US"/>
           </a:p>
@@ -9445,6 +12474,1690 @@
 </p:sld>
 </file>
 
+<file path=ppt/slides/slide30.xml><?xml version="1.0" encoding="utf-8"?>
+<p:sld xmlns:a="http://schemas.openxmlformats.org/drawingml/2006/main" xmlns:r="http://schemas.openxmlformats.org/officeDocument/2006/relationships" xmlns:p="http://schemas.openxmlformats.org/presentationml/2006/main">
+  <p:cSld>
+    <p:spTree>
+      <p:nvGrpSpPr>
+        <p:cNvPr id="1" name=""/>
+        <p:cNvGrpSpPr/>
+        <p:nvPr/>
+      </p:nvGrpSpPr>
+      <p:grpSpPr>
+        <a:xfrm>
+          <a:off x="0" y="0"/>
+          <a:ext cx="0" cy="0"/>
+          <a:chOff x="0" y="0"/>
+          <a:chExt cx="0" cy="0"/>
+        </a:xfrm>
+      </p:grpSpPr>
+      <p:sp>
+        <p:nvSpPr>
+          <p:cNvPr id="2" name="標題 1"/>
+          <p:cNvSpPr>
+            <a:spLocks noGrp="1"/>
+          </p:cNvSpPr>
+          <p:nvPr>
+            <p:ph type="ctrTitle"/>
+          </p:nvPr>
+        </p:nvSpPr>
+        <p:spPr>
+          <a:xfrm>
+            <a:off x="0" y="1"/>
+            <a:ext cx="9144000" cy="764704"/>
+          </a:xfrm>
+          <a:gradFill flip="none" rotWithShape="1">
+            <a:gsLst>
+              <a:gs pos="0">
+                <a:srgbClr val="C00000">
+                  <a:shade val="30000"/>
+                  <a:satMod val="115000"/>
+                </a:srgbClr>
+              </a:gs>
+              <a:gs pos="50000">
+                <a:srgbClr val="C00000">
+                  <a:shade val="67500"/>
+                  <a:satMod val="115000"/>
+                </a:srgbClr>
+              </a:gs>
+              <a:gs pos="100000">
+                <a:srgbClr val="C00000">
+                  <a:shade val="100000"/>
+                  <a:satMod val="115000"/>
+                </a:srgbClr>
+              </a:gs>
+            </a:gsLst>
+            <a:path path="circle">
+              <a:fillToRect t="100000" r="100000"/>
+            </a:path>
+            <a:tileRect l="-100000" b="-100000"/>
+          </a:gradFill>
+        </p:spPr>
+        <p:txBody>
+          <a:bodyPr>
+            <a:normAutofit/>
+          </a:bodyPr>
+          <a:lstStyle/>
+          <a:p>
+            <a:pPr algn="l"/>
+            <a:r>
+              <a:rPr lang="en-US" altLang="zh-TW" b="1" dirty="0">
+                <a:solidFill>
+                  <a:srgbClr val="FFFF00"/>
+                </a:solidFill>
+              </a:rPr>
+              <a:t>05.09 Store All Messages</a:t>
+            </a:r>
+            <a:endParaRPr lang="zh-TW" altLang="en-US" b="1" dirty="0">
+              <a:solidFill>
+                <a:srgbClr val="FFFF00"/>
+              </a:solidFill>
+            </a:endParaRPr>
+          </a:p>
+        </p:txBody>
+      </p:sp>
+      <p:sp>
+        <p:nvSpPr>
+          <p:cNvPr id="3" name="副標題 2"/>
+          <p:cNvSpPr>
+            <a:spLocks noGrp="1"/>
+          </p:cNvSpPr>
+          <p:nvPr>
+            <p:ph type="subTitle" idx="1"/>
+          </p:nvPr>
+        </p:nvSpPr>
+        <p:spPr>
+          <a:xfrm>
+            <a:off x="467544" y="1268759"/>
+            <a:ext cx="8352928" cy="1080121"/>
+          </a:xfrm>
+          <a:ln>
+            <a:solidFill>
+              <a:srgbClr val="C00000"/>
+            </a:solidFill>
+          </a:ln>
+        </p:spPr>
+        <p:txBody>
+          <a:bodyPr>
+            <a:noAutofit/>
+          </a:bodyPr>
+          <a:lstStyle/>
+          <a:p>
+            <a:pPr marL="342900" indent="-342900" algn="l">
+              <a:buClr>
+                <a:srgbClr val="0070C0"/>
+              </a:buClr>
+              <a:buSzPct val="80000"/>
+              <a:buFont typeface="Wingdings" pitchFamily="2" charset="2"/>
+              <a:buChar char="u"/>
+            </a:pPr>
+            <a:r>
+              <a:rPr lang="en-US" sz="1800" b="1" dirty="0">
+                <a:solidFill>
+                  <a:schemeClr val="tx1"/>
+                </a:solidFill>
+              </a:rPr>
+              <a:t>Server Code:</a:t>
+            </a:r>
+          </a:p>
+          <a:p>
+            <a:pPr marL="342900" indent="-342900" algn="l">
+              <a:buClr>
+                <a:srgbClr val="0070C0"/>
+              </a:buClr>
+              <a:buSzPct val="80000"/>
+              <a:buFont typeface="Wingdings" pitchFamily="2" charset="2"/>
+              <a:buChar char="u"/>
+            </a:pPr>
+            <a:r>
+              <a:rPr lang="en-US" sz="1800" b="1" dirty="0">
+                <a:solidFill>
+                  <a:schemeClr val="tx1"/>
+                </a:solidFill>
+              </a:rPr>
+              <a:t>Note: Need close() each time socket send a string. </a:t>
+            </a:r>
+          </a:p>
+          <a:p>
+            <a:pPr marL="342900" indent="-342900" algn="l">
+              <a:buClr>
+                <a:srgbClr val="0070C0"/>
+              </a:buClr>
+              <a:buSzPct val="80000"/>
+              <a:buFont typeface="Wingdings" pitchFamily="2" charset="2"/>
+              <a:buChar char="u"/>
+            </a:pPr>
+            <a:r>
+              <a:rPr lang="en-US" sz="1800" b="1" dirty="0">
+                <a:solidFill>
+                  <a:schemeClr val="tx1"/>
+                </a:solidFill>
+              </a:rPr>
+              <a:t>Missing close() will cause infinity loop.</a:t>
+            </a:r>
+          </a:p>
+        </p:txBody>
+      </p:sp>
+      <p:sp>
+        <p:nvSpPr>
+          <p:cNvPr id="4" name="標題 1"/>
+          <p:cNvSpPr txBox="1">
+            <a:spLocks/>
+          </p:cNvSpPr>
+          <p:nvPr/>
+        </p:nvSpPr>
+        <p:spPr>
+          <a:xfrm>
+            <a:off x="0" y="764704"/>
+            <a:ext cx="9144000" cy="360040"/>
+          </a:xfrm>
+          <a:prstGeom prst="rect">
+            <a:avLst/>
+          </a:prstGeom>
+          <a:gradFill flip="none" rotWithShape="1">
+            <a:gsLst>
+              <a:gs pos="0">
+                <a:srgbClr val="00B0F0">
+                  <a:shade val="30000"/>
+                  <a:satMod val="115000"/>
+                </a:srgbClr>
+              </a:gs>
+              <a:gs pos="50000">
+                <a:srgbClr val="00B0F0">
+                  <a:shade val="67500"/>
+                  <a:satMod val="115000"/>
+                </a:srgbClr>
+              </a:gs>
+              <a:gs pos="100000">
+                <a:srgbClr val="00B0F0">
+                  <a:shade val="100000"/>
+                  <a:satMod val="115000"/>
+                </a:srgbClr>
+              </a:gs>
+            </a:gsLst>
+            <a:path path="circle">
+              <a:fillToRect t="100000" r="100000"/>
+            </a:path>
+            <a:tileRect l="-100000" b="-100000"/>
+          </a:gradFill>
+        </p:spPr>
+        <p:txBody>
+          <a:bodyPr vert="horz" lIns="91440" tIns="45720" rIns="91440" bIns="45720" rtlCol="0" anchor="ctr">
+            <a:normAutofit/>
+          </a:bodyPr>
+          <a:lstStyle/>
+          <a:p>
+            <a:pPr lvl="0">
+              <a:spcBef>
+                <a:spcPct val="0"/>
+              </a:spcBef>
+            </a:pPr>
+            <a:r>
+              <a:rPr lang="en-US" sz="1600" dirty="0">
+                <a:hlinkClick r:id="rId2"/>
+              </a:rPr>
+              <a:t>https://github.com/PacktPublishing/Tkinter-GUI-Application-Development-Blueprints-Second-Edition</a:t>
+            </a:r>
+            <a:endParaRPr kumimoji="0" lang="zh-TW" altLang="en-US" sz="1600" b="0" i="0" u="none" strike="noStrike" kern="1200" cap="none" spc="0" normalizeH="0" baseline="0" noProof="0" dirty="0">
+              <a:ln>
+                <a:noFill/>
+              </a:ln>
+              <a:solidFill>
+                <a:schemeClr val="tx1"/>
+              </a:solidFill>
+              <a:effectLst/>
+              <a:uLnTx/>
+              <a:uFillTx/>
+              <a:latin typeface="+mj-lt"/>
+              <a:ea typeface="+mj-ea"/>
+              <a:cs typeface="+mj-cs"/>
+            </a:endParaRPr>
+          </a:p>
+        </p:txBody>
+      </p:sp>
+      <p:sp>
+        <p:nvSpPr>
+          <p:cNvPr id="5" name="日期版面配置區 4"/>
+          <p:cNvSpPr>
+            <a:spLocks noGrp="1"/>
+          </p:cNvSpPr>
+          <p:nvPr>
+            <p:ph type="dt" sz="half" idx="10"/>
+          </p:nvPr>
+        </p:nvSpPr>
+        <p:spPr/>
+        <p:txBody>
+          <a:bodyPr/>
+          <a:lstStyle/>
+          <a:p>
+            <a:fld id="{A4F910E6-8D00-4BAF-8C48-9688E0B449D3}" type="datetime1">
+              <a:rPr lang="zh-TW" altLang="en-US" smtClean="0"/>
+              <a:pPr/>
+              <a:t>2020/1/6</a:t>
+            </a:fld>
+            <a:endParaRPr lang="zh-TW" altLang="en-US"/>
+          </a:p>
+        </p:txBody>
+      </p:sp>
+      <p:sp>
+        <p:nvSpPr>
+          <p:cNvPr id="6" name="投影片編號版面配置區 5"/>
+          <p:cNvSpPr>
+            <a:spLocks noGrp="1"/>
+          </p:cNvSpPr>
+          <p:nvPr>
+            <p:ph type="sldNum" sz="quarter" idx="12"/>
+          </p:nvPr>
+        </p:nvSpPr>
+        <p:spPr/>
+        <p:txBody>
+          <a:bodyPr/>
+          <a:lstStyle/>
+          <a:p>
+            <a:fld id="{E4D7E63D-91F2-4366-A2C4-1B00C9E2590E}" type="slidenum">
+              <a:rPr lang="zh-TW" altLang="en-US" smtClean="0"/>
+              <a:pPr/>
+              <a:t>30</a:t>
+            </a:fld>
+            <a:endParaRPr lang="zh-TW" altLang="en-US"/>
+          </a:p>
+        </p:txBody>
+      </p:sp>
+      <p:sp>
+        <p:nvSpPr>
+          <p:cNvPr id="7" name="標題 1">
+            <a:extLst>
+              <a:ext uri="{FF2B5EF4-FFF2-40B4-BE49-F238E27FC236}">
+                <a16:creationId xmlns:a16="http://schemas.microsoft.com/office/drawing/2014/main" id="{6E2D4164-C1C5-46FE-A4A6-175D48CD34B6}"/>
+              </a:ext>
+            </a:extLst>
+          </p:cNvPr>
+          <p:cNvSpPr txBox="1">
+            <a:spLocks/>
+          </p:cNvSpPr>
+          <p:nvPr/>
+        </p:nvSpPr>
+        <p:spPr>
+          <a:xfrm>
+            <a:off x="16088" y="836712"/>
+            <a:ext cx="9144000" cy="360040"/>
+          </a:xfrm>
+          <a:prstGeom prst="rect">
+            <a:avLst/>
+          </a:prstGeom>
+          <a:gradFill flip="none" rotWithShape="1">
+            <a:gsLst>
+              <a:gs pos="0">
+                <a:srgbClr val="00B0F0">
+                  <a:shade val="30000"/>
+                  <a:satMod val="115000"/>
+                </a:srgbClr>
+              </a:gs>
+              <a:gs pos="50000">
+                <a:srgbClr val="00B0F0">
+                  <a:shade val="67500"/>
+                  <a:satMod val="115000"/>
+                </a:srgbClr>
+              </a:gs>
+              <a:gs pos="100000">
+                <a:srgbClr val="00B0F0">
+                  <a:shade val="100000"/>
+                  <a:satMod val="115000"/>
+                </a:srgbClr>
+              </a:gs>
+            </a:gsLst>
+            <a:path path="circle">
+              <a:fillToRect t="100000" r="100000"/>
+            </a:path>
+            <a:tileRect l="-100000" b="-100000"/>
+          </a:gradFill>
+        </p:spPr>
+        <p:txBody>
+          <a:bodyPr vert="horz" lIns="91440" tIns="45720" rIns="91440" bIns="45720" rtlCol="0" anchor="ctr">
+            <a:normAutofit/>
+          </a:bodyPr>
+          <a:lstStyle/>
+          <a:p>
+            <a:pPr lvl="0">
+              <a:spcBef>
+                <a:spcPct val="0"/>
+              </a:spcBef>
+            </a:pPr>
+            <a:r>
+              <a:rPr lang="en-US" sz="1600" dirty="0">
+                <a:hlinkClick r:id="rId3"/>
+              </a:rPr>
+              <a:t>https://www.tutorialspoint.com/python/python_networking.htm</a:t>
+            </a:r>
+            <a:endParaRPr kumimoji="0" lang="zh-TW" altLang="en-US" sz="1600" b="0" i="0" u="none" strike="noStrike" kern="1200" cap="none" spc="0" normalizeH="0" baseline="0" noProof="0" dirty="0">
+              <a:ln>
+                <a:noFill/>
+              </a:ln>
+              <a:solidFill>
+                <a:schemeClr val="tx1"/>
+              </a:solidFill>
+              <a:effectLst/>
+              <a:uLnTx/>
+              <a:uFillTx/>
+              <a:latin typeface="+mj-lt"/>
+              <a:ea typeface="+mj-ea"/>
+              <a:cs typeface="+mj-cs"/>
+            </a:endParaRPr>
+          </a:p>
+        </p:txBody>
+      </p:sp>
+      <p:pic>
+        <p:nvPicPr>
+          <p:cNvPr id="9" name="Picture 8">
+            <a:extLst>
+              <a:ext uri="{FF2B5EF4-FFF2-40B4-BE49-F238E27FC236}">
+                <a16:creationId xmlns:a16="http://schemas.microsoft.com/office/drawing/2014/main" id="{50523CE6-F940-448F-9BBC-8058D470E1A3}"/>
+              </a:ext>
+            </a:extLst>
+          </p:cNvPr>
+          <p:cNvPicPr>
+            <a:picLocks noChangeAspect="1"/>
+          </p:cNvPicPr>
+          <p:nvPr/>
+        </p:nvPicPr>
+        <p:blipFill>
+          <a:blip r:embed="rId4"/>
+          <a:stretch>
+            <a:fillRect/>
+          </a:stretch>
+        </p:blipFill>
+        <p:spPr>
+          <a:xfrm>
+            <a:off x="928687" y="2765822"/>
+            <a:ext cx="7286625" cy="2438400"/>
+          </a:xfrm>
+          <a:prstGeom prst="rect">
+            <a:avLst/>
+          </a:prstGeom>
+          <a:ln>
+            <a:solidFill>
+              <a:srgbClr val="C00000"/>
+            </a:solidFill>
+          </a:ln>
+        </p:spPr>
+      </p:pic>
+      <p:sp>
+        <p:nvSpPr>
+          <p:cNvPr id="12" name="Rectangle 11">
+            <a:extLst>
+              <a:ext uri="{FF2B5EF4-FFF2-40B4-BE49-F238E27FC236}">
+                <a16:creationId xmlns:a16="http://schemas.microsoft.com/office/drawing/2014/main" id="{95DB6301-2AC5-4710-9A54-676792668C69}"/>
+              </a:ext>
+            </a:extLst>
+          </p:cNvPr>
+          <p:cNvSpPr/>
+          <p:nvPr/>
+        </p:nvSpPr>
+        <p:spPr>
+          <a:xfrm>
+            <a:off x="1706958" y="4916516"/>
+            <a:ext cx="1814017" cy="287706"/>
+          </a:xfrm>
+          <a:prstGeom prst="rect">
+            <a:avLst/>
+          </a:prstGeom>
+          <a:noFill/>
+          <a:ln>
+            <a:solidFill>
+              <a:srgbClr val="C00000"/>
+            </a:solidFill>
+          </a:ln>
+        </p:spPr>
+        <p:style>
+          <a:lnRef idx="2">
+            <a:schemeClr val="accent1">
+              <a:shade val="50000"/>
+            </a:schemeClr>
+          </a:lnRef>
+          <a:fillRef idx="1">
+            <a:schemeClr val="accent1"/>
+          </a:fillRef>
+          <a:effectRef idx="0">
+            <a:schemeClr val="accent1"/>
+          </a:effectRef>
+          <a:fontRef idx="minor">
+            <a:schemeClr val="lt1"/>
+          </a:fontRef>
+        </p:style>
+        <p:txBody>
+          <a:bodyPr rtlCol="0" anchor="ctr"/>
+          <a:lstStyle/>
+          <a:p>
+            <a:pPr algn="ctr"/>
+            <a:endParaRPr lang="en-US"/>
+          </a:p>
+        </p:txBody>
+      </p:sp>
+    </p:spTree>
+    <p:extLst>
+      <p:ext uri="{BB962C8B-B14F-4D97-AF65-F5344CB8AC3E}">
+        <p14:creationId xmlns:p14="http://schemas.microsoft.com/office/powerpoint/2010/main" val="1151620295"/>
+      </p:ext>
+    </p:extLst>
+  </p:cSld>
+  <p:clrMapOvr>
+    <a:masterClrMapping/>
+  </p:clrMapOvr>
+</p:sld>
+</file>
+
+<file path=ppt/slides/slide31.xml><?xml version="1.0" encoding="utf-8"?>
+<p:sld xmlns:a="http://schemas.openxmlformats.org/drawingml/2006/main" xmlns:r="http://schemas.openxmlformats.org/officeDocument/2006/relationships" xmlns:p="http://schemas.openxmlformats.org/presentationml/2006/main">
+  <p:cSld>
+    <p:spTree>
+      <p:nvGrpSpPr>
+        <p:cNvPr id="1" name=""/>
+        <p:cNvGrpSpPr/>
+        <p:nvPr/>
+      </p:nvGrpSpPr>
+      <p:grpSpPr>
+        <a:xfrm>
+          <a:off x="0" y="0"/>
+          <a:ext cx="0" cy="0"/>
+          <a:chOff x="0" y="0"/>
+          <a:chExt cx="0" cy="0"/>
+        </a:xfrm>
+      </p:grpSpPr>
+      <p:pic>
+        <p:nvPicPr>
+          <p:cNvPr id="8" name="Picture 7">
+            <a:extLst>
+              <a:ext uri="{FF2B5EF4-FFF2-40B4-BE49-F238E27FC236}">
+                <a16:creationId xmlns:a16="http://schemas.microsoft.com/office/drawing/2014/main" id="{AF48A10A-17F3-405F-9532-F471258A7469}"/>
+              </a:ext>
+            </a:extLst>
+          </p:cNvPr>
+          <p:cNvPicPr>
+            <a:picLocks noChangeAspect="1"/>
+          </p:cNvPicPr>
+          <p:nvPr/>
+        </p:nvPicPr>
+        <p:blipFill>
+          <a:blip r:embed="rId2"/>
+          <a:stretch>
+            <a:fillRect/>
+          </a:stretch>
+        </p:blipFill>
+        <p:spPr>
+          <a:xfrm>
+            <a:off x="1524000" y="2708920"/>
+            <a:ext cx="5124450" cy="2990850"/>
+          </a:xfrm>
+          <a:prstGeom prst="rect">
+            <a:avLst/>
+          </a:prstGeom>
+          <a:ln>
+            <a:solidFill>
+              <a:srgbClr val="C00000"/>
+            </a:solidFill>
+          </a:ln>
+        </p:spPr>
+      </p:pic>
+      <p:sp>
+        <p:nvSpPr>
+          <p:cNvPr id="2" name="標題 1"/>
+          <p:cNvSpPr>
+            <a:spLocks noGrp="1"/>
+          </p:cNvSpPr>
+          <p:nvPr>
+            <p:ph type="ctrTitle"/>
+          </p:nvPr>
+        </p:nvSpPr>
+        <p:spPr>
+          <a:xfrm>
+            <a:off x="0" y="1"/>
+            <a:ext cx="9144000" cy="764704"/>
+          </a:xfrm>
+          <a:gradFill flip="none" rotWithShape="1">
+            <a:gsLst>
+              <a:gs pos="0">
+                <a:srgbClr val="C00000">
+                  <a:shade val="30000"/>
+                  <a:satMod val="115000"/>
+                </a:srgbClr>
+              </a:gs>
+              <a:gs pos="50000">
+                <a:srgbClr val="C00000">
+                  <a:shade val="67500"/>
+                  <a:satMod val="115000"/>
+                </a:srgbClr>
+              </a:gs>
+              <a:gs pos="100000">
+                <a:srgbClr val="C00000">
+                  <a:shade val="100000"/>
+                  <a:satMod val="115000"/>
+                </a:srgbClr>
+              </a:gs>
+            </a:gsLst>
+            <a:path path="circle">
+              <a:fillToRect t="100000" r="100000"/>
+            </a:path>
+            <a:tileRect l="-100000" b="-100000"/>
+          </a:gradFill>
+        </p:spPr>
+        <p:txBody>
+          <a:bodyPr>
+            <a:normAutofit/>
+          </a:bodyPr>
+          <a:lstStyle/>
+          <a:p>
+            <a:pPr algn="l"/>
+            <a:r>
+              <a:rPr lang="en-US" altLang="zh-TW" b="1" dirty="0">
+                <a:solidFill>
+                  <a:srgbClr val="FFFF00"/>
+                </a:solidFill>
+              </a:rPr>
+              <a:t>05.09 Store All Messages</a:t>
+            </a:r>
+            <a:endParaRPr lang="zh-TW" altLang="en-US" b="1" dirty="0">
+              <a:solidFill>
+                <a:srgbClr val="FFFF00"/>
+              </a:solidFill>
+            </a:endParaRPr>
+          </a:p>
+        </p:txBody>
+      </p:sp>
+      <p:sp>
+        <p:nvSpPr>
+          <p:cNvPr id="3" name="副標題 2"/>
+          <p:cNvSpPr>
+            <a:spLocks noGrp="1"/>
+          </p:cNvSpPr>
+          <p:nvPr>
+            <p:ph type="subTitle" idx="1"/>
+          </p:nvPr>
+        </p:nvSpPr>
+        <p:spPr>
+          <a:xfrm>
+            <a:off x="467544" y="1268759"/>
+            <a:ext cx="8352928" cy="783581"/>
+          </a:xfrm>
+          <a:ln>
+            <a:solidFill>
+              <a:srgbClr val="C00000"/>
+            </a:solidFill>
+          </a:ln>
+        </p:spPr>
+        <p:txBody>
+          <a:bodyPr>
+            <a:noAutofit/>
+          </a:bodyPr>
+          <a:lstStyle/>
+          <a:p>
+            <a:pPr marL="342900" indent="-342900" algn="l">
+              <a:buClr>
+                <a:srgbClr val="0070C0"/>
+              </a:buClr>
+              <a:buSzPct val="80000"/>
+              <a:buFont typeface="Wingdings" pitchFamily="2" charset="2"/>
+              <a:buChar char="u"/>
+            </a:pPr>
+            <a:r>
+              <a:rPr lang="en-US" sz="1800" b="1" dirty="0">
+                <a:solidFill>
+                  <a:schemeClr val="tx1"/>
+                </a:solidFill>
+              </a:rPr>
+              <a:t>Client Code:</a:t>
+            </a:r>
+          </a:p>
+          <a:p>
+            <a:pPr marL="342900" indent="-342900" algn="l">
+              <a:buClr>
+                <a:srgbClr val="0070C0"/>
+              </a:buClr>
+              <a:buSzPct val="80000"/>
+              <a:buFont typeface="Wingdings" pitchFamily="2" charset="2"/>
+              <a:buChar char="u"/>
+            </a:pPr>
+            <a:r>
+              <a:rPr lang="en-US" sz="1800" b="1" dirty="0">
+                <a:solidFill>
+                  <a:schemeClr val="tx1"/>
+                </a:solidFill>
+              </a:rPr>
+              <a:t>Concatenate the message.</a:t>
+            </a:r>
+          </a:p>
+        </p:txBody>
+      </p:sp>
+      <p:sp>
+        <p:nvSpPr>
+          <p:cNvPr id="4" name="標題 1"/>
+          <p:cNvSpPr txBox="1">
+            <a:spLocks/>
+          </p:cNvSpPr>
+          <p:nvPr/>
+        </p:nvSpPr>
+        <p:spPr>
+          <a:xfrm>
+            <a:off x="0" y="764704"/>
+            <a:ext cx="9144000" cy="360040"/>
+          </a:xfrm>
+          <a:prstGeom prst="rect">
+            <a:avLst/>
+          </a:prstGeom>
+          <a:gradFill flip="none" rotWithShape="1">
+            <a:gsLst>
+              <a:gs pos="0">
+                <a:srgbClr val="00B0F0">
+                  <a:shade val="30000"/>
+                  <a:satMod val="115000"/>
+                </a:srgbClr>
+              </a:gs>
+              <a:gs pos="50000">
+                <a:srgbClr val="00B0F0">
+                  <a:shade val="67500"/>
+                  <a:satMod val="115000"/>
+                </a:srgbClr>
+              </a:gs>
+              <a:gs pos="100000">
+                <a:srgbClr val="00B0F0">
+                  <a:shade val="100000"/>
+                  <a:satMod val="115000"/>
+                </a:srgbClr>
+              </a:gs>
+            </a:gsLst>
+            <a:path path="circle">
+              <a:fillToRect t="100000" r="100000"/>
+            </a:path>
+            <a:tileRect l="-100000" b="-100000"/>
+          </a:gradFill>
+        </p:spPr>
+        <p:txBody>
+          <a:bodyPr vert="horz" lIns="91440" tIns="45720" rIns="91440" bIns="45720" rtlCol="0" anchor="ctr">
+            <a:normAutofit/>
+          </a:bodyPr>
+          <a:lstStyle/>
+          <a:p>
+            <a:pPr lvl="0">
+              <a:spcBef>
+                <a:spcPct val="0"/>
+              </a:spcBef>
+            </a:pPr>
+            <a:r>
+              <a:rPr lang="en-US" sz="1600" dirty="0">
+                <a:hlinkClick r:id="rId3"/>
+              </a:rPr>
+              <a:t>https://github.com/PacktPublishing/Tkinter-GUI-Application-Development-Blueprints-Second-Edition</a:t>
+            </a:r>
+            <a:endParaRPr kumimoji="0" lang="zh-TW" altLang="en-US" sz="1600" b="0" i="0" u="none" strike="noStrike" kern="1200" cap="none" spc="0" normalizeH="0" baseline="0" noProof="0" dirty="0">
+              <a:ln>
+                <a:noFill/>
+              </a:ln>
+              <a:solidFill>
+                <a:schemeClr val="tx1"/>
+              </a:solidFill>
+              <a:effectLst/>
+              <a:uLnTx/>
+              <a:uFillTx/>
+              <a:latin typeface="+mj-lt"/>
+              <a:ea typeface="+mj-ea"/>
+              <a:cs typeface="+mj-cs"/>
+            </a:endParaRPr>
+          </a:p>
+        </p:txBody>
+      </p:sp>
+      <p:sp>
+        <p:nvSpPr>
+          <p:cNvPr id="5" name="日期版面配置區 4"/>
+          <p:cNvSpPr>
+            <a:spLocks noGrp="1"/>
+          </p:cNvSpPr>
+          <p:nvPr>
+            <p:ph type="dt" sz="half" idx="10"/>
+          </p:nvPr>
+        </p:nvSpPr>
+        <p:spPr/>
+        <p:txBody>
+          <a:bodyPr/>
+          <a:lstStyle/>
+          <a:p>
+            <a:fld id="{A4F910E6-8D00-4BAF-8C48-9688E0B449D3}" type="datetime1">
+              <a:rPr lang="zh-TW" altLang="en-US" smtClean="0"/>
+              <a:pPr/>
+              <a:t>2020/1/6</a:t>
+            </a:fld>
+            <a:endParaRPr lang="zh-TW" altLang="en-US"/>
+          </a:p>
+        </p:txBody>
+      </p:sp>
+      <p:sp>
+        <p:nvSpPr>
+          <p:cNvPr id="6" name="投影片編號版面配置區 5"/>
+          <p:cNvSpPr>
+            <a:spLocks noGrp="1"/>
+          </p:cNvSpPr>
+          <p:nvPr>
+            <p:ph type="sldNum" sz="quarter" idx="12"/>
+          </p:nvPr>
+        </p:nvSpPr>
+        <p:spPr/>
+        <p:txBody>
+          <a:bodyPr/>
+          <a:lstStyle/>
+          <a:p>
+            <a:fld id="{E4D7E63D-91F2-4366-A2C4-1B00C9E2590E}" type="slidenum">
+              <a:rPr lang="zh-TW" altLang="en-US" smtClean="0"/>
+              <a:pPr/>
+              <a:t>31</a:t>
+            </a:fld>
+            <a:endParaRPr lang="zh-TW" altLang="en-US"/>
+          </a:p>
+        </p:txBody>
+      </p:sp>
+      <p:sp>
+        <p:nvSpPr>
+          <p:cNvPr id="7" name="標題 1">
+            <a:extLst>
+              <a:ext uri="{FF2B5EF4-FFF2-40B4-BE49-F238E27FC236}">
+                <a16:creationId xmlns:a16="http://schemas.microsoft.com/office/drawing/2014/main" id="{6E2D4164-C1C5-46FE-A4A6-175D48CD34B6}"/>
+              </a:ext>
+            </a:extLst>
+          </p:cNvPr>
+          <p:cNvSpPr txBox="1">
+            <a:spLocks/>
+          </p:cNvSpPr>
+          <p:nvPr/>
+        </p:nvSpPr>
+        <p:spPr>
+          <a:xfrm>
+            <a:off x="16088" y="836712"/>
+            <a:ext cx="9144000" cy="360040"/>
+          </a:xfrm>
+          <a:prstGeom prst="rect">
+            <a:avLst/>
+          </a:prstGeom>
+          <a:gradFill flip="none" rotWithShape="1">
+            <a:gsLst>
+              <a:gs pos="0">
+                <a:srgbClr val="00B0F0">
+                  <a:shade val="30000"/>
+                  <a:satMod val="115000"/>
+                </a:srgbClr>
+              </a:gs>
+              <a:gs pos="50000">
+                <a:srgbClr val="00B0F0">
+                  <a:shade val="67500"/>
+                  <a:satMod val="115000"/>
+                </a:srgbClr>
+              </a:gs>
+              <a:gs pos="100000">
+                <a:srgbClr val="00B0F0">
+                  <a:shade val="100000"/>
+                  <a:satMod val="115000"/>
+                </a:srgbClr>
+              </a:gs>
+            </a:gsLst>
+            <a:path path="circle">
+              <a:fillToRect t="100000" r="100000"/>
+            </a:path>
+            <a:tileRect l="-100000" b="-100000"/>
+          </a:gradFill>
+        </p:spPr>
+        <p:txBody>
+          <a:bodyPr vert="horz" lIns="91440" tIns="45720" rIns="91440" bIns="45720" rtlCol="0" anchor="ctr">
+            <a:normAutofit/>
+          </a:bodyPr>
+          <a:lstStyle/>
+          <a:p>
+            <a:pPr lvl="0">
+              <a:spcBef>
+                <a:spcPct val="0"/>
+              </a:spcBef>
+            </a:pPr>
+            <a:r>
+              <a:rPr lang="en-US" sz="1600" dirty="0">
+                <a:hlinkClick r:id="rId4"/>
+              </a:rPr>
+              <a:t>https://www.tutorialspoint.com/python/python_networking.htm</a:t>
+            </a:r>
+            <a:endParaRPr kumimoji="0" lang="zh-TW" altLang="en-US" sz="1600" b="0" i="0" u="none" strike="noStrike" kern="1200" cap="none" spc="0" normalizeH="0" baseline="0" noProof="0" dirty="0">
+              <a:ln>
+                <a:noFill/>
+              </a:ln>
+              <a:solidFill>
+                <a:schemeClr val="tx1"/>
+              </a:solidFill>
+              <a:effectLst/>
+              <a:uLnTx/>
+              <a:uFillTx/>
+              <a:latin typeface="+mj-lt"/>
+              <a:ea typeface="+mj-ea"/>
+              <a:cs typeface="+mj-cs"/>
+            </a:endParaRPr>
+          </a:p>
+        </p:txBody>
+      </p:sp>
+      <p:sp>
+        <p:nvSpPr>
+          <p:cNvPr id="12" name="Rectangle 11">
+            <a:extLst>
+              <a:ext uri="{FF2B5EF4-FFF2-40B4-BE49-F238E27FC236}">
+                <a16:creationId xmlns:a16="http://schemas.microsoft.com/office/drawing/2014/main" id="{95DB6301-2AC5-4710-9A54-676792668C69}"/>
+              </a:ext>
+            </a:extLst>
+          </p:cNvPr>
+          <p:cNvSpPr/>
+          <p:nvPr/>
+        </p:nvSpPr>
+        <p:spPr>
+          <a:xfrm>
+            <a:off x="2051720" y="4005064"/>
+            <a:ext cx="4320480" cy="1368152"/>
+          </a:xfrm>
+          <a:prstGeom prst="rect">
+            <a:avLst/>
+          </a:prstGeom>
+          <a:noFill/>
+          <a:ln>
+            <a:solidFill>
+              <a:srgbClr val="C00000"/>
+            </a:solidFill>
+          </a:ln>
+        </p:spPr>
+        <p:style>
+          <a:lnRef idx="2">
+            <a:schemeClr val="accent1">
+              <a:shade val="50000"/>
+            </a:schemeClr>
+          </a:lnRef>
+          <a:fillRef idx="1">
+            <a:schemeClr val="accent1"/>
+          </a:fillRef>
+          <a:effectRef idx="0">
+            <a:schemeClr val="accent1"/>
+          </a:effectRef>
+          <a:fontRef idx="minor">
+            <a:schemeClr val="lt1"/>
+          </a:fontRef>
+        </p:style>
+        <p:txBody>
+          <a:bodyPr rtlCol="0" anchor="ctr"/>
+          <a:lstStyle/>
+          <a:p>
+            <a:pPr algn="ctr"/>
+            <a:endParaRPr lang="en-US"/>
+          </a:p>
+        </p:txBody>
+      </p:sp>
+    </p:spTree>
+    <p:extLst>
+      <p:ext uri="{BB962C8B-B14F-4D97-AF65-F5344CB8AC3E}">
+        <p14:creationId xmlns:p14="http://schemas.microsoft.com/office/powerpoint/2010/main" val="3454336301"/>
+      </p:ext>
+    </p:extLst>
+  </p:cSld>
+  <p:clrMapOvr>
+    <a:masterClrMapping/>
+  </p:clrMapOvr>
+</p:sld>
+</file>
+
+<file path=ppt/slides/slide32.xml><?xml version="1.0" encoding="utf-8"?>
+<p:sld xmlns:a="http://schemas.openxmlformats.org/drawingml/2006/main" xmlns:r="http://schemas.openxmlformats.org/officeDocument/2006/relationships" xmlns:p="http://schemas.openxmlformats.org/presentationml/2006/main">
+  <p:cSld>
+    <p:spTree>
+      <p:nvGrpSpPr>
+        <p:cNvPr id="1" name=""/>
+        <p:cNvGrpSpPr/>
+        <p:nvPr/>
+      </p:nvGrpSpPr>
+      <p:grpSpPr>
+        <a:xfrm>
+          <a:off x="0" y="0"/>
+          <a:ext cx="0" cy="0"/>
+          <a:chOff x="0" y="0"/>
+          <a:chExt cx="0" cy="0"/>
+        </a:xfrm>
+      </p:grpSpPr>
+      <p:sp>
+        <p:nvSpPr>
+          <p:cNvPr id="2" name="標題 1"/>
+          <p:cNvSpPr>
+            <a:spLocks noGrp="1"/>
+          </p:cNvSpPr>
+          <p:nvPr>
+            <p:ph type="ctrTitle"/>
+          </p:nvPr>
+        </p:nvSpPr>
+        <p:spPr>
+          <a:xfrm>
+            <a:off x="0" y="1"/>
+            <a:ext cx="9144000" cy="764704"/>
+          </a:xfrm>
+          <a:gradFill flip="none" rotWithShape="1">
+            <a:gsLst>
+              <a:gs pos="0">
+                <a:srgbClr val="C00000">
+                  <a:shade val="30000"/>
+                  <a:satMod val="115000"/>
+                </a:srgbClr>
+              </a:gs>
+              <a:gs pos="50000">
+                <a:srgbClr val="C00000">
+                  <a:shade val="67500"/>
+                  <a:satMod val="115000"/>
+                </a:srgbClr>
+              </a:gs>
+              <a:gs pos="100000">
+                <a:srgbClr val="C00000">
+                  <a:shade val="100000"/>
+                  <a:satMod val="115000"/>
+                </a:srgbClr>
+              </a:gs>
+            </a:gsLst>
+            <a:path path="circle">
+              <a:fillToRect t="100000" r="100000"/>
+            </a:path>
+            <a:tileRect l="-100000" b="-100000"/>
+          </a:gradFill>
+        </p:spPr>
+        <p:txBody>
+          <a:bodyPr>
+            <a:normAutofit/>
+          </a:bodyPr>
+          <a:lstStyle/>
+          <a:p>
+            <a:pPr algn="l"/>
+            <a:r>
+              <a:rPr lang="en-US" altLang="zh-TW" b="1" dirty="0">
+                <a:solidFill>
+                  <a:srgbClr val="FFFF00"/>
+                </a:solidFill>
+              </a:rPr>
+              <a:t>05.09 Store All Messages</a:t>
+            </a:r>
+            <a:endParaRPr lang="zh-TW" altLang="en-US" b="1" dirty="0">
+              <a:solidFill>
+                <a:srgbClr val="FFFF00"/>
+              </a:solidFill>
+            </a:endParaRPr>
+          </a:p>
+        </p:txBody>
+      </p:sp>
+      <p:sp>
+        <p:nvSpPr>
+          <p:cNvPr id="3" name="副標題 2"/>
+          <p:cNvSpPr>
+            <a:spLocks noGrp="1"/>
+          </p:cNvSpPr>
+          <p:nvPr>
+            <p:ph type="subTitle" idx="1"/>
+          </p:nvPr>
+        </p:nvSpPr>
+        <p:spPr>
+          <a:xfrm>
+            <a:off x="467544" y="1268759"/>
+            <a:ext cx="8352928" cy="360041"/>
+          </a:xfrm>
+          <a:ln>
+            <a:solidFill>
+              <a:srgbClr val="C00000"/>
+            </a:solidFill>
+          </a:ln>
+        </p:spPr>
+        <p:txBody>
+          <a:bodyPr>
+            <a:noAutofit/>
+          </a:bodyPr>
+          <a:lstStyle/>
+          <a:p>
+            <a:pPr marL="342900" indent="-342900" algn="l">
+              <a:buClr>
+                <a:srgbClr val="0070C0"/>
+              </a:buClr>
+              <a:buSzPct val="80000"/>
+              <a:buFont typeface="Wingdings" pitchFamily="2" charset="2"/>
+              <a:buChar char="u"/>
+            </a:pPr>
+            <a:r>
+              <a:rPr lang="en-US" sz="1800" b="1" dirty="0">
+                <a:solidFill>
+                  <a:schemeClr val="tx1"/>
+                </a:solidFill>
+              </a:rPr>
+              <a:t>Run Server:</a:t>
+            </a:r>
+          </a:p>
+        </p:txBody>
+      </p:sp>
+      <p:sp>
+        <p:nvSpPr>
+          <p:cNvPr id="4" name="標題 1"/>
+          <p:cNvSpPr txBox="1">
+            <a:spLocks/>
+          </p:cNvSpPr>
+          <p:nvPr/>
+        </p:nvSpPr>
+        <p:spPr>
+          <a:xfrm>
+            <a:off x="0" y="764704"/>
+            <a:ext cx="9144000" cy="360040"/>
+          </a:xfrm>
+          <a:prstGeom prst="rect">
+            <a:avLst/>
+          </a:prstGeom>
+          <a:gradFill flip="none" rotWithShape="1">
+            <a:gsLst>
+              <a:gs pos="0">
+                <a:srgbClr val="00B0F0">
+                  <a:shade val="30000"/>
+                  <a:satMod val="115000"/>
+                </a:srgbClr>
+              </a:gs>
+              <a:gs pos="50000">
+                <a:srgbClr val="00B0F0">
+                  <a:shade val="67500"/>
+                  <a:satMod val="115000"/>
+                </a:srgbClr>
+              </a:gs>
+              <a:gs pos="100000">
+                <a:srgbClr val="00B0F0">
+                  <a:shade val="100000"/>
+                  <a:satMod val="115000"/>
+                </a:srgbClr>
+              </a:gs>
+            </a:gsLst>
+            <a:path path="circle">
+              <a:fillToRect t="100000" r="100000"/>
+            </a:path>
+            <a:tileRect l="-100000" b="-100000"/>
+          </a:gradFill>
+        </p:spPr>
+        <p:txBody>
+          <a:bodyPr vert="horz" lIns="91440" tIns="45720" rIns="91440" bIns="45720" rtlCol="0" anchor="ctr">
+            <a:normAutofit/>
+          </a:bodyPr>
+          <a:lstStyle/>
+          <a:p>
+            <a:pPr lvl="0">
+              <a:spcBef>
+                <a:spcPct val="0"/>
+              </a:spcBef>
+            </a:pPr>
+            <a:r>
+              <a:rPr lang="en-US" sz="1600" dirty="0">
+                <a:hlinkClick r:id="rId2"/>
+              </a:rPr>
+              <a:t>https://github.com/PacktPublishing/Tkinter-GUI-Application-Development-Blueprints-Second-Edition</a:t>
+            </a:r>
+            <a:endParaRPr kumimoji="0" lang="zh-TW" altLang="en-US" sz="1600" b="0" i="0" u="none" strike="noStrike" kern="1200" cap="none" spc="0" normalizeH="0" baseline="0" noProof="0" dirty="0">
+              <a:ln>
+                <a:noFill/>
+              </a:ln>
+              <a:solidFill>
+                <a:schemeClr val="tx1"/>
+              </a:solidFill>
+              <a:effectLst/>
+              <a:uLnTx/>
+              <a:uFillTx/>
+              <a:latin typeface="+mj-lt"/>
+              <a:ea typeface="+mj-ea"/>
+              <a:cs typeface="+mj-cs"/>
+            </a:endParaRPr>
+          </a:p>
+        </p:txBody>
+      </p:sp>
+      <p:sp>
+        <p:nvSpPr>
+          <p:cNvPr id="5" name="日期版面配置區 4"/>
+          <p:cNvSpPr>
+            <a:spLocks noGrp="1"/>
+          </p:cNvSpPr>
+          <p:nvPr>
+            <p:ph type="dt" sz="half" idx="10"/>
+          </p:nvPr>
+        </p:nvSpPr>
+        <p:spPr/>
+        <p:txBody>
+          <a:bodyPr/>
+          <a:lstStyle/>
+          <a:p>
+            <a:fld id="{A4F910E6-8D00-4BAF-8C48-9688E0B449D3}" type="datetime1">
+              <a:rPr lang="zh-TW" altLang="en-US" smtClean="0"/>
+              <a:pPr/>
+              <a:t>2020/1/6</a:t>
+            </a:fld>
+            <a:endParaRPr lang="zh-TW" altLang="en-US"/>
+          </a:p>
+        </p:txBody>
+      </p:sp>
+      <p:sp>
+        <p:nvSpPr>
+          <p:cNvPr id="6" name="投影片編號版面配置區 5"/>
+          <p:cNvSpPr>
+            <a:spLocks noGrp="1"/>
+          </p:cNvSpPr>
+          <p:nvPr>
+            <p:ph type="sldNum" sz="quarter" idx="12"/>
+          </p:nvPr>
+        </p:nvSpPr>
+        <p:spPr/>
+        <p:txBody>
+          <a:bodyPr/>
+          <a:lstStyle/>
+          <a:p>
+            <a:fld id="{E4D7E63D-91F2-4366-A2C4-1B00C9E2590E}" type="slidenum">
+              <a:rPr lang="zh-TW" altLang="en-US" smtClean="0"/>
+              <a:pPr/>
+              <a:t>32</a:t>
+            </a:fld>
+            <a:endParaRPr lang="zh-TW" altLang="en-US"/>
+          </a:p>
+        </p:txBody>
+      </p:sp>
+      <p:sp>
+        <p:nvSpPr>
+          <p:cNvPr id="7" name="標題 1">
+            <a:extLst>
+              <a:ext uri="{FF2B5EF4-FFF2-40B4-BE49-F238E27FC236}">
+                <a16:creationId xmlns:a16="http://schemas.microsoft.com/office/drawing/2014/main" id="{6E2D4164-C1C5-46FE-A4A6-175D48CD34B6}"/>
+              </a:ext>
+            </a:extLst>
+          </p:cNvPr>
+          <p:cNvSpPr txBox="1">
+            <a:spLocks/>
+          </p:cNvSpPr>
+          <p:nvPr/>
+        </p:nvSpPr>
+        <p:spPr>
+          <a:xfrm>
+            <a:off x="16088" y="836712"/>
+            <a:ext cx="9144000" cy="360040"/>
+          </a:xfrm>
+          <a:prstGeom prst="rect">
+            <a:avLst/>
+          </a:prstGeom>
+          <a:gradFill flip="none" rotWithShape="1">
+            <a:gsLst>
+              <a:gs pos="0">
+                <a:srgbClr val="00B0F0">
+                  <a:shade val="30000"/>
+                  <a:satMod val="115000"/>
+                </a:srgbClr>
+              </a:gs>
+              <a:gs pos="50000">
+                <a:srgbClr val="00B0F0">
+                  <a:shade val="67500"/>
+                  <a:satMod val="115000"/>
+                </a:srgbClr>
+              </a:gs>
+              <a:gs pos="100000">
+                <a:srgbClr val="00B0F0">
+                  <a:shade val="100000"/>
+                  <a:satMod val="115000"/>
+                </a:srgbClr>
+              </a:gs>
+            </a:gsLst>
+            <a:path path="circle">
+              <a:fillToRect t="100000" r="100000"/>
+            </a:path>
+            <a:tileRect l="-100000" b="-100000"/>
+          </a:gradFill>
+        </p:spPr>
+        <p:txBody>
+          <a:bodyPr vert="horz" lIns="91440" tIns="45720" rIns="91440" bIns="45720" rtlCol="0" anchor="ctr">
+            <a:normAutofit/>
+          </a:bodyPr>
+          <a:lstStyle/>
+          <a:p>
+            <a:pPr lvl="0">
+              <a:spcBef>
+                <a:spcPct val="0"/>
+              </a:spcBef>
+            </a:pPr>
+            <a:r>
+              <a:rPr lang="en-US" sz="1600" dirty="0">
+                <a:hlinkClick r:id="rId3"/>
+              </a:rPr>
+              <a:t>https://www.tutorialspoint.com/python/python_networking.htm</a:t>
+            </a:r>
+            <a:endParaRPr kumimoji="0" lang="zh-TW" altLang="en-US" sz="1600" b="0" i="0" u="none" strike="noStrike" kern="1200" cap="none" spc="0" normalizeH="0" baseline="0" noProof="0" dirty="0">
+              <a:ln>
+                <a:noFill/>
+              </a:ln>
+              <a:solidFill>
+                <a:schemeClr val="tx1"/>
+              </a:solidFill>
+              <a:effectLst/>
+              <a:uLnTx/>
+              <a:uFillTx/>
+              <a:latin typeface="+mj-lt"/>
+              <a:ea typeface="+mj-ea"/>
+              <a:cs typeface="+mj-cs"/>
+            </a:endParaRPr>
+          </a:p>
+        </p:txBody>
+      </p:sp>
+      <p:pic>
+        <p:nvPicPr>
+          <p:cNvPr id="9" name="Picture 8">
+            <a:extLst>
+              <a:ext uri="{FF2B5EF4-FFF2-40B4-BE49-F238E27FC236}">
+                <a16:creationId xmlns:a16="http://schemas.microsoft.com/office/drawing/2014/main" id="{79DECF45-E864-4BB6-B393-FC0CD2540796}"/>
+              </a:ext>
+            </a:extLst>
+          </p:cNvPr>
+          <p:cNvPicPr>
+            <a:picLocks noChangeAspect="1"/>
+          </p:cNvPicPr>
+          <p:nvPr/>
+        </p:nvPicPr>
+        <p:blipFill>
+          <a:blip r:embed="rId4"/>
+          <a:stretch>
+            <a:fillRect/>
+          </a:stretch>
+        </p:blipFill>
+        <p:spPr>
+          <a:xfrm>
+            <a:off x="899592" y="1710816"/>
+            <a:ext cx="6705600" cy="819150"/>
+          </a:xfrm>
+          <a:prstGeom prst="rect">
+            <a:avLst/>
+          </a:prstGeom>
+        </p:spPr>
+      </p:pic>
+      <p:pic>
+        <p:nvPicPr>
+          <p:cNvPr id="10" name="Picture 9">
+            <a:extLst>
+              <a:ext uri="{FF2B5EF4-FFF2-40B4-BE49-F238E27FC236}">
+                <a16:creationId xmlns:a16="http://schemas.microsoft.com/office/drawing/2014/main" id="{F0DE3283-0C72-4223-9FD1-8D4ECDF4C84F}"/>
+              </a:ext>
+            </a:extLst>
+          </p:cNvPr>
+          <p:cNvPicPr>
+            <a:picLocks noChangeAspect="1"/>
+          </p:cNvPicPr>
+          <p:nvPr/>
+        </p:nvPicPr>
+        <p:blipFill>
+          <a:blip r:embed="rId5"/>
+          <a:stretch>
+            <a:fillRect/>
+          </a:stretch>
+        </p:blipFill>
+        <p:spPr>
+          <a:xfrm>
+            <a:off x="899592" y="3127363"/>
+            <a:ext cx="6610350" cy="1085850"/>
+          </a:xfrm>
+          <a:prstGeom prst="rect">
+            <a:avLst/>
+          </a:prstGeom>
+          <a:ln>
+            <a:solidFill>
+              <a:srgbClr val="C00000"/>
+            </a:solidFill>
+          </a:ln>
+        </p:spPr>
+      </p:pic>
+      <p:sp>
+        <p:nvSpPr>
+          <p:cNvPr id="13" name="副標題 2">
+            <a:extLst>
+              <a:ext uri="{FF2B5EF4-FFF2-40B4-BE49-F238E27FC236}">
+                <a16:creationId xmlns:a16="http://schemas.microsoft.com/office/drawing/2014/main" id="{09A9F250-DB80-4AE0-9C1C-45D7CFF1F2C8}"/>
+              </a:ext>
+            </a:extLst>
+          </p:cNvPr>
+          <p:cNvSpPr txBox="1">
+            <a:spLocks/>
+          </p:cNvSpPr>
+          <p:nvPr/>
+        </p:nvSpPr>
+        <p:spPr>
+          <a:xfrm>
+            <a:off x="411624" y="2629815"/>
+            <a:ext cx="8352928" cy="360041"/>
+          </a:xfrm>
+          <a:prstGeom prst="rect">
+            <a:avLst/>
+          </a:prstGeom>
+          <a:ln>
+            <a:solidFill>
+              <a:srgbClr val="C00000"/>
+            </a:solidFill>
+          </a:ln>
+        </p:spPr>
+        <p:txBody>
+          <a:bodyPr vert="horz" lIns="91440" tIns="45720" rIns="91440" bIns="45720" rtlCol="0">
+            <a:noAutofit/>
+          </a:bodyPr>
+          <a:lstStyle>
+            <a:lvl1pPr marL="0" indent="0" algn="ctr" defTabSz="914400" rtl="0" eaLnBrk="1" latinLnBrk="0" hangingPunct="1">
+              <a:spcBef>
+                <a:spcPct val="20000"/>
+              </a:spcBef>
+              <a:buFont typeface="Arial" pitchFamily="34" charset="0"/>
+              <a:buNone/>
+              <a:defRPr sz="3200" kern="1200">
+                <a:solidFill>
+                  <a:schemeClr val="tx1">
+                    <a:tint val="75000"/>
+                  </a:schemeClr>
+                </a:solidFill>
+                <a:latin typeface="+mn-lt"/>
+                <a:ea typeface="+mn-ea"/>
+                <a:cs typeface="+mn-cs"/>
+              </a:defRPr>
+            </a:lvl1pPr>
+            <a:lvl2pPr marL="457200" indent="0" algn="ctr" defTabSz="914400" rtl="0" eaLnBrk="1" latinLnBrk="0" hangingPunct="1">
+              <a:spcBef>
+                <a:spcPct val="20000"/>
+              </a:spcBef>
+              <a:buFont typeface="Arial" pitchFamily="34" charset="0"/>
+              <a:buNone/>
+              <a:defRPr sz="2800" kern="1200">
+                <a:solidFill>
+                  <a:schemeClr val="tx1">
+                    <a:tint val="75000"/>
+                  </a:schemeClr>
+                </a:solidFill>
+                <a:latin typeface="+mn-lt"/>
+                <a:ea typeface="+mn-ea"/>
+                <a:cs typeface="+mn-cs"/>
+              </a:defRPr>
+            </a:lvl2pPr>
+            <a:lvl3pPr marL="914400" indent="0" algn="ctr" defTabSz="914400" rtl="0" eaLnBrk="1" latinLnBrk="0" hangingPunct="1">
+              <a:spcBef>
+                <a:spcPct val="20000"/>
+              </a:spcBef>
+              <a:buFont typeface="Arial" pitchFamily="34" charset="0"/>
+              <a:buNone/>
+              <a:defRPr sz="2400" kern="1200">
+                <a:solidFill>
+                  <a:schemeClr val="tx1">
+                    <a:tint val="75000"/>
+                  </a:schemeClr>
+                </a:solidFill>
+                <a:latin typeface="+mn-lt"/>
+                <a:ea typeface="+mn-ea"/>
+                <a:cs typeface="+mn-cs"/>
+              </a:defRPr>
+            </a:lvl3pPr>
+            <a:lvl4pPr marL="1371600" indent="0" algn="ctr" defTabSz="914400" rtl="0" eaLnBrk="1" latinLnBrk="0" hangingPunct="1">
+              <a:spcBef>
+                <a:spcPct val="20000"/>
+              </a:spcBef>
+              <a:buFont typeface="Arial" pitchFamily="34" charset="0"/>
+              <a:buNone/>
+              <a:defRPr sz="2000" kern="1200">
+                <a:solidFill>
+                  <a:schemeClr val="tx1">
+                    <a:tint val="75000"/>
+                  </a:schemeClr>
+                </a:solidFill>
+                <a:latin typeface="+mn-lt"/>
+                <a:ea typeface="+mn-ea"/>
+                <a:cs typeface="+mn-cs"/>
+              </a:defRPr>
+            </a:lvl4pPr>
+            <a:lvl5pPr marL="1828800" indent="0" algn="ctr" defTabSz="914400" rtl="0" eaLnBrk="1" latinLnBrk="0" hangingPunct="1">
+              <a:spcBef>
+                <a:spcPct val="20000"/>
+              </a:spcBef>
+              <a:buFont typeface="Arial" pitchFamily="34" charset="0"/>
+              <a:buNone/>
+              <a:defRPr sz="2000" kern="1200">
+                <a:solidFill>
+                  <a:schemeClr val="tx1">
+                    <a:tint val="75000"/>
+                  </a:schemeClr>
+                </a:solidFill>
+                <a:latin typeface="+mn-lt"/>
+                <a:ea typeface="+mn-ea"/>
+                <a:cs typeface="+mn-cs"/>
+              </a:defRPr>
+            </a:lvl5pPr>
+            <a:lvl6pPr marL="2286000" indent="0" algn="ctr" defTabSz="914400" rtl="0" eaLnBrk="1" latinLnBrk="0" hangingPunct="1">
+              <a:spcBef>
+                <a:spcPct val="20000"/>
+              </a:spcBef>
+              <a:buFont typeface="Arial" pitchFamily="34" charset="0"/>
+              <a:buNone/>
+              <a:defRPr sz="2000" kern="1200">
+                <a:solidFill>
+                  <a:schemeClr val="tx1">
+                    <a:tint val="75000"/>
+                  </a:schemeClr>
+                </a:solidFill>
+                <a:latin typeface="+mn-lt"/>
+                <a:ea typeface="+mn-ea"/>
+                <a:cs typeface="+mn-cs"/>
+              </a:defRPr>
+            </a:lvl6pPr>
+            <a:lvl7pPr marL="2743200" indent="0" algn="ctr" defTabSz="914400" rtl="0" eaLnBrk="1" latinLnBrk="0" hangingPunct="1">
+              <a:spcBef>
+                <a:spcPct val="20000"/>
+              </a:spcBef>
+              <a:buFont typeface="Arial" pitchFamily="34" charset="0"/>
+              <a:buNone/>
+              <a:defRPr sz="2000" kern="1200">
+                <a:solidFill>
+                  <a:schemeClr val="tx1">
+                    <a:tint val="75000"/>
+                  </a:schemeClr>
+                </a:solidFill>
+                <a:latin typeface="+mn-lt"/>
+                <a:ea typeface="+mn-ea"/>
+                <a:cs typeface="+mn-cs"/>
+              </a:defRPr>
+            </a:lvl7pPr>
+            <a:lvl8pPr marL="3200400" indent="0" algn="ctr" defTabSz="914400" rtl="0" eaLnBrk="1" latinLnBrk="0" hangingPunct="1">
+              <a:spcBef>
+                <a:spcPct val="20000"/>
+              </a:spcBef>
+              <a:buFont typeface="Arial" pitchFamily="34" charset="0"/>
+              <a:buNone/>
+              <a:defRPr sz="2000" kern="1200">
+                <a:solidFill>
+                  <a:schemeClr val="tx1">
+                    <a:tint val="75000"/>
+                  </a:schemeClr>
+                </a:solidFill>
+                <a:latin typeface="+mn-lt"/>
+                <a:ea typeface="+mn-ea"/>
+                <a:cs typeface="+mn-cs"/>
+              </a:defRPr>
+            </a:lvl8pPr>
+            <a:lvl9pPr marL="3657600" indent="0" algn="ctr" defTabSz="914400" rtl="0" eaLnBrk="1" latinLnBrk="0" hangingPunct="1">
+              <a:spcBef>
+                <a:spcPct val="20000"/>
+              </a:spcBef>
+              <a:buFont typeface="Arial" pitchFamily="34" charset="0"/>
+              <a:buNone/>
+              <a:defRPr sz="2000" kern="1200">
+                <a:solidFill>
+                  <a:schemeClr val="tx1">
+                    <a:tint val="75000"/>
+                  </a:schemeClr>
+                </a:solidFill>
+                <a:latin typeface="+mn-lt"/>
+                <a:ea typeface="+mn-ea"/>
+                <a:cs typeface="+mn-cs"/>
+              </a:defRPr>
+            </a:lvl9pPr>
+          </a:lstStyle>
+          <a:p>
+            <a:pPr marL="342900" indent="-342900" algn="l">
+              <a:buClr>
+                <a:srgbClr val="0070C0"/>
+              </a:buClr>
+              <a:buSzPct val="80000"/>
+              <a:buFont typeface="Wingdings" pitchFamily="2" charset="2"/>
+              <a:buChar char="u"/>
+            </a:pPr>
+            <a:r>
+              <a:rPr lang="en-US" sz="1800" b="1" dirty="0">
+                <a:solidFill>
+                  <a:schemeClr val="tx1"/>
+                </a:solidFill>
+              </a:rPr>
+              <a:t>Run Client:</a:t>
+            </a:r>
+          </a:p>
+        </p:txBody>
+      </p:sp>
+    </p:spTree>
+    <p:extLst>
+      <p:ext uri="{BB962C8B-B14F-4D97-AF65-F5344CB8AC3E}">
+        <p14:creationId xmlns:p14="http://schemas.microsoft.com/office/powerpoint/2010/main" val="806750731"/>
+      </p:ext>
+    </p:extLst>
+  </p:cSld>
+  <p:clrMapOvr>
+    <a:masterClrMapping/>
+  </p:clrMapOvr>
+</p:sld>
+</file>
+
+<file path=ppt/slides/slide33.xml><?xml version="1.0" encoding="utf-8"?>
+<p:sld xmlns:a="http://schemas.openxmlformats.org/drawingml/2006/main" xmlns:r="http://schemas.openxmlformats.org/officeDocument/2006/relationships" xmlns:p="http://schemas.openxmlformats.org/presentationml/2006/main">
+  <p:cSld>
+    <p:spTree>
+      <p:nvGrpSpPr>
+        <p:cNvPr id="1" name=""/>
+        <p:cNvGrpSpPr/>
+        <p:nvPr/>
+      </p:nvGrpSpPr>
+      <p:grpSpPr>
+        <a:xfrm>
+          <a:off x="0" y="0"/>
+          <a:ext cx="0" cy="0"/>
+          <a:chOff x="0" y="0"/>
+          <a:chExt cx="0" cy="0"/>
+        </a:xfrm>
+      </p:grpSpPr>
+      <p:sp>
+        <p:nvSpPr>
+          <p:cNvPr id="2" name="標題 1"/>
+          <p:cNvSpPr>
+            <a:spLocks noGrp="1"/>
+          </p:cNvSpPr>
+          <p:nvPr>
+            <p:ph type="ctrTitle"/>
+          </p:nvPr>
+        </p:nvSpPr>
+        <p:spPr>
+          <a:xfrm>
+            <a:off x="0" y="2130425"/>
+            <a:ext cx="9144000" cy="1470025"/>
+          </a:xfrm>
+          <a:gradFill flip="none" rotWithShape="1">
+            <a:gsLst>
+              <a:gs pos="0">
+                <a:srgbClr val="00B0F0">
+                  <a:shade val="30000"/>
+                  <a:satMod val="115000"/>
+                </a:srgbClr>
+              </a:gs>
+              <a:gs pos="50000">
+                <a:srgbClr val="00B0F0">
+                  <a:shade val="67500"/>
+                  <a:satMod val="115000"/>
+                </a:srgbClr>
+              </a:gs>
+              <a:gs pos="100000">
+                <a:srgbClr val="00B0F0">
+                  <a:shade val="100000"/>
+                  <a:satMod val="115000"/>
+                </a:srgbClr>
+              </a:gs>
+            </a:gsLst>
+            <a:path path="circle">
+              <a:fillToRect t="100000" r="100000"/>
+            </a:path>
+            <a:tileRect l="-100000" b="-100000"/>
+          </a:gradFill>
+        </p:spPr>
+        <p:txBody>
+          <a:bodyPr>
+            <a:normAutofit/>
+          </a:bodyPr>
+          <a:lstStyle/>
+          <a:p>
+            <a:r>
+              <a:rPr lang="en-US" altLang="zh-TW" sz="6000" b="1" dirty="0">
+                <a:solidFill>
+                  <a:srgbClr val="FFFF00"/>
+                </a:solidFill>
+              </a:rPr>
+              <a:t>End of Chapter</a:t>
+            </a:r>
+            <a:endParaRPr lang="zh-TW" altLang="en-US" sz="6000" b="1" dirty="0">
+              <a:solidFill>
+                <a:srgbClr val="FFFF00"/>
+              </a:solidFill>
+            </a:endParaRPr>
+          </a:p>
+        </p:txBody>
+      </p:sp>
+      <p:sp>
+        <p:nvSpPr>
+          <p:cNvPr id="5" name="日期版面配置區 4"/>
+          <p:cNvSpPr>
+            <a:spLocks noGrp="1"/>
+          </p:cNvSpPr>
+          <p:nvPr>
+            <p:ph type="dt" sz="half" idx="10"/>
+          </p:nvPr>
+        </p:nvSpPr>
+        <p:spPr/>
+        <p:txBody>
+          <a:bodyPr/>
+          <a:lstStyle/>
+          <a:p>
+            <a:fld id="{4E46BE27-E923-4EC2-B046-3272AE2A3E5C}" type="datetime1">
+              <a:rPr lang="zh-TW" altLang="en-US" smtClean="0"/>
+              <a:pPr/>
+              <a:t>2020/1/6</a:t>
+            </a:fld>
+            <a:endParaRPr lang="zh-TW" altLang="en-US"/>
+          </a:p>
+        </p:txBody>
+      </p:sp>
+      <p:sp>
+        <p:nvSpPr>
+          <p:cNvPr id="6" name="投影片編號版面配置區 5"/>
+          <p:cNvSpPr>
+            <a:spLocks noGrp="1"/>
+          </p:cNvSpPr>
+          <p:nvPr>
+            <p:ph type="sldNum" sz="quarter" idx="12"/>
+          </p:nvPr>
+        </p:nvSpPr>
+        <p:spPr/>
+        <p:txBody>
+          <a:bodyPr/>
+          <a:lstStyle/>
+          <a:p>
+            <a:fld id="{E4D7E63D-91F2-4366-A2C4-1B00C9E2590E}" type="slidenum">
+              <a:rPr lang="zh-TW" altLang="en-US" smtClean="0"/>
+              <a:pPr/>
+              <a:t>33</a:t>
+            </a:fld>
+            <a:endParaRPr lang="zh-TW" altLang="en-US"/>
+          </a:p>
+        </p:txBody>
+      </p:sp>
+    </p:spTree>
+  </p:cSld>
+  <p:clrMapOvr>
+    <a:masterClrMapping/>
+  </p:clrMapOvr>
+</p:sld>
+</file>
+
 <file path=ppt/slides/slide4.xml><?xml version="1.0" encoding="utf-8"?>
 <p:sld xmlns:a="http://schemas.openxmlformats.org/drawingml/2006/main" xmlns:r="http://schemas.openxmlformats.org/officeDocument/2006/relationships" xmlns:p="http://schemas.openxmlformats.org/presentationml/2006/main">
   <p:cSld>
@@ -9802,7 +14515,7 @@
             <a:fld id="{A4F910E6-8D00-4BAF-8C48-9688E0B449D3}" type="datetime1">
               <a:rPr lang="zh-TW" altLang="en-US" smtClean="0"/>
               <a:pPr/>
-              <a:t>2020/1/5</a:t>
+              <a:t>2020/1/6</a:t>
             </a:fld>
             <a:endParaRPr lang="zh-TW" altLang="en-US"/>
           </a:p>
@@ -10169,7 +14882,7 @@
             <a:fld id="{A4F910E6-8D00-4BAF-8C48-9688E0B449D3}" type="datetime1">
               <a:rPr lang="zh-TW" altLang="en-US" smtClean="0"/>
               <a:pPr/>
-              <a:t>2020/1/5</a:t>
+              <a:t>2020/1/6</a:t>
             </a:fld>
             <a:endParaRPr lang="zh-TW" altLang="en-US"/>
           </a:p>
@@ -10805,7 +15518,7 @@
             <a:fld id="{A4F910E6-8D00-4BAF-8C48-9688E0B449D3}" type="datetime1">
               <a:rPr lang="zh-TW" altLang="en-US" smtClean="0"/>
               <a:pPr/>
-              <a:t>2020/1/5</a:t>
+              <a:t>2020/1/6</a:t>
             </a:fld>
             <a:endParaRPr lang="zh-TW" altLang="en-US"/>
           </a:p>
@@ -11294,7 +16007,7 @@
             <a:fld id="{C389EDC9-19E3-47AC-9C57-C6A24DEA81AD}" type="datetime1">
               <a:rPr lang="zh-TW" altLang="en-US" smtClean="0"/>
               <a:pPr/>
-              <a:t>2020/1/5</a:t>
+              <a:t>2020/1/6</a:t>
             </a:fld>
             <a:endParaRPr lang="zh-TW" altLang="en-US"/>
           </a:p>
@@ -11648,7 +16361,7 @@
             <a:fld id="{A4F910E6-8D00-4BAF-8C48-9688E0B449D3}" type="datetime1">
               <a:rPr lang="zh-TW" altLang="en-US" smtClean="0"/>
               <a:pPr/>
-              <a:t>2020/1/5</a:t>
+              <a:t>2020/1/6</a:t>
             </a:fld>
             <a:endParaRPr lang="zh-TW" altLang="en-US"/>
           </a:p>
@@ -12442,7 +17155,7 @@
             <a:fld id="{C389EDC9-19E3-47AC-9C57-C6A24DEA81AD}" type="datetime1">
               <a:rPr lang="zh-TW" altLang="en-US" smtClean="0"/>
               <a:pPr/>
-              <a:t>2020/1/5</a:t>
+              <a:t>2020/1/6</a:t>
             </a:fld>
             <a:endParaRPr lang="zh-TW" altLang="en-US"/>
           </a:p>
